--- a/Presentation_1.pptm.pptx
+++ b/Presentation_1.pptm.pptx
@@ -1,42 +1,32 @@
 
 <file path=ppt/presentation.xml><?xml version="1.0" encoding="utf-8"?>
-<p:presentation xmlns:a="http://schemas.openxmlformats.org/drawingml/2006/main" xmlns:r="http://schemas.openxmlformats.org/officeDocument/2006/relationships" xmlns:p="http://schemas.openxmlformats.org/presentationml/2006/main" strictFirstAndLastChars="0" embedTrueTypeFonts="1" saveSubsetFonts="1" autoCompressPictures="0">
+<p:presentation xmlns:a="http://schemas.openxmlformats.org/drawingml/2006/main" xmlns:r="http://schemas.openxmlformats.org/officeDocument/2006/relationships" xmlns:mc="http://schemas.openxmlformats.org/markup-compatibility/2006" xmlns:mv="urn:schemas-microsoft-com:mac:vml" xmlns:p="http://schemas.openxmlformats.org/presentationml/2006/main" xmlns:c="http://schemas.openxmlformats.org/drawingml/2006/chart" xmlns:dgm="http://schemas.openxmlformats.org/drawingml/2006/diagram" xmlns:o="urn:schemas-microsoft-com:office:office" xmlns:v="urn:schemas-microsoft-com:vml" xmlns:pvml="urn:schemas-microsoft-com:office:powerpoint" xmlns:com="http://schemas.openxmlformats.org/drawingml/2006/compatibility" xmlns:p14="http://schemas.microsoft.com/office/powerpoint/2010/main" xmlns:p15="http://schemas.microsoft.com/office/powerpoint/2012/main" autoCompressPictures="0" embedTrueTypeFonts="1" strictFirstAndLastChars="0" saveSubsetFonts="1">
   <p:sldMasterIdLst>
-    <p:sldMasterId id="2147483660" r:id="rId1"/>
+    <p:sldMasterId id="2147483660" r:id="rId3"/>
   </p:sldMasterIdLst>
   <p:notesMasterIdLst>
-    <p:notesMasterId r:id="rId10"/>
+    <p:notesMasterId r:id="rId4"/>
   </p:notesMasterIdLst>
   <p:sldIdLst>
-    <p:sldId id="256" r:id="rId2"/>
-    <p:sldId id="262" r:id="rId3"/>
-    <p:sldId id="257" r:id="rId4"/>
-    <p:sldId id="261" r:id="rId5"/>
-    <p:sldId id="258" r:id="rId6"/>
-    <p:sldId id="263" r:id="rId7"/>
-    <p:sldId id="265" r:id="rId8"/>
-    <p:sldId id="264" r:id="rId9"/>
+    <p:sldId id="256" r:id="rId5"/>
+    <p:sldId id="257" r:id="rId6"/>
+    <p:sldId id="258" r:id="rId7"/>
+    <p:sldId id="259" r:id="rId8"/>
+    <p:sldId id="260" r:id="rId9"/>
   </p:sldIdLst>
-  <p:sldSz cx="12192000" cy="6858000"/>
+  <p:sldSz cy="6858000" cx="12192000"/>
   <p:notesSz cx="6858000" cy="9144000"/>
   <p:embeddedFontLst>
     <p:embeddedFont>
-      <p:font typeface="Calibri" panose="020F0502020204030204" pitchFamily="34" charset="0"/>
-      <p:regular r:id="rId11"/>
-      <p:bold r:id="rId12"/>
-      <p:italic r:id="rId13"/>
-      <p:boldItalic r:id="rId14"/>
-    </p:embeddedFont>
-    <p:embeddedFont>
-      <p:font typeface="Roboto" panose="020B0604020202020204" charset="0"/>
-      <p:regular r:id="rId15"/>
-      <p:bold r:id="rId16"/>
-      <p:italic r:id="rId17"/>
-      <p:boldItalic r:id="rId18"/>
+      <p:font typeface="Roboto"/>
+      <p:regular r:id="rId10"/>
+      <p:bold r:id="rId11"/>
+      <p:italic r:id="rId12"/>
+      <p:boldItalic r:id="rId13"/>
     </p:embeddedFont>
   </p:embeddedFontLst>
   <p:defaultTextStyle>
-    <a:defPPr marR="0" lvl="0" algn="l" rtl="0">
+    <a:defPPr lvl="0" marR="0" rtl="0" algn="l">
       <a:lnSpc>
         <a:spcPct val="100000"/>
       </a:lnSpc>
@@ -47,7 +37,7 @@
         <a:spcPts val="0"/>
       </a:spcAft>
     </a:defPPr>
-    <a:lvl1pPr marR="0" lvl="0" algn="l" rtl="0">
+    <a:lvl1pPr lvl="0" marR="0" rtl="0" algn="l">
       <a:lnSpc>
         <a:spcPct val="100000"/>
       </a:lnSpc>
@@ -61,7 +51,7 @@
         <a:srgbClr val="000000"/>
       </a:buClr>
       <a:buFont typeface="Arial"/>
-      <a:defRPr sz="1400" b="0" i="0" u="none" strike="noStrike" cap="none">
+      <a:defRPr b="0" i="0" sz="1400" u="none" cap="none" strike="noStrike">
         <a:solidFill>
           <a:srgbClr val="000000"/>
         </a:solidFill>
@@ -71,7 +61,7 @@
         <a:sym typeface="Arial"/>
       </a:defRPr>
     </a:lvl1pPr>
-    <a:lvl2pPr marR="0" lvl="1" algn="l" rtl="0">
+    <a:lvl2pPr lvl="1" marR="0" rtl="0" algn="l">
       <a:lnSpc>
         <a:spcPct val="100000"/>
       </a:lnSpc>
@@ -85,7 +75,7 @@
         <a:srgbClr val="000000"/>
       </a:buClr>
       <a:buFont typeface="Arial"/>
-      <a:defRPr sz="1400" b="0" i="0" u="none" strike="noStrike" cap="none">
+      <a:defRPr b="0" i="0" sz="1400" u="none" cap="none" strike="noStrike">
         <a:solidFill>
           <a:srgbClr val="000000"/>
         </a:solidFill>
@@ -95,7 +85,7 @@
         <a:sym typeface="Arial"/>
       </a:defRPr>
     </a:lvl2pPr>
-    <a:lvl3pPr marR="0" lvl="2" algn="l" rtl="0">
+    <a:lvl3pPr lvl="2" marR="0" rtl="0" algn="l">
       <a:lnSpc>
         <a:spcPct val="100000"/>
       </a:lnSpc>
@@ -109,7 +99,7 @@
         <a:srgbClr val="000000"/>
       </a:buClr>
       <a:buFont typeface="Arial"/>
-      <a:defRPr sz="1400" b="0" i="0" u="none" strike="noStrike" cap="none">
+      <a:defRPr b="0" i="0" sz="1400" u="none" cap="none" strike="noStrike">
         <a:solidFill>
           <a:srgbClr val="000000"/>
         </a:solidFill>
@@ -119,7 +109,7 @@
         <a:sym typeface="Arial"/>
       </a:defRPr>
     </a:lvl3pPr>
-    <a:lvl4pPr marR="0" lvl="3" algn="l" rtl="0">
+    <a:lvl4pPr lvl="3" marR="0" rtl="0" algn="l">
       <a:lnSpc>
         <a:spcPct val="100000"/>
       </a:lnSpc>
@@ -133,7 +123,7 @@
         <a:srgbClr val="000000"/>
       </a:buClr>
       <a:buFont typeface="Arial"/>
-      <a:defRPr sz="1400" b="0" i="0" u="none" strike="noStrike" cap="none">
+      <a:defRPr b="0" i="0" sz="1400" u="none" cap="none" strike="noStrike">
         <a:solidFill>
           <a:srgbClr val="000000"/>
         </a:solidFill>
@@ -143,7 +133,7 @@
         <a:sym typeface="Arial"/>
       </a:defRPr>
     </a:lvl4pPr>
-    <a:lvl5pPr marR="0" lvl="4" algn="l" rtl="0">
+    <a:lvl5pPr lvl="4" marR="0" rtl="0" algn="l">
       <a:lnSpc>
         <a:spcPct val="100000"/>
       </a:lnSpc>
@@ -157,7 +147,7 @@
         <a:srgbClr val="000000"/>
       </a:buClr>
       <a:buFont typeface="Arial"/>
-      <a:defRPr sz="1400" b="0" i="0" u="none" strike="noStrike" cap="none">
+      <a:defRPr b="0" i="0" sz="1400" u="none" cap="none" strike="noStrike">
         <a:solidFill>
           <a:srgbClr val="000000"/>
         </a:solidFill>
@@ -167,7 +157,7 @@
         <a:sym typeface="Arial"/>
       </a:defRPr>
     </a:lvl5pPr>
-    <a:lvl6pPr marR="0" lvl="5" algn="l" rtl="0">
+    <a:lvl6pPr lvl="5" marR="0" rtl="0" algn="l">
       <a:lnSpc>
         <a:spcPct val="100000"/>
       </a:lnSpc>
@@ -181,7 +171,7 @@
         <a:srgbClr val="000000"/>
       </a:buClr>
       <a:buFont typeface="Arial"/>
-      <a:defRPr sz="1400" b="0" i="0" u="none" strike="noStrike" cap="none">
+      <a:defRPr b="0" i="0" sz="1400" u="none" cap="none" strike="noStrike">
         <a:solidFill>
           <a:srgbClr val="000000"/>
         </a:solidFill>
@@ -191,7 +181,7 @@
         <a:sym typeface="Arial"/>
       </a:defRPr>
     </a:lvl6pPr>
-    <a:lvl7pPr marR="0" lvl="6" algn="l" rtl="0">
+    <a:lvl7pPr lvl="6" marR="0" rtl="0" algn="l">
       <a:lnSpc>
         <a:spcPct val="100000"/>
       </a:lnSpc>
@@ -205,7 +195,7 @@
         <a:srgbClr val="000000"/>
       </a:buClr>
       <a:buFont typeface="Arial"/>
-      <a:defRPr sz="1400" b="0" i="0" u="none" strike="noStrike" cap="none">
+      <a:defRPr b="0" i="0" sz="1400" u="none" cap="none" strike="noStrike">
         <a:solidFill>
           <a:srgbClr val="000000"/>
         </a:solidFill>
@@ -215,7 +205,7 @@
         <a:sym typeface="Arial"/>
       </a:defRPr>
     </a:lvl7pPr>
-    <a:lvl8pPr marR="0" lvl="7" algn="l" rtl="0">
+    <a:lvl8pPr lvl="7" marR="0" rtl="0" algn="l">
       <a:lnSpc>
         <a:spcPct val="100000"/>
       </a:lnSpc>
@@ -229,7 +219,7 @@
         <a:srgbClr val="000000"/>
       </a:buClr>
       <a:buFont typeface="Arial"/>
-      <a:defRPr sz="1400" b="0" i="0" u="none" strike="noStrike" cap="none">
+      <a:defRPr b="0" i="0" sz="1400" u="none" cap="none" strike="noStrike">
         <a:solidFill>
           <a:srgbClr val="000000"/>
         </a:solidFill>
@@ -239,7 +229,7 @@
         <a:sym typeface="Arial"/>
       </a:defRPr>
     </a:lvl8pPr>
-    <a:lvl9pPr marR="0" lvl="8" algn="l" rtl="0">
+    <a:lvl9pPr lvl="8" marR="0" rtl="0" algn="l">
       <a:lnSpc>
         <a:spcPct val="100000"/>
       </a:lnSpc>
@@ -253,7 +243,7 @@
         <a:srgbClr val="000000"/>
       </a:buClr>
       <a:buFont typeface="Arial"/>
-      <a:defRPr sz="1400" b="0" i="0" u="none" strike="noStrike" cap="none">
+      <a:defRPr b="0" i="0" sz="1400" u="none" cap="none" strike="noStrike">
         <a:solidFill>
           <a:srgbClr val="000000"/>
         </a:solidFill>
@@ -268,16 +258,11 @@
 </file>
 
 <file path=ppt/notesMasters/notesMaster1.xml><?xml version="1.0" encoding="utf-8"?>
-<p:notesMaster xmlns:a="http://schemas.openxmlformats.org/drawingml/2006/main" xmlns:r="http://schemas.openxmlformats.org/officeDocument/2006/relationships" xmlns:p="http://schemas.openxmlformats.org/presentationml/2006/main">
+<p:notesMaster xmlns:a="http://schemas.openxmlformats.org/drawingml/2006/main" xmlns:r="http://schemas.openxmlformats.org/officeDocument/2006/relationships" xmlns:mc="http://schemas.openxmlformats.org/markup-compatibility/2006" xmlns:mv="urn:schemas-microsoft-com:mac:vml" xmlns:p="http://schemas.openxmlformats.org/presentationml/2006/main" xmlns:c="http://schemas.openxmlformats.org/drawingml/2006/chart" xmlns:dgm="http://schemas.openxmlformats.org/drawingml/2006/diagram" xmlns:o="urn:schemas-microsoft-com:office:office" xmlns:v="urn:schemas-microsoft-com:vml" xmlns:pvml="urn:schemas-microsoft-com:office:powerpoint" xmlns:com="http://schemas.openxmlformats.org/drawingml/2006/compatibility" xmlns:p14="http://schemas.microsoft.com/office/powerpoint/2010/main" xmlns:p15="http://schemas.microsoft.com/office/powerpoint/2012/main">
   <p:cSld>
-    <p:bg>
-      <p:bgRef idx="1001">
-        <a:schemeClr val="bg1"/>
-      </p:bgRef>
-    </p:bg>
     <p:spTree>
       <p:nvGrpSpPr>
-        <p:cNvPr id="1" name="Shape 2"/>
+        <p:cNvPr id="2" name="Shape 2"/>
         <p:cNvGrpSpPr/>
         <p:nvPr/>
       </p:nvGrpSpPr>
@@ -292,11 +277,9 @@
       <p:sp>
         <p:nvSpPr>
           <p:cNvPr id="3" name="Google Shape;3;n"/>
-          <p:cNvSpPr>
-            <a:spLocks noGrp="1" noRot="1" noChangeAspect="1"/>
-          </p:cNvSpPr>
+          <p:cNvSpPr/>
           <p:nvPr>
-            <p:ph type="sldImg" idx="2"/>
+            <p:ph idx="2" type="sldImg"/>
           </p:nvPr>
         </p:nvSpPr>
         <p:spPr>
@@ -305,13 +288,9 @@
             <a:ext cx="4572225" cy="3429000"/>
           </a:xfrm>
           <a:custGeom>
-            <a:avLst/>
-            <a:gdLst/>
-            <a:ahLst/>
-            <a:cxnLst/>
-            <a:rect l="l" t="t" r="r" b="b"/>
+            <a:rect b="b" l="l" r="r" t="t"/>
             <a:pathLst>
-              <a:path w="120000" h="120000" extrusionOk="0">
+              <a:path extrusionOk="0" h="120000" w="120000">
                 <a:moveTo>
                   <a:pt x="0" y="0"/>
                 </a:moveTo>
@@ -329,25 +308,23 @@
             </a:pathLst>
           </a:custGeom>
           <a:noFill/>
-          <a:ln w="9525" cap="flat" cmpd="sng">
+          <a:ln cap="flat" cmpd="sng" w="9525">
             <a:solidFill>
               <a:srgbClr val="000000"/>
             </a:solidFill>
             <a:prstDash val="solid"/>
             <a:round/>
-            <a:headEnd type="none" w="sm" len="sm"/>
-            <a:tailEnd type="none" w="sm" len="sm"/>
+            <a:headEnd len="sm" w="sm" type="none"/>
+            <a:tailEnd len="sm" w="sm" type="none"/>
           </a:ln>
         </p:spPr>
       </p:sp>
       <p:sp>
         <p:nvSpPr>
           <p:cNvPr id="4" name="Google Shape;4;n"/>
-          <p:cNvSpPr txBox="1">
-            <a:spLocks noGrp="1"/>
-          </p:cNvSpPr>
+          <p:cNvSpPr txBox="1"/>
           <p:nvPr>
-            <p:ph type="body" idx="1"/>
+            <p:ph idx="1" type="body"/>
           </p:nvPr>
         </p:nvSpPr>
         <p:spPr>
@@ -364,11 +341,11 @@
           </a:ln>
         </p:spPr>
         <p:txBody>
-          <a:bodyPr spcFirstLastPara="1" wrap="square" lIns="91425" tIns="91425" rIns="91425" bIns="91425" anchor="t" anchorCtr="0">
+          <a:bodyPr anchorCtr="0" anchor="t" bIns="91425" lIns="91425" spcFirstLastPara="1" rIns="91425" wrap="square" tIns="91425">
             <a:noAutofit/>
           </a:bodyPr>
           <a:lstStyle>
-            <a:lvl1pPr marL="457200" lvl="0" indent="-298450">
+            <a:lvl1pPr indent="-298450" lvl="0" marL="457200">
               <a:spcBef>
                 <a:spcPts val="0"/>
               </a:spcBef>
@@ -379,7 +356,7 @@
               <a:buChar char="●"/>
               <a:defRPr sz="1100"/>
             </a:lvl1pPr>
-            <a:lvl2pPr marL="914400" lvl="1" indent="-298450">
+            <a:lvl2pPr indent="-298450" lvl="1" marL="914400">
               <a:spcBef>
                 <a:spcPts val="0"/>
               </a:spcBef>
@@ -390,7 +367,7 @@
               <a:buChar char="○"/>
               <a:defRPr sz="1100"/>
             </a:lvl2pPr>
-            <a:lvl3pPr marL="1371600" lvl="2" indent="-298450">
+            <a:lvl3pPr indent="-298450" lvl="2" marL="1371600">
               <a:spcBef>
                 <a:spcPts val="0"/>
               </a:spcBef>
@@ -401,7 +378,7 @@
               <a:buChar char="■"/>
               <a:defRPr sz="1100"/>
             </a:lvl3pPr>
-            <a:lvl4pPr marL="1828800" lvl="3" indent="-298450">
+            <a:lvl4pPr indent="-298450" lvl="3" marL="1828800">
               <a:spcBef>
                 <a:spcPts val="0"/>
               </a:spcBef>
@@ -412,7 +389,7 @@
               <a:buChar char="●"/>
               <a:defRPr sz="1100"/>
             </a:lvl4pPr>
-            <a:lvl5pPr marL="2286000" lvl="4" indent="-298450">
+            <a:lvl5pPr indent="-298450" lvl="4" marL="2286000">
               <a:spcBef>
                 <a:spcPts val="0"/>
               </a:spcBef>
@@ -423,7 +400,7 @@
               <a:buChar char="○"/>
               <a:defRPr sz="1100"/>
             </a:lvl5pPr>
-            <a:lvl6pPr marL="2743200" lvl="5" indent="-298450">
+            <a:lvl6pPr indent="-298450" lvl="5" marL="2743200">
               <a:spcBef>
                 <a:spcPts val="0"/>
               </a:spcBef>
@@ -434,7 +411,7 @@
               <a:buChar char="■"/>
               <a:defRPr sz="1100"/>
             </a:lvl6pPr>
-            <a:lvl7pPr marL="3200400" lvl="6" indent="-298450">
+            <a:lvl7pPr indent="-298450" lvl="6" marL="3200400">
               <a:spcBef>
                 <a:spcPts val="0"/>
               </a:spcBef>
@@ -445,7 +422,7 @@
               <a:buChar char="●"/>
               <a:defRPr sz="1100"/>
             </a:lvl7pPr>
-            <a:lvl8pPr marL="3657600" lvl="7" indent="-298450">
+            <a:lvl8pPr indent="-298450" lvl="7" marL="3657600">
               <a:spcBef>
                 <a:spcPts val="0"/>
               </a:spcBef>
@@ -456,7 +433,7 @@
               <a:buChar char="○"/>
               <a:defRPr sz="1100"/>
             </a:lvl8pPr>
-            <a:lvl9pPr marL="4114800" lvl="8" indent="-298450">
+            <a:lvl9pPr indent="-298450" lvl="8" marL="4114800">
               <a:spcBef>
                 <a:spcPts val="0"/>
               </a:spcBef>
@@ -468,21 +445,14 @@
               <a:defRPr sz="1100"/>
             </a:lvl9pPr>
           </a:lstStyle>
-          <a:p>
-            <a:endParaRPr/>
-          </a:p>
+          <a:p/>
         </p:txBody>
       </p:sp>
     </p:spTree>
-    <p:extLst>
-      <p:ext uri="{BB962C8B-B14F-4D97-AF65-F5344CB8AC3E}">
-        <p14:creationId xmlns:p14="http://schemas.microsoft.com/office/powerpoint/2010/main" val="3057283218"/>
-      </p:ext>
-    </p:extLst>
   </p:cSld>
-  <p:clrMap bg1="lt1" tx1="dk1" bg2="dk2" tx2="lt2" accent1="accent1" accent2="accent2" accent3="accent3" accent4="accent4" accent5="accent5" accent6="accent6" hlink="hlink" folHlink="folHlink"/>
+  <p:clrMap accent1="accent1" accent2="accent2" accent3="accent3" accent4="accent4" accent5="accent5" accent6="accent6" bg1="lt1" bg2="dk2" tx1="dk1" tx2="lt2" folHlink="folHlink" hlink="hlink"/>
   <p:notesStyle>
-    <a:defPPr marR="0" lvl="0" algn="l" rtl="0">
+    <a:defPPr lvl="0" marR="0" rtl="0" algn="l">
       <a:lnSpc>
         <a:spcPct val="100000"/>
       </a:lnSpc>
@@ -493,7 +463,7 @@
         <a:spcPts val="0"/>
       </a:spcAft>
     </a:defPPr>
-    <a:lvl1pPr marR="0" lvl="0" algn="l" rtl="0">
+    <a:lvl1pPr lvl="0" marR="0" rtl="0" algn="l">
       <a:lnSpc>
         <a:spcPct val="100000"/>
       </a:lnSpc>
@@ -507,7 +477,7 @@
         <a:srgbClr val="000000"/>
       </a:buClr>
       <a:buFont typeface="Arial"/>
-      <a:defRPr sz="1400" b="0" i="0" u="none" strike="noStrike" cap="none">
+      <a:defRPr b="0" i="0" sz="1400" u="none" cap="none" strike="noStrike">
         <a:solidFill>
           <a:srgbClr val="000000"/>
         </a:solidFill>
@@ -517,7 +487,7 @@
         <a:sym typeface="Arial"/>
       </a:defRPr>
     </a:lvl1pPr>
-    <a:lvl2pPr marR="0" lvl="1" algn="l" rtl="0">
+    <a:lvl2pPr lvl="1" marR="0" rtl="0" algn="l">
       <a:lnSpc>
         <a:spcPct val="100000"/>
       </a:lnSpc>
@@ -531,7 +501,7 @@
         <a:srgbClr val="000000"/>
       </a:buClr>
       <a:buFont typeface="Arial"/>
-      <a:defRPr sz="1400" b="0" i="0" u="none" strike="noStrike" cap="none">
+      <a:defRPr b="0" i="0" sz="1400" u="none" cap="none" strike="noStrike">
         <a:solidFill>
           <a:srgbClr val="000000"/>
         </a:solidFill>
@@ -541,7 +511,7 @@
         <a:sym typeface="Arial"/>
       </a:defRPr>
     </a:lvl2pPr>
-    <a:lvl3pPr marR="0" lvl="2" algn="l" rtl="0">
+    <a:lvl3pPr lvl="2" marR="0" rtl="0" algn="l">
       <a:lnSpc>
         <a:spcPct val="100000"/>
       </a:lnSpc>
@@ -555,7 +525,7 @@
         <a:srgbClr val="000000"/>
       </a:buClr>
       <a:buFont typeface="Arial"/>
-      <a:defRPr sz="1400" b="0" i="0" u="none" strike="noStrike" cap="none">
+      <a:defRPr b="0" i="0" sz="1400" u="none" cap="none" strike="noStrike">
         <a:solidFill>
           <a:srgbClr val="000000"/>
         </a:solidFill>
@@ -565,7 +535,7 @@
         <a:sym typeface="Arial"/>
       </a:defRPr>
     </a:lvl3pPr>
-    <a:lvl4pPr marR="0" lvl="3" algn="l" rtl="0">
+    <a:lvl4pPr lvl="3" marR="0" rtl="0" algn="l">
       <a:lnSpc>
         <a:spcPct val="100000"/>
       </a:lnSpc>
@@ -579,7 +549,7 @@
         <a:srgbClr val="000000"/>
       </a:buClr>
       <a:buFont typeface="Arial"/>
-      <a:defRPr sz="1400" b="0" i="0" u="none" strike="noStrike" cap="none">
+      <a:defRPr b="0" i="0" sz="1400" u="none" cap="none" strike="noStrike">
         <a:solidFill>
           <a:srgbClr val="000000"/>
         </a:solidFill>
@@ -589,7 +559,7 @@
         <a:sym typeface="Arial"/>
       </a:defRPr>
     </a:lvl4pPr>
-    <a:lvl5pPr marR="0" lvl="4" algn="l" rtl="0">
+    <a:lvl5pPr lvl="4" marR="0" rtl="0" algn="l">
       <a:lnSpc>
         <a:spcPct val="100000"/>
       </a:lnSpc>
@@ -603,7 +573,7 @@
         <a:srgbClr val="000000"/>
       </a:buClr>
       <a:buFont typeface="Arial"/>
-      <a:defRPr sz="1400" b="0" i="0" u="none" strike="noStrike" cap="none">
+      <a:defRPr b="0" i="0" sz="1400" u="none" cap="none" strike="noStrike">
         <a:solidFill>
           <a:srgbClr val="000000"/>
         </a:solidFill>
@@ -613,7 +583,7 @@
         <a:sym typeface="Arial"/>
       </a:defRPr>
     </a:lvl5pPr>
-    <a:lvl6pPr marR="0" lvl="5" algn="l" rtl="0">
+    <a:lvl6pPr lvl="5" marR="0" rtl="0" algn="l">
       <a:lnSpc>
         <a:spcPct val="100000"/>
       </a:lnSpc>
@@ -627,7 +597,7 @@
         <a:srgbClr val="000000"/>
       </a:buClr>
       <a:buFont typeface="Arial"/>
-      <a:defRPr sz="1400" b="0" i="0" u="none" strike="noStrike" cap="none">
+      <a:defRPr b="0" i="0" sz="1400" u="none" cap="none" strike="noStrike">
         <a:solidFill>
           <a:srgbClr val="000000"/>
         </a:solidFill>
@@ -637,7 +607,7 @@
         <a:sym typeface="Arial"/>
       </a:defRPr>
     </a:lvl6pPr>
-    <a:lvl7pPr marR="0" lvl="6" algn="l" rtl="0">
+    <a:lvl7pPr lvl="6" marR="0" rtl="0" algn="l">
       <a:lnSpc>
         <a:spcPct val="100000"/>
       </a:lnSpc>
@@ -651,7 +621,7 @@
         <a:srgbClr val="000000"/>
       </a:buClr>
       <a:buFont typeface="Arial"/>
-      <a:defRPr sz="1400" b="0" i="0" u="none" strike="noStrike" cap="none">
+      <a:defRPr b="0" i="0" sz="1400" u="none" cap="none" strike="noStrike">
         <a:solidFill>
           <a:srgbClr val="000000"/>
         </a:solidFill>
@@ -661,7 +631,7 @@
         <a:sym typeface="Arial"/>
       </a:defRPr>
     </a:lvl7pPr>
-    <a:lvl8pPr marR="0" lvl="7" algn="l" rtl="0">
+    <a:lvl8pPr lvl="7" marR="0" rtl="0" algn="l">
       <a:lnSpc>
         <a:spcPct val="100000"/>
       </a:lnSpc>
@@ -675,7 +645,7 @@
         <a:srgbClr val="000000"/>
       </a:buClr>
       <a:buFont typeface="Arial"/>
-      <a:defRPr sz="1400" b="0" i="0" u="none" strike="noStrike" cap="none">
+      <a:defRPr b="0" i="0" sz="1400" u="none" cap="none" strike="noStrike">
         <a:solidFill>
           <a:srgbClr val="000000"/>
         </a:solidFill>
@@ -685,7 +655,7 @@
         <a:sym typeface="Arial"/>
       </a:defRPr>
     </a:lvl8pPr>
-    <a:lvl9pPr marR="0" lvl="8" algn="l" rtl="0">
+    <a:lvl9pPr lvl="8" marR="0" rtl="0" algn="l">
       <a:lnSpc>
         <a:spcPct val="100000"/>
       </a:lnSpc>
@@ -699,7 +669,7 @@
         <a:srgbClr val="000000"/>
       </a:buClr>
       <a:buFont typeface="Arial"/>
-      <a:defRPr sz="1400" b="0" i="0" u="none" strike="noStrike" cap="none">
+      <a:defRPr b="0" i="0" sz="1400" u="none" cap="none" strike="noStrike">
         <a:solidFill>
           <a:srgbClr val="000000"/>
         </a:solidFill>
@@ -714,11 +684,11 @@
 </file>
 
 <file path=ppt/notesSlides/notesSlide1.xml><?xml version="1.0" encoding="utf-8"?>
-<p:notes xmlns:a="http://schemas.openxmlformats.org/drawingml/2006/main" xmlns:r="http://schemas.openxmlformats.org/officeDocument/2006/relationships" xmlns:p="http://schemas.openxmlformats.org/presentationml/2006/main" showMasterSp="0" showMasterPhAnim="0">
+<p:notes xmlns:a="http://schemas.openxmlformats.org/drawingml/2006/main" xmlns:r="http://schemas.openxmlformats.org/officeDocument/2006/relationships" xmlns:mc="http://schemas.openxmlformats.org/markup-compatibility/2006" xmlns:mv="urn:schemas-microsoft-com:mac:vml" xmlns:p="http://schemas.openxmlformats.org/presentationml/2006/main" xmlns:c="http://schemas.openxmlformats.org/drawingml/2006/chart" xmlns:dgm="http://schemas.openxmlformats.org/drawingml/2006/diagram" xmlns:o="urn:schemas-microsoft-com:office:office" xmlns:v="urn:schemas-microsoft-com:vml" xmlns:pvml="urn:schemas-microsoft-com:office:powerpoint" xmlns:com="http://schemas.openxmlformats.org/drawingml/2006/compatibility" xmlns:p14="http://schemas.microsoft.com/office/powerpoint/2010/main" xmlns:p15="http://schemas.microsoft.com/office/powerpoint/2012/main" showMasterPhAnim="0" showMasterSp="0">
   <p:cSld>
     <p:spTree>
       <p:nvGrpSpPr>
-        <p:cNvPr id="1" name="Shape 87"/>
+        <p:cNvPr id="87" name="Shape 87"/>
         <p:cNvGrpSpPr/>
         <p:nvPr/>
       </p:nvGrpSpPr>
@@ -733,11 +703,9 @@
       <p:sp>
         <p:nvSpPr>
           <p:cNvPr id="88" name="Google Shape;88;p1:notes"/>
-          <p:cNvSpPr txBox="1">
-            <a:spLocks noGrp="1"/>
-          </p:cNvSpPr>
+          <p:cNvSpPr txBox="1"/>
           <p:nvPr>
-            <p:ph type="body" idx="1"/>
+            <p:ph idx="1" type="body"/>
           </p:nvPr>
         </p:nvSpPr>
         <p:spPr>
@@ -750,12 +718,12 @@
           </a:prstGeom>
         </p:spPr>
         <p:txBody>
-          <a:bodyPr spcFirstLastPara="1" wrap="square" lIns="91425" tIns="91425" rIns="91425" bIns="91425" anchor="t" anchorCtr="0">
+          <a:bodyPr anchorCtr="0" anchor="t" bIns="91425" lIns="91425" spcFirstLastPara="1" rIns="91425" wrap="square" tIns="91425">
             <a:noAutofit/>
           </a:bodyPr>
           <a:lstStyle/>
           <a:p>
-            <a:pPr marL="0" lvl="0" indent="0" algn="l" rtl="0">
+            <a:pPr indent="0" lvl="0" marL="0" rtl="0" algn="l">
               <a:spcBef>
                 <a:spcPts val="0"/>
               </a:spcBef>
@@ -764,6 +732,9 @@
               </a:spcAft>
               <a:buNone/>
             </a:pPr>
+            <a:r>
+              <a:t/>
+            </a:r>
             <a:endParaRPr/>
           </a:p>
         </p:txBody>
@@ -771,26 +742,20 @@
       <p:sp>
         <p:nvSpPr>
           <p:cNvPr id="89" name="Google Shape;89;p1:notes"/>
-          <p:cNvSpPr>
-            <a:spLocks noGrp="1" noRot="1" noChangeAspect="1"/>
-          </p:cNvSpPr>
+          <p:cNvSpPr/>
           <p:nvPr>
-            <p:ph type="sldImg" idx="2"/>
+            <p:ph idx="2" type="sldImg"/>
           </p:nvPr>
         </p:nvSpPr>
         <p:spPr>
           <a:xfrm>
-            <a:off x="381000" y="685800"/>
-            <a:ext cx="6096000" cy="3429000"/>
+            <a:off x="1143225" y="685800"/>
+            <a:ext cx="4572225" cy="3429000"/>
           </a:xfrm>
           <a:custGeom>
-            <a:avLst/>
-            <a:gdLst/>
-            <a:ahLst/>
-            <a:cxnLst/>
-            <a:rect l="l" t="t" r="r" b="b"/>
+            <a:rect b="b" l="l" r="r" t="t"/>
             <a:pathLst>
-              <a:path w="120000" h="120000" extrusionOk="0">
+              <a:path extrusionOk="0" h="120000" w="120000">
                 <a:moveTo>
                   <a:pt x="0" y="0"/>
                 </a:moveTo>
@@ -810,11 +775,6 @@
         </p:spPr>
       </p:sp>
     </p:spTree>
-    <p:extLst>
-      <p:ext uri="{BB962C8B-B14F-4D97-AF65-F5344CB8AC3E}">
-        <p14:creationId xmlns:p14="http://schemas.microsoft.com/office/powerpoint/2010/main" val="1577141213"/>
-      </p:ext>
-    </p:extLst>
   </p:cSld>
   <p:clrMapOvr>
     <a:masterClrMapping/>
@@ -823,11 +783,11 @@
 </file>
 
 <file path=ppt/notesSlides/notesSlide2.xml><?xml version="1.0" encoding="utf-8"?>
-<p:notes xmlns:a="http://schemas.openxmlformats.org/drawingml/2006/main" xmlns:r="http://schemas.openxmlformats.org/officeDocument/2006/relationships" xmlns:p="http://schemas.openxmlformats.org/presentationml/2006/main" showMasterSp="0" showMasterPhAnim="0">
+<p:notes xmlns:a="http://schemas.openxmlformats.org/drawingml/2006/main" xmlns:r="http://schemas.openxmlformats.org/officeDocument/2006/relationships" xmlns:mc="http://schemas.openxmlformats.org/markup-compatibility/2006" xmlns:mv="urn:schemas-microsoft-com:mac:vml" xmlns:p="http://schemas.openxmlformats.org/presentationml/2006/main" xmlns:c="http://schemas.openxmlformats.org/drawingml/2006/chart" xmlns:dgm="http://schemas.openxmlformats.org/drawingml/2006/diagram" xmlns:o="urn:schemas-microsoft-com:office:office" xmlns:v="urn:schemas-microsoft-com:vml" xmlns:pvml="urn:schemas-microsoft-com:office:powerpoint" xmlns:com="http://schemas.openxmlformats.org/drawingml/2006/compatibility" xmlns:p14="http://schemas.microsoft.com/office/powerpoint/2010/main" xmlns:p15="http://schemas.microsoft.com/office/powerpoint/2012/main" showMasterPhAnim="0" showMasterSp="0">
   <p:cSld>
     <p:spTree>
       <p:nvGrpSpPr>
-        <p:cNvPr id="1" name="Shape 93"/>
+        <p:cNvPr id="93" name="Shape 93"/>
         <p:cNvGrpSpPr/>
         <p:nvPr/>
       </p:nvGrpSpPr>
@@ -842,26 +802,20 @@
       <p:sp>
         <p:nvSpPr>
           <p:cNvPr id="94" name="Google Shape;94;g6e6d789012_0_0:notes"/>
-          <p:cNvSpPr>
-            <a:spLocks noGrp="1" noRot="1" noChangeAspect="1"/>
-          </p:cNvSpPr>
+          <p:cNvSpPr/>
           <p:nvPr>
-            <p:ph type="sldImg" idx="2"/>
+            <p:ph idx="2" type="sldImg"/>
           </p:nvPr>
         </p:nvSpPr>
         <p:spPr>
           <a:xfrm>
-            <a:off x="381000" y="685800"/>
-            <a:ext cx="6096000" cy="3429000"/>
+            <a:off x="1143225" y="685800"/>
+            <a:ext cx="4572300" cy="3429000"/>
           </a:xfrm>
           <a:custGeom>
-            <a:avLst/>
-            <a:gdLst/>
-            <a:ahLst/>
-            <a:cxnLst/>
-            <a:rect l="l" t="t" r="r" b="b"/>
+            <a:rect b="b" l="l" r="r" t="t"/>
             <a:pathLst>
-              <a:path w="120000" h="120000" extrusionOk="0">
+              <a:path extrusionOk="0" h="120000" w="120000">
                 <a:moveTo>
                   <a:pt x="0" y="0"/>
                 </a:moveTo>
@@ -883,11 +837,9 @@
       <p:sp>
         <p:nvSpPr>
           <p:cNvPr id="95" name="Google Shape;95;g6e6d789012_0_0:notes"/>
-          <p:cNvSpPr txBox="1">
-            <a:spLocks noGrp="1"/>
-          </p:cNvSpPr>
+          <p:cNvSpPr txBox="1"/>
           <p:nvPr>
-            <p:ph type="body" idx="1"/>
+            <p:ph idx="1" type="body"/>
           </p:nvPr>
         </p:nvSpPr>
         <p:spPr>
@@ -900,12 +852,12 @@
           </a:prstGeom>
         </p:spPr>
         <p:txBody>
-          <a:bodyPr spcFirstLastPara="1" wrap="square" lIns="91425" tIns="91425" rIns="91425" bIns="91425" anchor="t" anchorCtr="0">
+          <a:bodyPr anchorCtr="0" anchor="t" bIns="91425" lIns="91425" spcFirstLastPara="1" rIns="91425" wrap="square" tIns="91425">
             <a:noAutofit/>
           </a:bodyPr>
           <a:lstStyle/>
           <a:p>
-            <a:pPr marL="0" lvl="0" indent="0" algn="l" rtl="0">
+            <a:pPr indent="0" lvl="0" marL="0" rtl="0" algn="l">
               <a:spcBef>
                 <a:spcPts val="0"/>
               </a:spcBef>
@@ -914,16 +866,14 @@
               </a:spcAft>
               <a:buNone/>
             </a:pPr>
+            <a:r>
+              <a:t/>
+            </a:r>
             <a:endParaRPr/>
           </a:p>
         </p:txBody>
       </p:sp>
     </p:spTree>
-    <p:extLst>
-      <p:ext uri="{BB962C8B-B14F-4D97-AF65-F5344CB8AC3E}">
-        <p14:creationId xmlns:p14="http://schemas.microsoft.com/office/powerpoint/2010/main" val="310902022"/>
-      </p:ext>
-    </p:extLst>
   </p:cSld>
   <p:clrMapOvr>
     <a:masterClrMapping/>
@@ -932,229 +882,11 @@
 </file>
 
 <file path=ppt/notesSlides/notesSlide3.xml><?xml version="1.0" encoding="utf-8"?>
-<p:notes xmlns:a="http://schemas.openxmlformats.org/drawingml/2006/main" xmlns:r="http://schemas.openxmlformats.org/officeDocument/2006/relationships" xmlns:p="http://schemas.openxmlformats.org/presentationml/2006/main" showMasterSp="0" showMasterPhAnim="0">
+<p:notes xmlns:a="http://schemas.openxmlformats.org/drawingml/2006/main" xmlns:r="http://schemas.openxmlformats.org/officeDocument/2006/relationships" xmlns:mc="http://schemas.openxmlformats.org/markup-compatibility/2006" xmlns:mv="urn:schemas-microsoft-com:mac:vml" xmlns:p="http://schemas.openxmlformats.org/presentationml/2006/main" xmlns:c="http://schemas.openxmlformats.org/drawingml/2006/chart" xmlns:dgm="http://schemas.openxmlformats.org/drawingml/2006/diagram" xmlns:o="urn:schemas-microsoft-com:office:office" xmlns:v="urn:schemas-microsoft-com:vml" xmlns:pvml="urn:schemas-microsoft-com:office:powerpoint" xmlns:com="http://schemas.openxmlformats.org/drawingml/2006/compatibility" xmlns:p14="http://schemas.microsoft.com/office/powerpoint/2010/main" xmlns:p15="http://schemas.microsoft.com/office/powerpoint/2012/main" showMasterPhAnim="0" showMasterSp="0">
   <p:cSld>
     <p:spTree>
       <p:nvGrpSpPr>
-        <p:cNvPr id="1" name="Shape 93"/>
-        <p:cNvGrpSpPr/>
-        <p:nvPr/>
-      </p:nvGrpSpPr>
-      <p:grpSpPr>
-        <a:xfrm>
-          <a:off x="0" y="0"/>
-          <a:ext cx="0" cy="0"/>
-          <a:chOff x="0" y="0"/>
-          <a:chExt cx="0" cy="0"/>
-        </a:xfrm>
-      </p:grpSpPr>
-      <p:sp>
-        <p:nvSpPr>
-          <p:cNvPr id="94" name="Google Shape;94;g6e6d789012_0_0:notes"/>
-          <p:cNvSpPr>
-            <a:spLocks noGrp="1" noRot="1" noChangeAspect="1"/>
-          </p:cNvSpPr>
-          <p:nvPr>
-            <p:ph type="sldImg" idx="2"/>
-          </p:nvPr>
-        </p:nvSpPr>
-        <p:spPr>
-          <a:xfrm>
-            <a:off x="381000" y="685800"/>
-            <a:ext cx="6096000" cy="3429000"/>
-          </a:xfrm>
-          <a:custGeom>
-            <a:avLst/>
-            <a:gdLst/>
-            <a:ahLst/>
-            <a:cxnLst/>
-            <a:rect l="l" t="t" r="r" b="b"/>
-            <a:pathLst>
-              <a:path w="120000" h="120000" extrusionOk="0">
-                <a:moveTo>
-                  <a:pt x="0" y="0"/>
-                </a:moveTo>
-                <a:lnTo>
-                  <a:pt x="120000" y="0"/>
-                </a:lnTo>
-                <a:lnTo>
-                  <a:pt x="120000" y="120000"/>
-                </a:lnTo>
-                <a:lnTo>
-                  <a:pt x="0" y="120000"/>
-                </a:lnTo>
-                <a:close/>
-              </a:path>
-            </a:pathLst>
-          </a:custGeom>
-        </p:spPr>
-      </p:sp>
-      <p:sp>
-        <p:nvSpPr>
-          <p:cNvPr id="95" name="Google Shape;95;g6e6d789012_0_0:notes"/>
-          <p:cNvSpPr txBox="1">
-            <a:spLocks noGrp="1"/>
-          </p:cNvSpPr>
-          <p:nvPr>
-            <p:ph type="body" idx="1"/>
-          </p:nvPr>
-        </p:nvSpPr>
-        <p:spPr>
-          <a:xfrm>
-            <a:off x="685800" y="4343400"/>
-            <a:ext cx="5486400" cy="4114800"/>
-          </a:xfrm>
-          <a:prstGeom prst="rect">
-            <a:avLst/>
-          </a:prstGeom>
-        </p:spPr>
-        <p:txBody>
-          <a:bodyPr spcFirstLastPara="1" wrap="square" lIns="91425" tIns="91425" rIns="91425" bIns="91425" anchor="t" anchorCtr="0">
-            <a:noAutofit/>
-          </a:bodyPr>
-          <a:lstStyle/>
-          <a:p>
-            <a:pPr marL="0" lvl="0" indent="0" algn="l" rtl="0">
-              <a:spcBef>
-                <a:spcPts val="0"/>
-              </a:spcBef>
-              <a:spcAft>
-                <a:spcPts val="0"/>
-              </a:spcAft>
-              <a:buNone/>
-            </a:pPr>
-            <a:endParaRPr/>
-          </a:p>
-        </p:txBody>
-      </p:sp>
-    </p:spTree>
-    <p:extLst>
-      <p:ext uri="{BB962C8B-B14F-4D97-AF65-F5344CB8AC3E}">
-        <p14:creationId xmlns:p14="http://schemas.microsoft.com/office/powerpoint/2010/main" val="349581269"/>
-      </p:ext>
-    </p:extLst>
-  </p:cSld>
-  <p:clrMapOvr>
-    <a:masterClrMapping/>
-  </p:clrMapOvr>
-</p:notes>
-</file>
-
-<file path=ppt/notesSlides/notesSlide4.xml><?xml version="1.0" encoding="utf-8"?>
-<p:notes xmlns:a="http://schemas.openxmlformats.org/drawingml/2006/main" xmlns:r="http://schemas.openxmlformats.org/officeDocument/2006/relationships" xmlns:p="http://schemas.openxmlformats.org/presentationml/2006/main" showMasterSp="0" showMasterPhAnim="0">
-  <p:cSld>
-    <p:spTree>
-      <p:nvGrpSpPr>
-        <p:cNvPr id="1" name="Shape 93"/>
-        <p:cNvGrpSpPr/>
-        <p:nvPr/>
-      </p:nvGrpSpPr>
-      <p:grpSpPr>
-        <a:xfrm>
-          <a:off x="0" y="0"/>
-          <a:ext cx="0" cy="0"/>
-          <a:chOff x="0" y="0"/>
-          <a:chExt cx="0" cy="0"/>
-        </a:xfrm>
-      </p:grpSpPr>
-      <p:sp>
-        <p:nvSpPr>
-          <p:cNvPr id="94" name="Google Shape;94;g6e6d789012_0_0:notes"/>
-          <p:cNvSpPr>
-            <a:spLocks noGrp="1" noRot="1" noChangeAspect="1"/>
-          </p:cNvSpPr>
-          <p:nvPr>
-            <p:ph type="sldImg" idx="2"/>
-          </p:nvPr>
-        </p:nvSpPr>
-        <p:spPr>
-          <a:xfrm>
-            <a:off x="381000" y="685800"/>
-            <a:ext cx="6096000" cy="3429000"/>
-          </a:xfrm>
-          <a:custGeom>
-            <a:avLst/>
-            <a:gdLst/>
-            <a:ahLst/>
-            <a:cxnLst/>
-            <a:rect l="l" t="t" r="r" b="b"/>
-            <a:pathLst>
-              <a:path w="120000" h="120000" extrusionOk="0">
-                <a:moveTo>
-                  <a:pt x="0" y="0"/>
-                </a:moveTo>
-                <a:lnTo>
-                  <a:pt x="120000" y="0"/>
-                </a:lnTo>
-                <a:lnTo>
-                  <a:pt x="120000" y="120000"/>
-                </a:lnTo>
-                <a:lnTo>
-                  <a:pt x="0" y="120000"/>
-                </a:lnTo>
-                <a:close/>
-              </a:path>
-            </a:pathLst>
-          </a:custGeom>
-        </p:spPr>
-      </p:sp>
-      <p:sp>
-        <p:nvSpPr>
-          <p:cNvPr id="95" name="Google Shape;95;g6e6d789012_0_0:notes"/>
-          <p:cNvSpPr txBox="1">
-            <a:spLocks noGrp="1"/>
-          </p:cNvSpPr>
-          <p:nvPr>
-            <p:ph type="body" idx="1"/>
-          </p:nvPr>
-        </p:nvSpPr>
-        <p:spPr>
-          <a:xfrm>
-            <a:off x="685800" y="4343400"/>
-            <a:ext cx="5486400" cy="4114800"/>
-          </a:xfrm>
-          <a:prstGeom prst="rect">
-            <a:avLst/>
-          </a:prstGeom>
-        </p:spPr>
-        <p:txBody>
-          <a:bodyPr spcFirstLastPara="1" wrap="square" lIns="91425" tIns="91425" rIns="91425" bIns="91425" anchor="t" anchorCtr="0">
-            <a:noAutofit/>
-          </a:bodyPr>
-          <a:lstStyle/>
-          <a:p>
-            <a:pPr marL="0" lvl="0" indent="0" algn="l" rtl="0">
-              <a:spcBef>
-                <a:spcPts val="0"/>
-              </a:spcBef>
-              <a:spcAft>
-                <a:spcPts val="0"/>
-              </a:spcAft>
-              <a:buNone/>
-            </a:pPr>
-            <a:endParaRPr/>
-          </a:p>
-        </p:txBody>
-      </p:sp>
-    </p:spTree>
-    <p:extLst>
-      <p:ext uri="{BB962C8B-B14F-4D97-AF65-F5344CB8AC3E}">
-        <p14:creationId xmlns:p14="http://schemas.microsoft.com/office/powerpoint/2010/main" val="4180156189"/>
-      </p:ext>
-    </p:extLst>
-  </p:cSld>
-  <p:clrMapOvr>
-    <a:masterClrMapping/>
-  </p:clrMapOvr>
-</p:notes>
-</file>
-
-<file path=ppt/notesSlides/notesSlide5.xml><?xml version="1.0" encoding="utf-8"?>
-<p:notes xmlns:a="http://schemas.openxmlformats.org/drawingml/2006/main" xmlns:r="http://schemas.openxmlformats.org/officeDocument/2006/relationships" xmlns:p="http://schemas.openxmlformats.org/presentationml/2006/main" showMasterSp="0" showMasterPhAnim="0">
-  <p:cSld>
-    <p:spTree>
-      <p:nvGrpSpPr>
-        <p:cNvPr id="1" name="Shape 99"/>
+        <p:cNvPr id="99" name="Shape 99"/>
         <p:cNvGrpSpPr/>
         <p:nvPr/>
       </p:nvGrpSpPr>
@@ -1169,26 +901,20 @@
       <p:sp>
         <p:nvSpPr>
           <p:cNvPr id="100" name="Google Shape;100;g6e6d789012_0_9:notes"/>
-          <p:cNvSpPr>
-            <a:spLocks noGrp="1" noRot="1" noChangeAspect="1"/>
-          </p:cNvSpPr>
+          <p:cNvSpPr/>
           <p:nvPr>
-            <p:ph type="sldImg" idx="2"/>
+            <p:ph idx="2" type="sldImg"/>
           </p:nvPr>
         </p:nvSpPr>
         <p:spPr>
           <a:xfrm>
-            <a:off x="381000" y="685800"/>
-            <a:ext cx="6096000" cy="3429000"/>
+            <a:off x="1143225" y="685800"/>
+            <a:ext cx="4572300" cy="3429000"/>
           </a:xfrm>
           <a:custGeom>
-            <a:avLst/>
-            <a:gdLst/>
-            <a:ahLst/>
-            <a:cxnLst/>
-            <a:rect l="l" t="t" r="r" b="b"/>
+            <a:rect b="b" l="l" r="r" t="t"/>
             <a:pathLst>
-              <a:path w="120000" h="120000" extrusionOk="0">
+              <a:path extrusionOk="0" h="120000" w="120000">
                 <a:moveTo>
                   <a:pt x="0" y="0"/>
                 </a:moveTo>
@@ -1210,11 +936,9 @@
       <p:sp>
         <p:nvSpPr>
           <p:cNvPr id="101" name="Google Shape;101;g6e6d789012_0_9:notes"/>
-          <p:cNvSpPr txBox="1">
-            <a:spLocks noGrp="1"/>
-          </p:cNvSpPr>
+          <p:cNvSpPr txBox="1"/>
           <p:nvPr>
-            <p:ph type="body" idx="1"/>
+            <p:ph idx="1" type="body"/>
           </p:nvPr>
         </p:nvSpPr>
         <p:spPr>
@@ -1227,12 +951,12 @@
           </a:prstGeom>
         </p:spPr>
         <p:txBody>
-          <a:bodyPr spcFirstLastPara="1" wrap="square" lIns="91425" tIns="91425" rIns="91425" bIns="91425" anchor="t" anchorCtr="0">
+          <a:bodyPr anchorCtr="0" anchor="t" bIns="91425" lIns="91425" spcFirstLastPara="1" rIns="91425" wrap="square" tIns="91425">
             <a:noAutofit/>
           </a:bodyPr>
           <a:lstStyle/>
           <a:p>
-            <a:pPr marL="0" lvl="0" indent="0" algn="l" rtl="0">
+            <a:pPr indent="0" lvl="0" marL="0" rtl="0" algn="l">
               <a:spcBef>
                 <a:spcPts val="0"/>
               </a:spcBef>
@@ -1241,16 +965,14 @@
               </a:spcAft>
               <a:buNone/>
             </a:pPr>
+            <a:r>
+              <a:t/>
+            </a:r>
             <a:endParaRPr/>
           </a:p>
         </p:txBody>
       </p:sp>
     </p:spTree>
-    <p:extLst>
-      <p:ext uri="{BB962C8B-B14F-4D97-AF65-F5344CB8AC3E}">
-        <p14:creationId xmlns:p14="http://schemas.microsoft.com/office/powerpoint/2010/main" val="1146908755"/>
-      </p:ext>
-    </p:extLst>
   </p:cSld>
   <p:clrMapOvr>
     <a:masterClrMapping/>
@@ -1258,12 +980,12 @@
 </p:notes>
 </file>
 
-<file path=ppt/notesSlides/notesSlide6.xml><?xml version="1.0" encoding="utf-8"?>
-<p:notes xmlns:a="http://schemas.openxmlformats.org/drawingml/2006/main" xmlns:r="http://schemas.openxmlformats.org/officeDocument/2006/relationships" xmlns:p="http://schemas.openxmlformats.org/presentationml/2006/main" showMasterSp="0" showMasterPhAnim="0">
+<file path=ppt/notesSlides/notesSlide4.xml><?xml version="1.0" encoding="utf-8"?>
+<p:notes xmlns:a="http://schemas.openxmlformats.org/drawingml/2006/main" xmlns:r="http://schemas.openxmlformats.org/officeDocument/2006/relationships" xmlns:mc="http://schemas.openxmlformats.org/markup-compatibility/2006" xmlns:mv="urn:schemas-microsoft-com:mac:vml" xmlns:p="http://schemas.openxmlformats.org/presentationml/2006/main" xmlns:c="http://schemas.openxmlformats.org/drawingml/2006/chart" xmlns:dgm="http://schemas.openxmlformats.org/drawingml/2006/diagram" xmlns:o="urn:schemas-microsoft-com:office:office" xmlns:v="urn:schemas-microsoft-com:vml" xmlns:pvml="urn:schemas-microsoft-com:office:powerpoint" xmlns:com="http://schemas.openxmlformats.org/drawingml/2006/compatibility" xmlns:p14="http://schemas.microsoft.com/office/powerpoint/2010/main" xmlns:p15="http://schemas.microsoft.com/office/powerpoint/2012/main" showMasterPhAnim="0" showMasterSp="0">
   <p:cSld>
     <p:spTree>
       <p:nvGrpSpPr>
-        <p:cNvPr id="1" name="Shape 99"/>
+        <p:cNvPr id="105" name="Shape 105"/>
         <p:cNvGrpSpPr/>
         <p:nvPr/>
       </p:nvGrpSpPr>
@@ -1277,27 +999,21 @@
       </p:grpSpPr>
       <p:sp>
         <p:nvSpPr>
-          <p:cNvPr id="100" name="Google Shape;100;g6e6d789012_0_9:notes"/>
-          <p:cNvSpPr>
-            <a:spLocks noGrp="1" noRot="1" noChangeAspect="1"/>
-          </p:cNvSpPr>
+          <p:cNvPr id="106" name="Google Shape;106;g6e6e7f34b7_0_5:notes"/>
+          <p:cNvSpPr/>
           <p:nvPr>
-            <p:ph type="sldImg" idx="2"/>
+            <p:ph idx="2" type="sldImg"/>
           </p:nvPr>
         </p:nvSpPr>
         <p:spPr>
           <a:xfrm>
-            <a:off x="381000" y="685800"/>
-            <a:ext cx="6096000" cy="3429000"/>
+            <a:off x="1143225" y="685800"/>
+            <a:ext cx="4572300" cy="3429000"/>
           </a:xfrm>
           <a:custGeom>
-            <a:avLst/>
-            <a:gdLst/>
-            <a:ahLst/>
-            <a:cxnLst/>
-            <a:rect l="l" t="t" r="r" b="b"/>
+            <a:rect b="b" l="l" r="r" t="t"/>
             <a:pathLst>
-              <a:path w="120000" h="120000" extrusionOk="0">
+              <a:path extrusionOk="0" h="120000" w="120000">
                 <a:moveTo>
                   <a:pt x="0" y="0"/>
                 </a:moveTo>
@@ -1318,12 +1034,10 @@
       </p:sp>
       <p:sp>
         <p:nvSpPr>
-          <p:cNvPr id="101" name="Google Shape;101;g6e6d789012_0_9:notes"/>
-          <p:cNvSpPr txBox="1">
-            <a:spLocks noGrp="1"/>
-          </p:cNvSpPr>
+          <p:cNvPr id="107" name="Google Shape;107;g6e6e7f34b7_0_5:notes"/>
+          <p:cNvSpPr txBox="1"/>
           <p:nvPr>
-            <p:ph type="body" idx="1"/>
+            <p:ph idx="1" type="body"/>
           </p:nvPr>
         </p:nvSpPr>
         <p:spPr>
@@ -1336,12 +1050,12 @@
           </a:prstGeom>
         </p:spPr>
         <p:txBody>
-          <a:bodyPr spcFirstLastPara="1" wrap="square" lIns="91425" tIns="91425" rIns="91425" bIns="91425" anchor="t" anchorCtr="0">
+          <a:bodyPr anchorCtr="0" anchor="t" bIns="91425" lIns="91425" spcFirstLastPara="1" rIns="91425" wrap="square" tIns="91425">
             <a:noAutofit/>
           </a:bodyPr>
           <a:lstStyle/>
           <a:p>
-            <a:pPr marL="0" lvl="0" indent="0" algn="l" rtl="0">
+            <a:pPr indent="0" lvl="0" marL="0" rtl="0" algn="l">
               <a:spcBef>
                 <a:spcPts val="0"/>
               </a:spcBef>
@@ -1350,16 +1064,14 @@
               </a:spcAft>
               <a:buNone/>
             </a:pPr>
+            <a:r>
+              <a:t/>
+            </a:r>
             <a:endParaRPr/>
           </a:p>
         </p:txBody>
       </p:sp>
     </p:spTree>
-    <p:extLst>
-      <p:ext uri="{BB962C8B-B14F-4D97-AF65-F5344CB8AC3E}">
-        <p14:creationId xmlns:p14="http://schemas.microsoft.com/office/powerpoint/2010/main" val="1540183522"/>
-      </p:ext>
-    </p:extLst>
   </p:cSld>
   <p:clrMapOvr>
     <a:masterClrMapping/>
@@ -1367,12 +1079,12 @@
 </p:notes>
 </file>
 
-<file path=ppt/notesSlides/notesSlide7.xml><?xml version="1.0" encoding="utf-8"?>
-<p:notes xmlns:a="http://schemas.openxmlformats.org/drawingml/2006/main" xmlns:r="http://schemas.openxmlformats.org/officeDocument/2006/relationships" xmlns:p="http://schemas.openxmlformats.org/presentationml/2006/main" showMasterSp="0" showMasterPhAnim="0">
+<file path=ppt/notesSlides/notesSlide5.xml><?xml version="1.0" encoding="utf-8"?>
+<p:notes xmlns:a="http://schemas.openxmlformats.org/drawingml/2006/main" xmlns:r="http://schemas.openxmlformats.org/officeDocument/2006/relationships" xmlns:mc="http://schemas.openxmlformats.org/markup-compatibility/2006" xmlns:mv="urn:schemas-microsoft-com:mac:vml" xmlns:p="http://schemas.openxmlformats.org/presentationml/2006/main" xmlns:c="http://schemas.openxmlformats.org/drawingml/2006/chart" xmlns:dgm="http://schemas.openxmlformats.org/drawingml/2006/diagram" xmlns:o="urn:schemas-microsoft-com:office:office" xmlns:v="urn:schemas-microsoft-com:vml" xmlns:pvml="urn:schemas-microsoft-com:office:powerpoint" xmlns:com="http://schemas.openxmlformats.org/drawingml/2006/compatibility" xmlns:p14="http://schemas.microsoft.com/office/powerpoint/2010/main" xmlns:p15="http://schemas.microsoft.com/office/powerpoint/2012/main" showMasterPhAnim="0" showMasterSp="0">
   <p:cSld>
     <p:spTree>
       <p:nvGrpSpPr>
-        <p:cNvPr id="1" name="Shape 99"/>
+        <p:cNvPr id="111" name="Shape 111"/>
         <p:cNvGrpSpPr/>
         <p:nvPr/>
       </p:nvGrpSpPr>
@@ -1386,27 +1098,60 @@
       </p:grpSpPr>
       <p:sp>
         <p:nvSpPr>
-          <p:cNvPr id="100" name="Google Shape;100;g6e6d789012_0_9:notes"/>
-          <p:cNvSpPr>
-            <a:spLocks noGrp="1" noRot="1" noChangeAspect="1"/>
-          </p:cNvSpPr>
+          <p:cNvPr id="112" name="Google Shape;112;p2:notes"/>
+          <p:cNvSpPr txBox="1"/>
           <p:nvPr>
-            <p:ph type="sldImg" idx="2"/>
+            <p:ph idx="1" type="body"/>
           </p:nvPr>
         </p:nvSpPr>
         <p:spPr>
           <a:xfrm>
-            <a:off x="381000" y="685800"/>
-            <a:ext cx="6096000" cy="3429000"/>
+            <a:off x="685800" y="4343400"/>
+            <a:ext cx="5486400" cy="4114800"/>
+          </a:xfrm>
+          <a:prstGeom prst="rect">
+            <a:avLst/>
+          </a:prstGeom>
+        </p:spPr>
+        <p:txBody>
+          <a:bodyPr anchorCtr="0" anchor="t" bIns="91425" lIns="91425" spcFirstLastPara="1" rIns="91425" wrap="square" tIns="91425">
+            <a:noAutofit/>
+          </a:bodyPr>
+          <a:lstStyle/>
+          <a:p>
+            <a:pPr indent="0" lvl="0" marL="0" rtl="0" algn="l">
+              <a:spcBef>
+                <a:spcPts val="0"/>
+              </a:spcBef>
+              <a:spcAft>
+                <a:spcPts val="0"/>
+              </a:spcAft>
+              <a:buNone/>
+            </a:pPr>
+            <a:r>
+              <a:t/>
+            </a:r>
+            <a:endParaRPr/>
+          </a:p>
+        </p:txBody>
+      </p:sp>
+      <p:sp>
+        <p:nvSpPr>
+          <p:cNvPr id="113" name="Google Shape;113;p2:notes"/>
+          <p:cNvSpPr/>
+          <p:nvPr>
+            <p:ph idx="2" type="sldImg"/>
+          </p:nvPr>
+        </p:nvSpPr>
+        <p:spPr>
+          <a:xfrm>
+            <a:off x="1143225" y="685800"/>
+            <a:ext cx="4572225" cy="3429000"/>
           </a:xfrm>
           <a:custGeom>
-            <a:avLst/>
-            <a:gdLst/>
-            <a:ahLst/>
-            <a:cxnLst/>
-            <a:rect l="l" t="t" r="r" b="b"/>
+            <a:rect b="b" l="l" r="r" t="t"/>
             <a:pathLst>
-              <a:path w="120000" h="120000" extrusionOk="0">
+              <a:path extrusionOk="0" h="120000" w="120000">
                 <a:moveTo>
                   <a:pt x="0" y="0"/>
                 </a:moveTo>
@@ -1425,159 +1170,7 @@
           </a:custGeom>
         </p:spPr>
       </p:sp>
-      <p:sp>
-        <p:nvSpPr>
-          <p:cNvPr id="101" name="Google Shape;101;g6e6d789012_0_9:notes"/>
-          <p:cNvSpPr txBox="1">
-            <a:spLocks noGrp="1"/>
-          </p:cNvSpPr>
-          <p:nvPr>
-            <p:ph type="body" idx="1"/>
-          </p:nvPr>
-        </p:nvSpPr>
-        <p:spPr>
-          <a:xfrm>
-            <a:off x="685800" y="4343400"/>
-            <a:ext cx="5486400" cy="4114800"/>
-          </a:xfrm>
-          <a:prstGeom prst="rect">
-            <a:avLst/>
-          </a:prstGeom>
-        </p:spPr>
-        <p:txBody>
-          <a:bodyPr spcFirstLastPara="1" wrap="square" lIns="91425" tIns="91425" rIns="91425" bIns="91425" anchor="t" anchorCtr="0">
-            <a:noAutofit/>
-          </a:bodyPr>
-          <a:lstStyle/>
-          <a:p>
-            <a:pPr marL="0" lvl="0" indent="0" algn="l" rtl="0">
-              <a:spcBef>
-                <a:spcPts val="0"/>
-              </a:spcBef>
-              <a:spcAft>
-                <a:spcPts val="0"/>
-              </a:spcAft>
-              <a:buNone/>
-            </a:pPr>
-            <a:endParaRPr/>
-          </a:p>
-        </p:txBody>
-      </p:sp>
     </p:spTree>
-    <p:extLst>
-      <p:ext uri="{BB962C8B-B14F-4D97-AF65-F5344CB8AC3E}">
-        <p14:creationId xmlns:p14="http://schemas.microsoft.com/office/powerpoint/2010/main" val="963950497"/>
-      </p:ext>
-    </p:extLst>
-  </p:cSld>
-  <p:clrMapOvr>
-    <a:masterClrMapping/>
-  </p:clrMapOvr>
-</p:notes>
-</file>
-
-<file path=ppt/notesSlides/notesSlide8.xml><?xml version="1.0" encoding="utf-8"?>
-<p:notes xmlns:a="http://schemas.openxmlformats.org/drawingml/2006/main" xmlns:r="http://schemas.openxmlformats.org/officeDocument/2006/relationships" xmlns:p="http://schemas.openxmlformats.org/presentationml/2006/main" showMasterSp="0" showMasterPhAnim="0">
-  <p:cSld>
-    <p:spTree>
-      <p:nvGrpSpPr>
-        <p:cNvPr id="1" name="Shape 99"/>
-        <p:cNvGrpSpPr/>
-        <p:nvPr/>
-      </p:nvGrpSpPr>
-      <p:grpSpPr>
-        <a:xfrm>
-          <a:off x="0" y="0"/>
-          <a:ext cx="0" cy="0"/>
-          <a:chOff x="0" y="0"/>
-          <a:chExt cx="0" cy="0"/>
-        </a:xfrm>
-      </p:grpSpPr>
-      <p:sp>
-        <p:nvSpPr>
-          <p:cNvPr id="100" name="Google Shape;100;g6e6d789012_0_9:notes"/>
-          <p:cNvSpPr>
-            <a:spLocks noGrp="1" noRot="1" noChangeAspect="1"/>
-          </p:cNvSpPr>
-          <p:nvPr>
-            <p:ph type="sldImg" idx="2"/>
-          </p:nvPr>
-        </p:nvSpPr>
-        <p:spPr>
-          <a:xfrm>
-            <a:off x="381000" y="685800"/>
-            <a:ext cx="6096000" cy="3429000"/>
-          </a:xfrm>
-          <a:custGeom>
-            <a:avLst/>
-            <a:gdLst/>
-            <a:ahLst/>
-            <a:cxnLst/>
-            <a:rect l="l" t="t" r="r" b="b"/>
-            <a:pathLst>
-              <a:path w="120000" h="120000" extrusionOk="0">
-                <a:moveTo>
-                  <a:pt x="0" y="0"/>
-                </a:moveTo>
-                <a:lnTo>
-                  <a:pt x="120000" y="0"/>
-                </a:lnTo>
-                <a:lnTo>
-                  <a:pt x="120000" y="120000"/>
-                </a:lnTo>
-                <a:lnTo>
-                  <a:pt x="0" y="120000"/>
-                </a:lnTo>
-                <a:close/>
-              </a:path>
-            </a:pathLst>
-          </a:custGeom>
-        </p:spPr>
-      </p:sp>
-      <p:sp>
-        <p:nvSpPr>
-          <p:cNvPr id="101" name="Google Shape;101;g6e6d789012_0_9:notes"/>
-          <p:cNvSpPr txBox="1">
-            <a:spLocks noGrp="1"/>
-          </p:cNvSpPr>
-          <p:nvPr>
-            <p:ph type="body" idx="1"/>
-          </p:nvPr>
-        </p:nvSpPr>
-        <p:spPr>
-          <a:xfrm>
-            <a:off x="685800" y="4343400"/>
-            <a:ext cx="5486400" cy="4114800"/>
-          </a:xfrm>
-          <a:prstGeom prst="rect">
-            <a:avLst/>
-          </a:prstGeom>
-        </p:spPr>
-        <p:txBody>
-          <a:bodyPr spcFirstLastPara="1" wrap="square" lIns="91425" tIns="91425" rIns="91425" bIns="91425" anchor="t" anchorCtr="0">
-            <a:noAutofit/>
-          </a:bodyPr>
-          <a:lstStyle/>
-          <a:p>
-            <a:pPr marL="0" lvl="0" indent="0" algn="l" rtl="0">
-              <a:spcBef>
-                <a:spcPts val="0"/>
-              </a:spcBef>
-              <a:spcAft>
-                <a:spcPts val="0"/>
-              </a:spcAft>
-              <a:buNone/>
-            </a:pPr>
-            <a:endParaRPr/>
-          </a:p>
-        </p:txBody>
-      </p:sp>
-    </p:spTree>
-    <p:extLst>
-      <p:ext uri="{BB962C8B-B14F-4D97-AF65-F5344CB8AC3E}">
-        <p14:creationId xmlns:p14="http://schemas.microsoft.com/office/powerpoint/2010/main" val="1952295292"/>
-      </p:ext>
-    </p:extLst>
   </p:cSld>
   <p:clrMapOvr>
     <a:masterClrMapping/>
@@ -1586,19 +1179,18 @@
 </file>
 
 <file path=ppt/slideLayouts/slideLayout1.xml><?xml version="1.0" encoding="utf-8"?>
-<p:sldLayout xmlns:a="http://schemas.openxmlformats.org/drawingml/2006/main" xmlns:r="http://schemas.openxmlformats.org/officeDocument/2006/relationships" xmlns:p="http://schemas.openxmlformats.org/presentationml/2006/main" matchingName="Title slide" type="title">
+<p:sldLayout xmlns:a="http://schemas.openxmlformats.org/drawingml/2006/main" xmlns:r="http://schemas.openxmlformats.org/officeDocument/2006/relationships" xmlns:mc="http://schemas.openxmlformats.org/markup-compatibility/2006" xmlns:mv="urn:schemas-microsoft-com:mac:vml" xmlns:p="http://schemas.openxmlformats.org/presentationml/2006/main" xmlns:c="http://schemas.openxmlformats.org/drawingml/2006/chart" xmlns:dgm="http://schemas.openxmlformats.org/drawingml/2006/diagram" xmlns:o="urn:schemas-microsoft-com:office:office" xmlns:v="urn:schemas-microsoft-com:vml" xmlns:pvml="urn:schemas-microsoft-com:office:powerpoint" xmlns:com="http://schemas.openxmlformats.org/drawingml/2006/compatibility" xmlns:p14="http://schemas.microsoft.com/office/powerpoint/2010/main" xmlns:p15="http://schemas.microsoft.com/office/powerpoint/2012/main" matchingName="Title slide" type="title">
   <p:cSld name="TITLE">
     <p:bg>
       <p:bgPr>
         <a:solidFill>
           <a:schemeClr val="dk1"/>
         </a:solidFill>
-        <a:effectLst/>
       </p:bgPr>
     </p:bg>
     <p:spTree>
       <p:nvGrpSpPr>
-        <p:cNvPr id="1" name="Shape 9"/>
+        <p:cNvPr id="9" name="Shape 9"/>
         <p:cNvGrpSpPr/>
         <p:nvPr/>
       </p:nvGrpSpPr>
@@ -1646,12 +1238,12 @@
             </a:ln>
           </p:spPr>
           <p:txBody>
-            <a:bodyPr spcFirstLastPara="1" wrap="square" lIns="121900" tIns="121900" rIns="121900" bIns="121900" anchor="ctr" anchorCtr="0">
+            <a:bodyPr anchorCtr="0" anchor="ctr" bIns="121900" lIns="121900" spcFirstLastPara="1" rIns="121900" wrap="square" tIns="121900">
               <a:noAutofit/>
             </a:bodyPr>
             <a:lstStyle/>
             <a:p>
-              <a:pPr marL="0" lvl="0" indent="0" algn="l" rtl="0">
+              <a:pPr indent="0" lvl="0" marL="0" rtl="0" algn="l">
                 <a:spcBef>
                   <a:spcPts val="0"/>
                 </a:spcBef>
@@ -1660,6 +1252,9 @@
                 </a:spcAft>
                 <a:buNone/>
               </a:pPr>
+              <a:r>
+                <a:t/>
+              </a:r>
               <a:endParaRPr/>
             </a:p>
           </p:txBody>
@@ -1686,12 +1281,12 @@
             </a:ln>
           </p:spPr>
           <p:txBody>
-            <a:bodyPr spcFirstLastPara="1" wrap="square" lIns="121900" tIns="121900" rIns="121900" bIns="121900" anchor="ctr" anchorCtr="0">
+            <a:bodyPr anchorCtr="0" anchor="ctr" bIns="121900" lIns="121900" spcFirstLastPara="1" rIns="121900" wrap="square" tIns="121900">
               <a:noAutofit/>
             </a:bodyPr>
             <a:lstStyle/>
             <a:p>
-              <a:pPr marL="0" lvl="0" indent="0" algn="l" rtl="0">
+              <a:pPr indent="0" lvl="0" marL="0" rtl="0" algn="l">
                 <a:spcBef>
                   <a:spcPts val="0"/>
                 </a:spcBef>
@@ -1700,6 +1295,9 @@
                 </a:spcAft>
                 <a:buNone/>
               </a:pPr>
+              <a:r>
+                <a:t/>
+              </a:r>
               <a:endParaRPr/>
             </a:p>
           </p:txBody>
@@ -1711,7 +1309,7 @@
             <p:nvPr/>
           </p:nvSpPr>
           <p:spPr>
-            <a:xfrm rot="10800000" flipH="1">
+            <a:xfrm flipH="1" rot="10800000">
               <a:off x="7113588" y="107"/>
               <a:ext cx="1015200" cy="1015200"/>
             </a:xfrm>
@@ -1726,12 +1324,12 @@
             </a:ln>
           </p:spPr>
           <p:txBody>
-            <a:bodyPr spcFirstLastPara="1" wrap="square" lIns="121900" tIns="121900" rIns="121900" bIns="121900" anchor="ctr" anchorCtr="0">
+            <a:bodyPr anchorCtr="0" anchor="ctr" bIns="121900" lIns="121900" spcFirstLastPara="1" rIns="121900" wrap="square" tIns="121900">
               <a:noAutofit/>
             </a:bodyPr>
             <a:lstStyle/>
             <a:p>
-              <a:pPr marL="0" lvl="0" indent="0" algn="l" rtl="0">
+              <a:pPr indent="0" lvl="0" marL="0" rtl="0" algn="l">
                 <a:spcBef>
                   <a:spcPts val="0"/>
                 </a:spcBef>
@@ -1740,6 +1338,9 @@
                 </a:spcAft>
                 <a:buNone/>
               </a:pPr>
+              <a:r>
+                <a:t/>
+              </a:r>
               <a:endParaRPr/>
             </a:p>
           </p:txBody>
@@ -1766,12 +1367,12 @@
             </a:ln>
           </p:spPr>
           <p:txBody>
-            <a:bodyPr spcFirstLastPara="1" wrap="square" lIns="121900" tIns="121900" rIns="121900" bIns="121900" anchor="ctr" anchorCtr="0">
+            <a:bodyPr anchorCtr="0" anchor="ctr" bIns="121900" lIns="121900" spcFirstLastPara="1" rIns="121900" wrap="square" tIns="121900">
               <a:noAutofit/>
             </a:bodyPr>
             <a:lstStyle/>
             <a:p>
-              <a:pPr marL="0" lvl="0" indent="0" algn="l" rtl="0">
+              <a:pPr indent="0" lvl="0" marL="0" rtl="0" algn="l">
                 <a:spcBef>
                   <a:spcPts val="0"/>
                 </a:spcBef>
@@ -1780,6 +1381,9 @@
                 </a:spcAft>
                 <a:buNone/>
               </a:pPr>
+              <a:r>
+                <a:t/>
+              </a:r>
               <a:endParaRPr/>
             </a:p>
           </p:txBody>
@@ -1806,12 +1410,12 @@
             </a:ln>
           </p:spPr>
           <p:txBody>
-            <a:bodyPr spcFirstLastPara="1" wrap="square" lIns="121900" tIns="121900" rIns="121900" bIns="121900" anchor="ctr" anchorCtr="0">
+            <a:bodyPr anchorCtr="0" anchor="ctr" bIns="121900" lIns="121900" spcFirstLastPara="1" rIns="121900" wrap="square" tIns="121900">
               <a:noAutofit/>
             </a:bodyPr>
             <a:lstStyle/>
             <a:p>
-              <a:pPr marL="0" lvl="0" indent="0" algn="l" rtl="0">
+              <a:pPr indent="0" lvl="0" marL="0" rtl="0" algn="l">
                 <a:spcBef>
                   <a:spcPts val="0"/>
                 </a:spcBef>
@@ -1820,6 +1424,9 @@
                 </a:spcAft>
                 <a:buNone/>
               </a:pPr>
+              <a:r>
+                <a:t/>
+              </a:r>
               <a:endParaRPr/>
             </a:p>
           </p:txBody>
@@ -1828,9 +1435,7 @@
       <p:sp>
         <p:nvSpPr>
           <p:cNvPr id="16" name="Google Shape;16;p2"/>
-          <p:cNvSpPr txBox="1">
-            <a:spLocks noGrp="1"/>
-          </p:cNvSpPr>
+          <p:cNvSpPr txBox="1"/>
           <p:nvPr>
             <p:ph type="ctrTitle"/>
           </p:nvPr>
@@ -1845,7 +1450,7 @@
           </a:prstGeom>
         </p:spPr>
         <p:txBody>
-          <a:bodyPr spcFirstLastPara="1" wrap="square" lIns="121900" tIns="121900" rIns="121900" bIns="121900" anchor="b" anchorCtr="0">
+          <a:bodyPr anchorCtr="0" anchor="b" bIns="121900" lIns="121900" spcFirstLastPara="1" rIns="121900" wrap="square" tIns="121900">
             <a:noAutofit/>
           </a:bodyPr>
           <a:lstStyle>
@@ -2012,19 +1617,15 @@
               </a:defRPr>
             </a:lvl9pPr>
           </a:lstStyle>
-          <a:p>
-            <a:endParaRPr/>
-          </a:p>
+          <a:p/>
         </p:txBody>
       </p:sp>
       <p:sp>
         <p:nvSpPr>
           <p:cNvPr id="17" name="Google Shape;17;p2"/>
-          <p:cNvSpPr txBox="1">
-            <a:spLocks noGrp="1"/>
-          </p:cNvSpPr>
+          <p:cNvSpPr txBox="1"/>
           <p:nvPr>
-            <p:ph type="subTitle" idx="1"/>
+            <p:ph idx="1" type="subTitle"/>
           </p:nvPr>
         </p:nvSpPr>
         <p:spPr>
@@ -2037,7 +1638,7 @@
           </a:prstGeom>
         </p:spPr>
         <p:txBody>
-          <a:bodyPr spcFirstLastPara="1" wrap="square" lIns="121900" tIns="121900" rIns="121900" bIns="121900" anchor="t" anchorCtr="0">
+          <a:bodyPr anchorCtr="0" anchor="t" bIns="121900" lIns="121900" spcFirstLastPara="1" rIns="121900" wrap="square" tIns="121900">
             <a:noAutofit/>
           </a:bodyPr>
           <a:lstStyle>
@@ -2231,19 +1832,15 @@
               </a:defRPr>
             </a:lvl9pPr>
           </a:lstStyle>
-          <a:p>
-            <a:endParaRPr/>
-          </a:p>
+          <a:p/>
         </p:txBody>
       </p:sp>
       <p:sp>
         <p:nvSpPr>
           <p:cNvPr id="18" name="Google Shape;18;p2"/>
-          <p:cNvSpPr txBox="1">
-            <a:spLocks noGrp="1"/>
-          </p:cNvSpPr>
+          <p:cNvSpPr txBox="1"/>
           <p:nvPr>
-            <p:ph type="sldNum" idx="12"/>
+            <p:ph idx="12" type="sldNum"/>
           </p:nvPr>
         </p:nvSpPr>
         <p:spPr>
@@ -2256,7 +1853,7 @@
           </a:prstGeom>
         </p:spPr>
         <p:txBody>
-          <a:bodyPr spcFirstLastPara="1" wrap="square" lIns="121900" tIns="121900" rIns="121900" bIns="121900" anchor="ctr" anchorCtr="0">
+          <a:bodyPr anchorCtr="0" anchor="ctr" bIns="121900" lIns="121900" spcFirstLastPara="1" rIns="121900" wrap="square" tIns="121900">
             <a:noAutofit/>
           </a:bodyPr>
           <a:lstStyle>
@@ -2298,7 +1895,7 @@
             </a:lvl9pPr>
           </a:lstStyle>
           <a:p>
-            <a:pPr marL="0" lvl="0" indent="0" algn="r" rtl="0">
+            <a:pPr indent="0" lvl="0" marL="0" rtl="0" algn="r">
               <a:spcBef>
                 <a:spcPts val="0"/>
               </a:spcBef>
@@ -2324,11 +1921,730 @@
 </file>
 
 <file path=ppt/slideLayouts/slideLayout10.xml><?xml version="1.0" encoding="utf-8"?>
-<p:sldLayout xmlns:a="http://schemas.openxmlformats.org/drawingml/2006/main" xmlns:r="http://schemas.openxmlformats.org/officeDocument/2006/relationships" xmlns:p="http://schemas.openxmlformats.org/presentationml/2006/main" matchingName="Blank" type="blank">
+<p:sldLayout xmlns:a="http://schemas.openxmlformats.org/drawingml/2006/main" xmlns:r="http://schemas.openxmlformats.org/officeDocument/2006/relationships" xmlns:mc="http://schemas.openxmlformats.org/markup-compatibility/2006" xmlns:mv="urn:schemas-microsoft-com:mac:vml" xmlns:p="http://schemas.openxmlformats.org/presentationml/2006/main" xmlns:c="http://schemas.openxmlformats.org/drawingml/2006/chart" xmlns:dgm="http://schemas.openxmlformats.org/drawingml/2006/diagram" xmlns:o="urn:schemas-microsoft-com:office:office" xmlns:v="urn:schemas-microsoft-com:vml" xmlns:pvml="urn:schemas-microsoft-com:office:powerpoint" xmlns:com="http://schemas.openxmlformats.org/drawingml/2006/compatibility" xmlns:p14="http://schemas.microsoft.com/office/powerpoint/2010/main" xmlns:p15="http://schemas.microsoft.com/office/powerpoint/2012/main" matchingName="Big number">
+  <p:cSld name="BIG_NUMBER">
+    <p:bg>
+      <p:bgPr>
+        <a:solidFill>
+          <a:schemeClr val="dk1"/>
+        </a:solidFill>
+      </p:bgPr>
+    </p:bg>
+    <p:spTree>
+      <p:nvGrpSpPr>
+        <p:cNvPr id="69" name="Shape 69"/>
+        <p:cNvGrpSpPr/>
+        <p:nvPr/>
+      </p:nvGrpSpPr>
+      <p:grpSpPr>
+        <a:xfrm>
+          <a:off x="0" y="0"/>
+          <a:ext cx="0" cy="0"/>
+          <a:chOff x="0" y="0"/>
+          <a:chExt cx="0" cy="0"/>
+        </a:xfrm>
+      </p:grpSpPr>
+      <p:grpSp>
+        <p:nvGrpSpPr>
+          <p:cNvPr id="70" name="Google Shape;70;p11"/>
+          <p:cNvGrpSpPr/>
+          <p:nvPr/>
+        </p:nvGrpSpPr>
+        <p:grpSpPr>
+          <a:xfrm>
+            <a:off x="8130968" y="7"/>
+            <a:ext cx="4060732" cy="2707359"/>
+            <a:chOff x="6098378" y="5"/>
+            <a:chExt cx="3045625" cy="2030570"/>
+          </a:xfrm>
+        </p:grpSpPr>
+        <p:sp>
+          <p:nvSpPr>
+            <p:cNvPr id="71" name="Google Shape;71;p11"/>
+            <p:cNvSpPr/>
+            <p:nvPr/>
+          </p:nvSpPr>
+          <p:spPr>
+            <a:xfrm>
+              <a:off x="8128803" y="16"/>
+              <a:ext cx="1015200" cy="1015200"/>
+            </a:xfrm>
+            <a:prstGeom prst="rect">
+              <a:avLst/>
+            </a:prstGeom>
+            <a:solidFill>
+              <a:schemeClr val="accent1"/>
+            </a:solidFill>
+            <a:ln>
+              <a:noFill/>
+            </a:ln>
+          </p:spPr>
+          <p:txBody>
+            <a:bodyPr anchorCtr="0" anchor="ctr" bIns="121900" lIns="121900" spcFirstLastPara="1" rIns="121900" wrap="square" tIns="121900">
+              <a:noAutofit/>
+            </a:bodyPr>
+            <a:lstStyle/>
+            <a:p>
+              <a:pPr indent="0" lvl="0" marL="0" rtl="0" algn="l">
+                <a:spcBef>
+                  <a:spcPts val="0"/>
+                </a:spcBef>
+                <a:spcAft>
+                  <a:spcPts val="0"/>
+                </a:spcAft>
+                <a:buNone/>
+              </a:pPr>
+              <a:r>
+                <a:t/>
+              </a:r>
+              <a:endParaRPr/>
+            </a:p>
+          </p:txBody>
+        </p:sp>
+        <p:sp>
+          <p:nvSpPr>
+            <p:cNvPr id="72" name="Google Shape;72;p11"/>
+            <p:cNvSpPr/>
+            <p:nvPr/>
+          </p:nvSpPr>
+          <p:spPr>
+            <a:xfrm flipH="1">
+              <a:off x="7113463" y="5"/>
+              <a:ext cx="1015200" cy="1015200"/>
+            </a:xfrm>
+            <a:prstGeom prst="rtTriangle">
+              <a:avLst/>
+            </a:prstGeom>
+            <a:solidFill>
+              <a:schemeClr val="accent2"/>
+            </a:solidFill>
+            <a:ln>
+              <a:noFill/>
+            </a:ln>
+          </p:spPr>
+          <p:txBody>
+            <a:bodyPr anchorCtr="0" anchor="ctr" bIns="121900" lIns="121900" spcFirstLastPara="1" rIns="121900" wrap="square" tIns="121900">
+              <a:noAutofit/>
+            </a:bodyPr>
+            <a:lstStyle/>
+            <a:p>
+              <a:pPr indent="0" lvl="0" marL="0" rtl="0" algn="l">
+                <a:spcBef>
+                  <a:spcPts val="0"/>
+                </a:spcBef>
+                <a:spcAft>
+                  <a:spcPts val="0"/>
+                </a:spcAft>
+                <a:buNone/>
+              </a:pPr>
+              <a:r>
+                <a:t/>
+              </a:r>
+              <a:endParaRPr/>
+            </a:p>
+          </p:txBody>
+        </p:sp>
+        <p:sp>
+          <p:nvSpPr>
+            <p:cNvPr id="73" name="Google Shape;73;p11"/>
+            <p:cNvSpPr/>
+            <p:nvPr/>
+          </p:nvSpPr>
+          <p:spPr>
+            <a:xfrm flipH="1" rot="10800000">
+              <a:off x="7113588" y="107"/>
+              <a:ext cx="1015200" cy="1015200"/>
+            </a:xfrm>
+            <a:prstGeom prst="rtTriangle">
+              <a:avLst/>
+            </a:prstGeom>
+            <a:solidFill>
+              <a:schemeClr val="accent6"/>
+            </a:solidFill>
+            <a:ln>
+              <a:noFill/>
+            </a:ln>
+          </p:spPr>
+          <p:txBody>
+            <a:bodyPr anchorCtr="0" anchor="ctr" bIns="121900" lIns="121900" spcFirstLastPara="1" rIns="121900" wrap="square" tIns="121900">
+              <a:noAutofit/>
+            </a:bodyPr>
+            <a:lstStyle/>
+            <a:p>
+              <a:pPr indent="0" lvl="0" marL="0" rtl="0" algn="l">
+                <a:spcBef>
+                  <a:spcPts val="0"/>
+                </a:spcBef>
+                <a:spcAft>
+                  <a:spcPts val="0"/>
+                </a:spcAft>
+                <a:buNone/>
+              </a:pPr>
+              <a:r>
+                <a:t/>
+              </a:r>
+              <a:endParaRPr/>
+            </a:p>
+          </p:txBody>
+        </p:sp>
+        <p:sp>
+          <p:nvSpPr>
+            <p:cNvPr id="74" name="Google Shape;74;p11"/>
+            <p:cNvSpPr/>
+            <p:nvPr/>
+          </p:nvSpPr>
+          <p:spPr>
+            <a:xfrm rot="10800000">
+              <a:off x="6098378" y="97"/>
+              <a:ext cx="1015200" cy="1015200"/>
+            </a:xfrm>
+            <a:prstGeom prst="rtTriangle">
+              <a:avLst/>
+            </a:prstGeom>
+            <a:solidFill>
+              <a:schemeClr val="accent1"/>
+            </a:solidFill>
+            <a:ln>
+              <a:noFill/>
+            </a:ln>
+          </p:spPr>
+          <p:txBody>
+            <a:bodyPr anchorCtr="0" anchor="ctr" bIns="121900" lIns="121900" spcFirstLastPara="1" rIns="121900" wrap="square" tIns="121900">
+              <a:noAutofit/>
+            </a:bodyPr>
+            <a:lstStyle/>
+            <a:p>
+              <a:pPr indent="0" lvl="0" marL="0" rtl="0" algn="l">
+                <a:spcBef>
+                  <a:spcPts val="0"/>
+                </a:spcBef>
+                <a:spcAft>
+                  <a:spcPts val="0"/>
+                </a:spcAft>
+                <a:buNone/>
+              </a:pPr>
+              <a:r>
+                <a:t/>
+              </a:r>
+              <a:endParaRPr/>
+            </a:p>
+          </p:txBody>
+        </p:sp>
+        <p:sp>
+          <p:nvSpPr>
+            <p:cNvPr id="75" name="Google Shape;75;p11"/>
+            <p:cNvSpPr/>
+            <p:nvPr/>
+          </p:nvSpPr>
+          <p:spPr>
+            <a:xfrm rot="10800000">
+              <a:off x="8128789" y="1015375"/>
+              <a:ext cx="1015200" cy="1015200"/>
+            </a:xfrm>
+            <a:prstGeom prst="rtTriangle">
+              <a:avLst/>
+            </a:prstGeom>
+            <a:solidFill>
+              <a:schemeClr val="accent6"/>
+            </a:solidFill>
+            <a:ln>
+              <a:noFill/>
+            </a:ln>
+          </p:spPr>
+          <p:txBody>
+            <a:bodyPr anchorCtr="0" anchor="ctr" bIns="121900" lIns="121900" spcFirstLastPara="1" rIns="121900" wrap="square" tIns="121900">
+              <a:noAutofit/>
+            </a:bodyPr>
+            <a:lstStyle/>
+            <a:p>
+              <a:pPr indent="0" lvl="0" marL="0" rtl="0" algn="l">
+                <a:spcBef>
+                  <a:spcPts val="0"/>
+                </a:spcBef>
+                <a:spcAft>
+                  <a:spcPts val="0"/>
+                </a:spcAft>
+                <a:buNone/>
+              </a:pPr>
+              <a:r>
+                <a:t/>
+              </a:r>
+              <a:endParaRPr/>
+            </a:p>
+          </p:txBody>
+        </p:sp>
+      </p:grpSp>
+      <p:sp>
+        <p:nvSpPr>
+          <p:cNvPr id="76" name="Google Shape;76;p11"/>
+          <p:cNvSpPr txBox="1"/>
+          <p:nvPr>
+            <p:ph hasCustomPrompt="1" type="title"/>
+          </p:nvPr>
+        </p:nvSpPr>
+        <p:spPr>
+          <a:xfrm>
+            <a:off x="415600" y="1674733"/>
+            <a:ext cx="11360700" cy="2707500"/>
+          </a:xfrm>
+          <a:prstGeom prst="rect">
+            <a:avLst/>
+          </a:prstGeom>
+        </p:spPr>
+        <p:txBody>
+          <a:bodyPr anchorCtr="0" anchor="b" bIns="121900" lIns="121900" spcFirstLastPara="1" rIns="121900" wrap="square" tIns="121900">
+            <a:noAutofit/>
+          </a:bodyPr>
+          <a:lstStyle>
+            <a:lvl1pPr lvl="0" algn="ctr">
+              <a:spcBef>
+                <a:spcPts val="0"/>
+              </a:spcBef>
+              <a:spcAft>
+                <a:spcPts val="0"/>
+              </a:spcAft>
+              <a:buClr>
+                <a:schemeClr val="lt1"/>
+              </a:buClr>
+              <a:buSzPts val="16000"/>
+              <a:buNone/>
+              <a:defRPr sz="16000">
+                <a:solidFill>
+                  <a:schemeClr val="lt1"/>
+                </a:solidFill>
+              </a:defRPr>
+            </a:lvl1pPr>
+            <a:lvl2pPr lvl="1" algn="ctr">
+              <a:spcBef>
+                <a:spcPts val="0"/>
+              </a:spcBef>
+              <a:spcAft>
+                <a:spcPts val="0"/>
+              </a:spcAft>
+              <a:buClr>
+                <a:schemeClr val="lt1"/>
+              </a:buClr>
+              <a:buSzPts val="16000"/>
+              <a:buNone/>
+              <a:defRPr sz="16000">
+                <a:solidFill>
+                  <a:schemeClr val="lt1"/>
+                </a:solidFill>
+              </a:defRPr>
+            </a:lvl2pPr>
+            <a:lvl3pPr lvl="2" algn="ctr">
+              <a:spcBef>
+                <a:spcPts val="0"/>
+              </a:spcBef>
+              <a:spcAft>
+                <a:spcPts val="0"/>
+              </a:spcAft>
+              <a:buClr>
+                <a:schemeClr val="lt1"/>
+              </a:buClr>
+              <a:buSzPts val="16000"/>
+              <a:buNone/>
+              <a:defRPr sz="16000">
+                <a:solidFill>
+                  <a:schemeClr val="lt1"/>
+                </a:solidFill>
+              </a:defRPr>
+            </a:lvl3pPr>
+            <a:lvl4pPr lvl="3" algn="ctr">
+              <a:spcBef>
+                <a:spcPts val="0"/>
+              </a:spcBef>
+              <a:spcAft>
+                <a:spcPts val="0"/>
+              </a:spcAft>
+              <a:buClr>
+                <a:schemeClr val="lt1"/>
+              </a:buClr>
+              <a:buSzPts val="16000"/>
+              <a:buNone/>
+              <a:defRPr sz="16000">
+                <a:solidFill>
+                  <a:schemeClr val="lt1"/>
+                </a:solidFill>
+              </a:defRPr>
+            </a:lvl4pPr>
+            <a:lvl5pPr lvl="4" algn="ctr">
+              <a:spcBef>
+                <a:spcPts val="0"/>
+              </a:spcBef>
+              <a:spcAft>
+                <a:spcPts val="0"/>
+              </a:spcAft>
+              <a:buClr>
+                <a:schemeClr val="lt1"/>
+              </a:buClr>
+              <a:buSzPts val="16000"/>
+              <a:buNone/>
+              <a:defRPr sz="16000">
+                <a:solidFill>
+                  <a:schemeClr val="lt1"/>
+                </a:solidFill>
+              </a:defRPr>
+            </a:lvl5pPr>
+            <a:lvl6pPr lvl="5" algn="ctr">
+              <a:spcBef>
+                <a:spcPts val="0"/>
+              </a:spcBef>
+              <a:spcAft>
+                <a:spcPts val="0"/>
+              </a:spcAft>
+              <a:buClr>
+                <a:schemeClr val="lt1"/>
+              </a:buClr>
+              <a:buSzPts val="16000"/>
+              <a:buNone/>
+              <a:defRPr sz="16000">
+                <a:solidFill>
+                  <a:schemeClr val="lt1"/>
+                </a:solidFill>
+              </a:defRPr>
+            </a:lvl6pPr>
+            <a:lvl7pPr lvl="6" algn="ctr">
+              <a:spcBef>
+                <a:spcPts val="0"/>
+              </a:spcBef>
+              <a:spcAft>
+                <a:spcPts val="0"/>
+              </a:spcAft>
+              <a:buClr>
+                <a:schemeClr val="lt1"/>
+              </a:buClr>
+              <a:buSzPts val="16000"/>
+              <a:buNone/>
+              <a:defRPr sz="16000">
+                <a:solidFill>
+                  <a:schemeClr val="lt1"/>
+                </a:solidFill>
+              </a:defRPr>
+            </a:lvl7pPr>
+            <a:lvl8pPr lvl="7" algn="ctr">
+              <a:spcBef>
+                <a:spcPts val="0"/>
+              </a:spcBef>
+              <a:spcAft>
+                <a:spcPts val="0"/>
+              </a:spcAft>
+              <a:buClr>
+                <a:schemeClr val="lt1"/>
+              </a:buClr>
+              <a:buSzPts val="16000"/>
+              <a:buNone/>
+              <a:defRPr sz="16000">
+                <a:solidFill>
+                  <a:schemeClr val="lt1"/>
+                </a:solidFill>
+              </a:defRPr>
+            </a:lvl8pPr>
+            <a:lvl9pPr lvl="8" algn="ctr">
+              <a:spcBef>
+                <a:spcPts val="0"/>
+              </a:spcBef>
+              <a:spcAft>
+                <a:spcPts val="0"/>
+              </a:spcAft>
+              <a:buClr>
+                <a:schemeClr val="lt1"/>
+              </a:buClr>
+              <a:buSzPts val="16000"/>
+              <a:buNone/>
+              <a:defRPr sz="16000">
+                <a:solidFill>
+                  <a:schemeClr val="lt1"/>
+                </a:solidFill>
+              </a:defRPr>
+            </a:lvl9pPr>
+          </a:lstStyle>
+          <a:p>
+            <a:r>
+              <a:t>xx%</a:t>
+            </a:r>
+          </a:p>
+        </p:txBody>
+      </p:sp>
+      <p:sp>
+        <p:nvSpPr>
+          <p:cNvPr id="77" name="Google Shape;77;p11"/>
+          <p:cNvSpPr txBox="1"/>
+          <p:nvPr>
+            <p:ph idx="1" type="body"/>
+          </p:nvPr>
+        </p:nvSpPr>
+        <p:spPr>
+          <a:xfrm>
+            <a:off x="415600" y="4492300"/>
+            <a:ext cx="11360700" cy="1709100"/>
+          </a:xfrm>
+          <a:prstGeom prst="rect">
+            <a:avLst/>
+          </a:prstGeom>
+        </p:spPr>
+        <p:txBody>
+          <a:bodyPr anchorCtr="0" anchor="t" bIns="121900" lIns="121900" spcFirstLastPara="1" rIns="121900" wrap="square" tIns="121900">
+            <a:noAutofit/>
+          </a:bodyPr>
+          <a:lstStyle>
+            <a:lvl1pPr indent="-381000" lvl="0" marL="457200" algn="ctr">
+              <a:spcBef>
+                <a:spcPts val="0"/>
+              </a:spcBef>
+              <a:spcAft>
+                <a:spcPts val="0"/>
+              </a:spcAft>
+              <a:buClr>
+                <a:schemeClr val="lt1"/>
+              </a:buClr>
+              <a:buSzPts val="2400"/>
+              <a:buChar char="●"/>
+              <a:defRPr>
+                <a:solidFill>
+                  <a:schemeClr val="lt1"/>
+                </a:solidFill>
+              </a:defRPr>
+            </a:lvl1pPr>
+            <a:lvl2pPr indent="-349250" lvl="1" marL="914400" algn="ctr">
+              <a:spcBef>
+                <a:spcPts val="2100"/>
+              </a:spcBef>
+              <a:spcAft>
+                <a:spcPts val="0"/>
+              </a:spcAft>
+              <a:buClr>
+                <a:schemeClr val="lt1"/>
+              </a:buClr>
+              <a:buSzPts val="1900"/>
+              <a:buChar char="○"/>
+              <a:defRPr>
+                <a:solidFill>
+                  <a:schemeClr val="lt1"/>
+                </a:solidFill>
+              </a:defRPr>
+            </a:lvl2pPr>
+            <a:lvl3pPr indent="-349250" lvl="2" marL="1371600" algn="ctr">
+              <a:spcBef>
+                <a:spcPts val="2100"/>
+              </a:spcBef>
+              <a:spcAft>
+                <a:spcPts val="0"/>
+              </a:spcAft>
+              <a:buClr>
+                <a:schemeClr val="lt1"/>
+              </a:buClr>
+              <a:buSzPts val="1900"/>
+              <a:buChar char="■"/>
+              <a:defRPr>
+                <a:solidFill>
+                  <a:schemeClr val="lt1"/>
+                </a:solidFill>
+              </a:defRPr>
+            </a:lvl3pPr>
+            <a:lvl4pPr indent="-349250" lvl="3" marL="1828800" algn="ctr">
+              <a:spcBef>
+                <a:spcPts val="2100"/>
+              </a:spcBef>
+              <a:spcAft>
+                <a:spcPts val="0"/>
+              </a:spcAft>
+              <a:buClr>
+                <a:schemeClr val="lt1"/>
+              </a:buClr>
+              <a:buSzPts val="1900"/>
+              <a:buChar char="●"/>
+              <a:defRPr>
+                <a:solidFill>
+                  <a:schemeClr val="lt1"/>
+                </a:solidFill>
+              </a:defRPr>
+            </a:lvl4pPr>
+            <a:lvl5pPr indent="-349250" lvl="4" marL="2286000" algn="ctr">
+              <a:spcBef>
+                <a:spcPts val="2100"/>
+              </a:spcBef>
+              <a:spcAft>
+                <a:spcPts val="0"/>
+              </a:spcAft>
+              <a:buClr>
+                <a:schemeClr val="lt1"/>
+              </a:buClr>
+              <a:buSzPts val="1900"/>
+              <a:buChar char="○"/>
+              <a:defRPr>
+                <a:solidFill>
+                  <a:schemeClr val="lt1"/>
+                </a:solidFill>
+              </a:defRPr>
+            </a:lvl5pPr>
+            <a:lvl6pPr indent="-349250" lvl="5" marL="2743200" algn="ctr">
+              <a:spcBef>
+                <a:spcPts val="2100"/>
+              </a:spcBef>
+              <a:spcAft>
+                <a:spcPts val="0"/>
+              </a:spcAft>
+              <a:buClr>
+                <a:schemeClr val="lt1"/>
+              </a:buClr>
+              <a:buSzPts val="1900"/>
+              <a:buChar char="■"/>
+              <a:defRPr>
+                <a:solidFill>
+                  <a:schemeClr val="lt1"/>
+                </a:solidFill>
+              </a:defRPr>
+            </a:lvl6pPr>
+            <a:lvl7pPr indent="-349250" lvl="6" marL="3200400" algn="ctr">
+              <a:spcBef>
+                <a:spcPts val="2100"/>
+              </a:spcBef>
+              <a:spcAft>
+                <a:spcPts val="0"/>
+              </a:spcAft>
+              <a:buClr>
+                <a:schemeClr val="lt1"/>
+              </a:buClr>
+              <a:buSzPts val="1900"/>
+              <a:buChar char="●"/>
+              <a:defRPr>
+                <a:solidFill>
+                  <a:schemeClr val="lt1"/>
+                </a:solidFill>
+              </a:defRPr>
+            </a:lvl7pPr>
+            <a:lvl8pPr indent="-349250" lvl="7" marL="3657600" algn="ctr">
+              <a:spcBef>
+                <a:spcPts val="2100"/>
+              </a:spcBef>
+              <a:spcAft>
+                <a:spcPts val="0"/>
+              </a:spcAft>
+              <a:buClr>
+                <a:schemeClr val="lt1"/>
+              </a:buClr>
+              <a:buSzPts val="1900"/>
+              <a:buChar char="○"/>
+              <a:defRPr>
+                <a:solidFill>
+                  <a:schemeClr val="lt1"/>
+                </a:solidFill>
+              </a:defRPr>
+            </a:lvl8pPr>
+            <a:lvl9pPr indent="-349250" lvl="8" marL="4114800" algn="ctr">
+              <a:spcBef>
+                <a:spcPts val="2100"/>
+              </a:spcBef>
+              <a:spcAft>
+                <a:spcPts val="2100"/>
+              </a:spcAft>
+              <a:buClr>
+                <a:schemeClr val="lt1"/>
+              </a:buClr>
+              <a:buSzPts val="1900"/>
+              <a:buChar char="■"/>
+              <a:defRPr>
+                <a:solidFill>
+                  <a:schemeClr val="lt1"/>
+                </a:solidFill>
+              </a:defRPr>
+            </a:lvl9pPr>
+          </a:lstStyle>
+          <a:p/>
+        </p:txBody>
+      </p:sp>
+      <p:sp>
+        <p:nvSpPr>
+          <p:cNvPr id="78" name="Google Shape;78;p11"/>
+          <p:cNvSpPr txBox="1"/>
+          <p:nvPr>
+            <p:ph idx="12" type="sldNum"/>
+          </p:nvPr>
+        </p:nvSpPr>
+        <p:spPr>
+          <a:xfrm>
+            <a:off x="11280575" y="6201587"/>
+            <a:ext cx="731700" cy="524700"/>
+          </a:xfrm>
+          <a:prstGeom prst="rect">
+            <a:avLst/>
+          </a:prstGeom>
+        </p:spPr>
+        <p:txBody>
+          <a:bodyPr anchorCtr="0" anchor="ctr" bIns="121900" lIns="121900" spcFirstLastPara="1" rIns="121900" wrap="square" tIns="121900">
+            <a:noAutofit/>
+          </a:bodyPr>
+          <a:lstStyle>
+            <a:lvl1pPr lvl="0">
+              <a:buNone/>
+              <a:defRPr/>
+            </a:lvl1pPr>
+            <a:lvl2pPr lvl="1">
+              <a:buNone/>
+              <a:defRPr/>
+            </a:lvl2pPr>
+            <a:lvl3pPr lvl="2">
+              <a:buNone/>
+              <a:defRPr/>
+            </a:lvl3pPr>
+            <a:lvl4pPr lvl="3">
+              <a:buNone/>
+              <a:defRPr/>
+            </a:lvl4pPr>
+            <a:lvl5pPr lvl="4">
+              <a:buNone/>
+              <a:defRPr/>
+            </a:lvl5pPr>
+            <a:lvl6pPr lvl="5">
+              <a:buNone/>
+              <a:defRPr/>
+            </a:lvl6pPr>
+            <a:lvl7pPr lvl="6">
+              <a:buNone/>
+              <a:defRPr/>
+            </a:lvl7pPr>
+            <a:lvl8pPr lvl="7">
+              <a:buNone/>
+              <a:defRPr/>
+            </a:lvl8pPr>
+            <a:lvl9pPr lvl="8">
+              <a:buNone/>
+              <a:defRPr/>
+            </a:lvl9pPr>
+          </a:lstStyle>
+          <a:p>
+            <a:pPr indent="0" lvl="0" marL="0" rtl="0" algn="r">
+              <a:spcBef>
+                <a:spcPts val="0"/>
+              </a:spcBef>
+              <a:spcAft>
+                <a:spcPts val="0"/>
+              </a:spcAft>
+              <a:buNone/>
+            </a:pPr>
+            <a:fld id="{00000000-1234-1234-1234-123412341234}" type="slidenum">
+              <a:rPr lang="en-US"/>
+              <a:t>‹#›</a:t>
+            </a:fld>
+            <a:endParaRPr/>
+          </a:p>
+        </p:txBody>
+      </p:sp>
+    </p:spTree>
+  </p:cSld>
+  <p:clrMapOvr>
+    <a:masterClrMapping/>
+  </p:clrMapOvr>
+</p:sldLayout>
+</file>
+
+<file path=ppt/slideLayouts/slideLayout11.xml><?xml version="1.0" encoding="utf-8"?>
+<p:sldLayout xmlns:a="http://schemas.openxmlformats.org/drawingml/2006/main" xmlns:r="http://schemas.openxmlformats.org/officeDocument/2006/relationships" xmlns:mc="http://schemas.openxmlformats.org/markup-compatibility/2006" xmlns:mv="urn:schemas-microsoft-com:mac:vml" xmlns:p="http://schemas.openxmlformats.org/presentationml/2006/main" xmlns:c="http://schemas.openxmlformats.org/drawingml/2006/chart" xmlns:dgm="http://schemas.openxmlformats.org/drawingml/2006/diagram" xmlns:o="urn:schemas-microsoft-com:office:office" xmlns:v="urn:schemas-microsoft-com:vml" xmlns:pvml="urn:schemas-microsoft-com:office:powerpoint" xmlns:com="http://schemas.openxmlformats.org/drawingml/2006/compatibility" xmlns:p14="http://schemas.microsoft.com/office/powerpoint/2010/main" xmlns:p15="http://schemas.microsoft.com/office/powerpoint/2012/main" matchingName="Blank" type="blank">
   <p:cSld name="BLANK">
     <p:spTree>
       <p:nvGrpSpPr>
-        <p:cNvPr id="1" name="Shape 79"/>
+        <p:cNvPr id="79" name="Shape 79"/>
         <p:cNvGrpSpPr/>
         <p:nvPr/>
       </p:nvGrpSpPr>
@@ -2343,11 +2659,9 @@
       <p:sp>
         <p:nvSpPr>
           <p:cNvPr id="80" name="Google Shape;80;p12"/>
-          <p:cNvSpPr txBox="1">
-            <a:spLocks noGrp="1"/>
-          </p:cNvSpPr>
+          <p:cNvSpPr txBox="1"/>
           <p:nvPr>
-            <p:ph type="sldNum" idx="12"/>
+            <p:ph idx="12" type="sldNum"/>
           </p:nvPr>
         </p:nvSpPr>
         <p:spPr>
@@ -2360,7 +2674,7 @@
           </a:prstGeom>
         </p:spPr>
         <p:txBody>
-          <a:bodyPr spcFirstLastPara="1" wrap="square" lIns="121900" tIns="121900" rIns="121900" bIns="121900" anchor="ctr" anchorCtr="0">
+          <a:bodyPr anchorCtr="0" anchor="ctr" bIns="121900" lIns="121900" spcFirstLastPara="1" rIns="121900" wrap="square" tIns="121900">
             <a:noAutofit/>
           </a:bodyPr>
           <a:lstStyle>
@@ -2438,7 +2752,716 @@
             </a:lvl9pPr>
           </a:lstStyle>
           <a:p>
-            <a:pPr marL="0" lvl="0" indent="0" algn="r" rtl="0">
+            <a:pPr indent="0" lvl="0" marL="0" rtl="0" algn="r">
+              <a:spcBef>
+                <a:spcPts val="0"/>
+              </a:spcBef>
+              <a:spcAft>
+                <a:spcPts val="0"/>
+              </a:spcAft>
+              <a:buNone/>
+            </a:pPr>
+            <a:fld id="{00000000-1234-1234-1234-123412341234}" type="slidenum">
+              <a:rPr lang="en-US"/>
+              <a:t>‹#›</a:t>
+            </a:fld>
+            <a:endParaRPr/>
+          </a:p>
+        </p:txBody>
+      </p:sp>
+    </p:spTree>
+  </p:cSld>
+  <p:clrMapOvr>
+    <a:masterClrMapping/>
+  </p:clrMapOvr>
+</p:sldLayout>
+</file>
+
+<file path=ppt/slideLayouts/slideLayout12.xml><?xml version="1.0" encoding="utf-8"?>
+<p:sldLayout xmlns:a="http://schemas.openxmlformats.org/drawingml/2006/main" xmlns:r="http://schemas.openxmlformats.org/officeDocument/2006/relationships" xmlns:mc="http://schemas.openxmlformats.org/markup-compatibility/2006" xmlns:mv="urn:schemas-microsoft-com:mac:vml" xmlns:p="http://schemas.openxmlformats.org/presentationml/2006/main" xmlns:c="http://schemas.openxmlformats.org/drawingml/2006/chart" xmlns:dgm="http://schemas.openxmlformats.org/drawingml/2006/diagram" xmlns:o="urn:schemas-microsoft-com:office:office" xmlns:v="urn:schemas-microsoft-com:vml" xmlns:pvml="urn:schemas-microsoft-com:office:powerpoint" xmlns:com="http://schemas.openxmlformats.org/drawingml/2006/compatibility" xmlns:p14="http://schemas.microsoft.com/office/powerpoint/2010/main" xmlns:p15="http://schemas.microsoft.com/office/powerpoint/2012/main" matchingName="Title and Content" type="obj">
+  <p:cSld name="OBJECT">
+    <p:spTree>
+      <p:nvGrpSpPr>
+        <p:cNvPr id="81" name="Shape 81"/>
+        <p:cNvGrpSpPr/>
+        <p:nvPr/>
+      </p:nvGrpSpPr>
+      <p:grpSpPr>
+        <a:xfrm>
+          <a:off x="0" y="0"/>
+          <a:ext cx="0" cy="0"/>
+          <a:chOff x="0" y="0"/>
+          <a:chExt cx="0" cy="0"/>
+        </a:xfrm>
+      </p:grpSpPr>
+      <p:sp>
+        <p:nvSpPr>
+          <p:cNvPr id="82" name="Google Shape;82;p13"/>
+          <p:cNvSpPr txBox="1"/>
+          <p:nvPr>
+            <p:ph type="title"/>
+          </p:nvPr>
+        </p:nvSpPr>
+        <p:spPr>
+          <a:xfrm>
+            <a:off x="838200" y="365125"/>
+            <a:ext cx="10515600" cy="1325700"/>
+          </a:xfrm>
+          <a:prstGeom prst="rect">
+            <a:avLst/>
+          </a:prstGeom>
+          <a:noFill/>
+          <a:ln>
+            <a:noFill/>
+          </a:ln>
+        </p:spPr>
+        <p:txBody>
+          <a:bodyPr anchorCtr="0" anchor="ctr" bIns="45700" lIns="91425" spcFirstLastPara="1" rIns="91425" wrap="square" tIns="45700">
+            <a:noAutofit/>
+          </a:bodyPr>
+          <a:lstStyle>
+            <a:lvl1pPr lvl="0" rtl="0" algn="l">
+              <a:lnSpc>
+                <a:spcPct val="90000"/>
+              </a:lnSpc>
+              <a:spcBef>
+                <a:spcPts val="0"/>
+              </a:spcBef>
+              <a:spcAft>
+                <a:spcPts val="0"/>
+              </a:spcAft>
+              <a:buClr>
+                <a:schemeClr val="dk1"/>
+              </a:buClr>
+              <a:buSzPts val="1800"/>
+              <a:buNone/>
+              <a:defRPr/>
+            </a:lvl1pPr>
+            <a:lvl2pPr lvl="1" rtl="0">
+              <a:spcBef>
+                <a:spcPts val="0"/>
+              </a:spcBef>
+              <a:spcAft>
+                <a:spcPts val="0"/>
+              </a:spcAft>
+              <a:buSzPts val="4000"/>
+              <a:buNone/>
+              <a:defRPr/>
+            </a:lvl2pPr>
+            <a:lvl3pPr lvl="2" rtl="0">
+              <a:spcBef>
+                <a:spcPts val="0"/>
+              </a:spcBef>
+              <a:spcAft>
+                <a:spcPts val="0"/>
+              </a:spcAft>
+              <a:buSzPts val="4000"/>
+              <a:buNone/>
+              <a:defRPr/>
+            </a:lvl3pPr>
+            <a:lvl4pPr lvl="3" rtl="0">
+              <a:spcBef>
+                <a:spcPts val="0"/>
+              </a:spcBef>
+              <a:spcAft>
+                <a:spcPts val="0"/>
+              </a:spcAft>
+              <a:buSzPts val="4000"/>
+              <a:buNone/>
+              <a:defRPr/>
+            </a:lvl4pPr>
+            <a:lvl5pPr lvl="4" rtl="0">
+              <a:spcBef>
+                <a:spcPts val="0"/>
+              </a:spcBef>
+              <a:spcAft>
+                <a:spcPts val="0"/>
+              </a:spcAft>
+              <a:buSzPts val="4000"/>
+              <a:buNone/>
+              <a:defRPr/>
+            </a:lvl5pPr>
+            <a:lvl6pPr lvl="5" rtl="0">
+              <a:spcBef>
+                <a:spcPts val="0"/>
+              </a:spcBef>
+              <a:spcAft>
+                <a:spcPts val="0"/>
+              </a:spcAft>
+              <a:buSzPts val="4000"/>
+              <a:buNone/>
+              <a:defRPr/>
+            </a:lvl6pPr>
+            <a:lvl7pPr lvl="6" rtl="0">
+              <a:spcBef>
+                <a:spcPts val="0"/>
+              </a:spcBef>
+              <a:spcAft>
+                <a:spcPts val="0"/>
+              </a:spcAft>
+              <a:buSzPts val="4000"/>
+              <a:buNone/>
+              <a:defRPr/>
+            </a:lvl7pPr>
+            <a:lvl8pPr lvl="7" rtl="0">
+              <a:spcBef>
+                <a:spcPts val="0"/>
+              </a:spcBef>
+              <a:spcAft>
+                <a:spcPts val="0"/>
+              </a:spcAft>
+              <a:buSzPts val="4000"/>
+              <a:buNone/>
+              <a:defRPr/>
+            </a:lvl8pPr>
+            <a:lvl9pPr lvl="8" rtl="0">
+              <a:spcBef>
+                <a:spcPts val="0"/>
+              </a:spcBef>
+              <a:spcAft>
+                <a:spcPts val="0"/>
+              </a:spcAft>
+              <a:buSzPts val="4000"/>
+              <a:buNone/>
+              <a:defRPr/>
+            </a:lvl9pPr>
+          </a:lstStyle>
+          <a:p/>
+        </p:txBody>
+      </p:sp>
+      <p:sp>
+        <p:nvSpPr>
+          <p:cNvPr id="83" name="Google Shape;83;p13"/>
+          <p:cNvSpPr txBox="1"/>
+          <p:nvPr>
+            <p:ph idx="1" type="body"/>
+          </p:nvPr>
+        </p:nvSpPr>
+        <p:spPr>
+          <a:xfrm>
+            <a:off x="838200" y="1825625"/>
+            <a:ext cx="10515600" cy="4351200"/>
+          </a:xfrm>
+          <a:prstGeom prst="rect">
+            <a:avLst/>
+          </a:prstGeom>
+          <a:noFill/>
+          <a:ln>
+            <a:noFill/>
+          </a:ln>
+        </p:spPr>
+        <p:txBody>
+          <a:bodyPr anchorCtr="0" anchor="t" bIns="45700" lIns="91425" spcFirstLastPara="1" rIns="91425" wrap="square" tIns="45700">
+            <a:noAutofit/>
+          </a:bodyPr>
+          <a:lstStyle>
+            <a:lvl1pPr indent="-342900" lvl="0" marL="457200" rtl="0" algn="l">
+              <a:lnSpc>
+                <a:spcPct val="90000"/>
+              </a:lnSpc>
+              <a:spcBef>
+                <a:spcPts val="1000"/>
+              </a:spcBef>
+              <a:spcAft>
+                <a:spcPts val="0"/>
+              </a:spcAft>
+              <a:buClr>
+                <a:schemeClr val="dk1"/>
+              </a:buClr>
+              <a:buSzPts val="1800"/>
+              <a:buChar char="●"/>
+              <a:defRPr/>
+            </a:lvl1pPr>
+            <a:lvl2pPr indent="-342900" lvl="1" marL="914400" rtl="0" algn="l">
+              <a:lnSpc>
+                <a:spcPct val="90000"/>
+              </a:lnSpc>
+              <a:spcBef>
+                <a:spcPts val="2100"/>
+              </a:spcBef>
+              <a:spcAft>
+                <a:spcPts val="0"/>
+              </a:spcAft>
+              <a:buClr>
+                <a:schemeClr val="dk1"/>
+              </a:buClr>
+              <a:buSzPts val="1800"/>
+              <a:buChar char="○"/>
+              <a:defRPr/>
+            </a:lvl2pPr>
+            <a:lvl3pPr indent="-342900" lvl="2" marL="1371600" rtl="0" algn="l">
+              <a:lnSpc>
+                <a:spcPct val="90000"/>
+              </a:lnSpc>
+              <a:spcBef>
+                <a:spcPts val="2100"/>
+              </a:spcBef>
+              <a:spcAft>
+                <a:spcPts val="0"/>
+              </a:spcAft>
+              <a:buClr>
+                <a:schemeClr val="dk1"/>
+              </a:buClr>
+              <a:buSzPts val="1800"/>
+              <a:buChar char="■"/>
+              <a:defRPr/>
+            </a:lvl3pPr>
+            <a:lvl4pPr indent="-342900" lvl="3" marL="1828800" rtl="0" algn="l">
+              <a:lnSpc>
+                <a:spcPct val="90000"/>
+              </a:lnSpc>
+              <a:spcBef>
+                <a:spcPts val="2100"/>
+              </a:spcBef>
+              <a:spcAft>
+                <a:spcPts val="0"/>
+              </a:spcAft>
+              <a:buClr>
+                <a:schemeClr val="dk1"/>
+              </a:buClr>
+              <a:buSzPts val="1800"/>
+              <a:buChar char="●"/>
+              <a:defRPr/>
+            </a:lvl4pPr>
+            <a:lvl5pPr indent="-342900" lvl="4" marL="2286000" rtl="0" algn="l">
+              <a:lnSpc>
+                <a:spcPct val="90000"/>
+              </a:lnSpc>
+              <a:spcBef>
+                <a:spcPts val="2100"/>
+              </a:spcBef>
+              <a:spcAft>
+                <a:spcPts val="0"/>
+              </a:spcAft>
+              <a:buClr>
+                <a:schemeClr val="dk1"/>
+              </a:buClr>
+              <a:buSzPts val="1800"/>
+              <a:buChar char="○"/>
+              <a:defRPr/>
+            </a:lvl5pPr>
+            <a:lvl6pPr indent="-342900" lvl="5" marL="2743200" rtl="0" algn="l">
+              <a:lnSpc>
+                <a:spcPct val="90000"/>
+              </a:lnSpc>
+              <a:spcBef>
+                <a:spcPts val="2100"/>
+              </a:spcBef>
+              <a:spcAft>
+                <a:spcPts val="0"/>
+              </a:spcAft>
+              <a:buClr>
+                <a:schemeClr val="dk1"/>
+              </a:buClr>
+              <a:buSzPts val="1800"/>
+              <a:buChar char="■"/>
+              <a:defRPr/>
+            </a:lvl6pPr>
+            <a:lvl7pPr indent="-342900" lvl="6" marL="3200400" rtl="0" algn="l">
+              <a:lnSpc>
+                <a:spcPct val="90000"/>
+              </a:lnSpc>
+              <a:spcBef>
+                <a:spcPts val="2100"/>
+              </a:spcBef>
+              <a:spcAft>
+                <a:spcPts val="0"/>
+              </a:spcAft>
+              <a:buClr>
+                <a:schemeClr val="dk1"/>
+              </a:buClr>
+              <a:buSzPts val="1800"/>
+              <a:buChar char="●"/>
+              <a:defRPr/>
+            </a:lvl7pPr>
+            <a:lvl8pPr indent="-342900" lvl="7" marL="3657600" rtl="0" algn="l">
+              <a:lnSpc>
+                <a:spcPct val="90000"/>
+              </a:lnSpc>
+              <a:spcBef>
+                <a:spcPts val="2100"/>
+              </a:spcBef>
+              <a:spcAft>
+                <a:spcPts val="0"/>
+              </a:spcAft>
+              <a:buClr>
+                <a:schemeClr val="dk1"/>
+              </a:buClr>
+              <a:buSzPts val="1800"/>
+              <a:buChar char="○"/>
+              <a:defRPr/>
+            </a:lvl8pPr>
+            <a:lvl9pPr indent="-342900" lvl="8" marL="4114800" rtl="0" algn="l">
+              <a:lnSpc>
+                <a:spcPct val="90000"/>
+              </a:lnSpc>
+              <a:spcBef>
+                <a:spcPts val="2100"/>
+              </a:spcBef>
+              <a:spcAft>
+                <a:spcPts val="2100"/>
+              </a:spcAft>
+              <a:buClr>
+                <a:schemeClr val="dk1"/>
+              </a:buClr>
+              <a:buSzPts val="1800"/>
+              <a:buChar char="■"/>
+              <a:defRPr/>
+            </a:lvl9pPr>
+          </a:lstStyle>
+          <a:p/>
+        </p:txBody>
+      </p:sp>
+      <p:sp>
+        <p:nvSpPr>
+          <p:cNvPr id="84" name="Google Shape;84;p13"/>
+          <p:cNvSpPr txBox="1"/>
+          <p:nvPr>
+            <p:ph idx="10" type="dt"/>
+          </p:nvPr>
+        </p:nvSpPr>
+        <p:spPr>
+          <a:xfrm>
+            <a:off x="838200" y="6356350"/>
+            <a:ext cx="2743200" cy="365100"/>
+          </a:xfrm>
+          <a:prstGeom prst="rect">
+            <a:avLst/>
+          </a:prstGeom>
+          <a:noFill/>
+          <a:ln>
+            <a:noFill/>
+          </a:ln>
+        </p:spPr>
+        <p:txBody>
+          <a:bodyPr anchorCtr="0" anchor="ctr" bIns="45700" lIns="91425" spcFirstLastPara="1" rIns="91425" wrap="square" tIns="45700">
+            <a:noAutofit/>
+          </a:bodyPr>
+          <a:lstStyle>
+            <a:lvl1pPr lvl="0" rtl="0" algn="l">
+              <a:spcBef>
+                <a:spcPts val="0"/>
+              </a:spcBef>
+              <a:spcAft>
+                <a:spcPts val="0"/>
+              </a:spcAft>
+              <a:buSzPts val="1400"/>
+              <a:buNone/>
+              <a:defRPr/>
+            </a:lvl1pPr>
+            <a:lvl2pPr lvl="1" rtl="0" algn="l">
+              <a:spcBef>
+                <a:spcPts val="0"/>
+              </a:spcBef>
+              <a:spcAft>
+                <a:spcPts val="0"/>
+              </a:spcAft>
+              <a:buSzPts val="1400"/>
+              <a:buNone/>
+              <a:defRPr/>
+            </a:lvl2pPr>
+            <a:lvl3pPr lvl="2" rtl="0" algn="l">
+              <a:spcBef>
+                <a:spcPts val="0"/>
+              </a:spcBef>
+              <a:spcAft>
+                <a:spcPts val="0"/>
+              </a:spcAft>
+              <a:buSzPts val="1400"/>
+              <a:buNone/>
+              <a:defRPr/>
+            </a:lvl3pPr>
+            <a:lvl4pPr lvl="3" rtl="0" algn="l">
+              <a:spcBef>
+                <a:spcPts val="0"/>
+              </a:spcBef>
+              <a:spcAft>
+                <a:spcPts val="0"/>
+              </a:spcAft>
+              <a:buSzPts val="1400"/>
+              <a:buNone/>
+              <a:defRPr/>
+            </a:lvl4pPr>
+            <a:lvl5pPr lvl="4" rtl="0" algn="l">
+              <a:spcBef>
+                <a:spcPts val="0"/>
+              </a:spcBef>
+              <a:spcAft>
+                <a:spcPts val="0"/>
+              </a:spcAft>
+              <a:buSzPts val="1400"/>
+              <a:buNone/>
+              <a:defRPr/>
+            </a:lvl5pPr>
+            <a:lvl6pPr lvl="5" rtl="0" algn="l">
+              <a:spcBef>
+                <a:spcPts val="0"/>
+              </a:spcBef>
+              <a:spcAft>
+                <a:spcPts val="0"/>
+              </a:spcAft>
+              <a:buSzPts val="1400"/>
+              <a:buNone/>
+              <a:defRPr/>
+            </a:lvl6pPr>
+            <a:lvl7pPr lvl="6" rtl="0" algn="l">
+              <a:spcBef>
+                <a:spcPts val="0"/>
+              </a:spcBef>
+              <a:spcAft>
+                <a:spcPts val="0"/>
+              </a:spcAft>
+              <a:buSzPts val="1400"/>
+              <a:buNone/>
+              <a:defRPr/>
+            </a:lvl7pPr>
+            <a:lvl8pPr lvl="7" rtl="0" algn="l">
+              <a:spcBef>
+                <a:spcPts val="0"/>
+              </a:spcBef>
+              <a:spcAft>
+                <a:spcPts val="0"/>
+              </a:spcAft>
+              <a:buSzPts val="1400"/>
+              <a:buNone/>
+              <a:defRPr/>
+            </a:lvl8pPr>
+            <a:lvl9pPr lvl="8" rtl="0" algn="l">
+              <a:spcBef>
+                <a:spcPts val="0"/>
+              </a:spcBef>
+              <a:spcAft>
+                <a:spcPts val="0"/>
+              </a:spcAft>
+              <a:buSzPts val="1400"/>
+              <a:buNone/>
+              <a:defRPr/>
+            </a:lvl9pPr>
+          </a:lstStyle>
+          <a:p/>
+        </p:txBody>
+      </p:sp>
+      <p:sp>
+        <p:nvSpPr>
+          <p:cNvPr id="85" name="Google Shape;85;p13"/>
+          <p:cNvSpPr txBox="1"/>
+          <p:nvPr>
+            <p:ph idx="11" type="ftr"/>
+          </p:nvPr>
+        </p:nvSpPr>
+        <p:spPr>
+          <a:xfrm>
+            <a:off x="4038600" y="6356350"/>
+            <a:ext cx="4114800" cy="365100"/>
+          </a:xfrm>
+          <a:prstGeom prst="rect">
+            <a:avLst/>
+          </a:prstGeom>
+          <a:noFill/>
+          <a:ln>
+            <a:noFill/>
+          </a:ln>
+        </p:spPr>
+        <p:txBody>
+          <a:bodyPr anchorCtr="0" anchor="ctr" bIns="45700" lIns="91425" spcFirstLastPara="1" rIns="91425" wrap="square" tIns="45700">
+            <a:noAutofit/>
+          </a:bodyPr>
+          <a:lstStyle>
+            <a:lvl1pPr lvl="0" rtl="0" algn="ctr">
+              <a:spcBef>
+                <a:spcPts val="0"/>
+              </a:spcBef>
+              <a:spcAft>
+                <a:spcPts val="0"/>
+              </a:spcAft>
+              <a:buSzPts val="1400"/>
+              <a:buNone/>
+              <a:defRPr/>
+            </a:lvl1pPr>
+            <a:lvl2pPr lvl="1" rtl="0" algn="l">
+              <a:spcBef>
+                <a:spcPts val="0"/>
+              </a:spcBef>
+              <a:spcAft>
+                <a:spcPts val="0"/>
+              </a:spcAft>
+              <a:buSzPts val="1400"/>
+              <a:buNone/>
+              <a:defRPr/>
+            </a:lvl2pPr>
+            <a:lvl3pPr lvl="2" rtl="0" algn="l">
+              <a:spcBef>
+                <a:spcPts val="0"/>
+              </a:spcBef>
+              <a:spcAft>
+                <a:spcPts val="0"/>
+              </a:spcAft>
+              <a:buSzPts val="1400"/>
+              <a:buNone/>
+              <a:defRPr/>
+            </a:lvl3pPr>
+            <a:lvl4pPr lvl="3" rtl="0" algn="l">
+              <a:spcBef>
+                <a:spcPts val="0"/>
+              </a:spcBef>
+              <a:spcAft>
+                <a:spcPts val="0"/>
+              </a:spcAft>
+              <a:buSzPts val="1400"/>
+              <a:buNone/>
+              <a:defRPr/>
+            </a:lvl4pPr>
+            <a:lvl5pPr lvl="4" rtl="0" algn="l">
+              <a:spcBef>
+                <a:spcPts val="0"/>
+              </a:spcBef>
+              <a:spcAft>
+                <a:spcPts val="0"/>
+              </a:spcAft>
+              <a:buSzPts val="1400"/>
+              <a:buNone/>
+              <a:defRPr/>
+            </a:lvl5pPr>
+            <a:lvl6pPr lvl="5" rtl="0" algn="l">
+              <a:spcBef>
+                <a:spcPts val="0"/>
+              </a:spcBef>
+              <a:spcAft>
+                <a:spcPts val="0"/>
+              </a:spcAft>
+              <a:buSzPts val="1400"/>
+              <a:buNone/>
+              <a:defRPr/>
+            </a:lvl6pPr>
+            <a:lvl7pPr lvl="6" rtl="0" algn="l">
+              <a:spcBef>
+                <a:spcPts val="0"/>
+              </a:spcBef>
+              <a:spcAft>
+                <a:spcPts val="0"/>
+              </a:spcAft>
+              <a:buSzPts val="1400"/>
+              <a:buNone/>
+              <a:defRPr/>
+            </a:lvl7pPr>
+            <a:lvl8pPr lvl="7" rtl="0" algn="l">
+              <a:spcBef>
+                <a:spcPts val="0"/>
+              </a:spcBef>
+              <a:spcAft>
+                <a:spcPts val="0"/>
+              </a:spcAft>
+              <a:buSzPts val="1400"/>
+              <a:buNone/>
+              <a:defRPr/>
+            </a:lvl8pPr>
+            <a:lvl9pPr lvl="8" rtl="0" algn="l">
+              <a:spcBef>
+                <a:spcPts val="0"/>
+              </a:spcBef>
+              <a:spcAft>
+                <a:spcPts val="0"/>
+              </a:spcAft>
+              <a:buSzPts val="1400"/>
+              <a:buNone/>
+              <a:defRPr/>
+            </a:lvl9pPr>
+          </a:lstStyle>
+          <a:p/>
+        </p:txBody>
+      </p:sp>
+      <p:sp>
+        <p:nvSpPr>
+          <p:cNvPr id="86" name="Google Shape;86;p13"/>
+          <p:cNvSpPr txBox="1"/>
+          <p:nvPr>
+            <p:ph idx="12" type="sldNum"/>
+          </p:nvPr>
+        </p:nvSpPr>
+        <p:spPr>
+          <a:xfrm>
+            <a:off x="8610600" y="6356350"/>
+            <a:ext cx="2743200" cy="365100"/>
+          </a:xfrm>
+          <a:prstGeom prst="rect">
+            <a:avLst/>
+          </a:prstGeom>
+          <a:noFill/>
+          <a:ln>
+            <a:noFill/>
+          </a:ln>
+        </p:spPr>
+        <p:txBody>
+          <a:bodyPr anchorCtr="0" anchor="ctr" bIns="45700" lIns="91425" spcFirstLastPara="1" rIns="91425" wrap="square" tIns="45700">
+            <a:noAutofit/>
+          </a:bodyPr>
+          <a:lstStyle>
+            <a:lvl1pPr indent="0" lvl="0" marL="0" rtl="0" algn="r">
+              <a:spcBef>
+                <a:spcPts val="0"/>
+              </a:spcBef>
+              <a:buNone/>
+              <a:defRPr/>
+            </a:lvl1pPr>
+            <a:lvl2pPr indent="0" lvl="1" marL="0" rtl="0" algn="r">
+              <a:spcBef>
+                <a:spcPts val="0"/>
+              </a:spcBef>
+              <a:buNone/>
+              <a:defRPr/>
+            </a:lvl2pPr>
+            <a:lvl3pPr indent="0" lvl="2" marL="0" rtl="0" algn="r">
+              <a:spcBef>
+                <a:spcPts val="0"/>
+              </a:spcBef>
+              <a:buNone/>
+              <a:defRPr/>
+            </a:lvl3pPr>
+            <a:lvl4pPr indent="0" lvl="3" marL="0" rtl="0" algn="r">
+              <a:spcBef>
+                <a:spcPts val="0"/>
+              </a:spcBef>
+              <a:buNone/>
+              <a:defRPr/>
+            </a:lvl4pPr>
+            <a:lvl5pPr indent="0" lvl="4" marL="0" rtl="0" algn="r">
+              <a:spcBef>
+                <a:spcPts val="0"/>
+              </a:spcBef>
+              <a:buNone/>
+              <a:defRPr/>
+            </a:lvl5pPr>
+            <a:lvl6pPr indent="0" lvl="5" marL="0" rtl="0" algn="r">
+              <a:spcBef>
+                <a:spcPts val="0"/>
+              </a:spcBef>
+              <a:buNone/>
+              <a:defRPr/>
+            </a:lvl6pPr>
+            <a:lvl7pPr indent="0" lvl="6" marL="0" rtl="0" algn="r">
+              <a:spcBef>
+                <a:spcPts val="0"/>
+              </a:spcBef>
+              <a:buNone/>
+              <a:defRPr/>
+            </a:lvl7pPr>
+            <a:lvl8pPr indent="0" lvl="7" marL="0" rtl="0" algn="r">
+              <a:spcBef>
+                <a:spcPts val="0"/>
+              </a:spcBef>
+              <a:buNone/>
+              <a:defRPr/>
+            </a:lvl8pPr>
+            <a:lvl9pPr indent="0" lvl="8" marL="0" rtl="0" algn="r">
+              <a:spcBef>
+                <a:spcPts val="0"/>
+              </a:spcBef>
+              <a:buNone/>
+              <a:defRPr/>
+            </a:lvl9pPr>
+          </a:lstStyle>
+          <a:p>
+            <a:pPr indent="0" lvl="0" marL="0" rtl="0" algn="r">
               <a:spcBef>
                 <a:spcPts val="0"/>
               </a:spcBef>
@@ -2464,19 +3487,18 @@
 </file>
 
 <file path=ppt/slideLayouts/slideLayout2.xml><?xml version="1.0" encoding="utf-8"?>
-<p:sldLayout xmlns:a="http://schemas.openxmlformats.org/drawingml/2006/main" xmlns:r="http://schemas.openxmlformats.org/officeDocument/2006/relationships" xmlns:p="http://schemas.openxmlformats.org/presentationml/2006/main" matchingName="Section header" type="secHead">
+<p:sldLayout xmlns:a="http://schemas.openxmlformats.org/drawingml/2006/main" xmlns:r="http://schemas.openxmlformats.org/officeDocument/2006/relationships" xmlns:mc="http://schemas.openxmlformats.org/markup-compatibility/2006" xmlns:mv="urn:schemas-microsoft-com:mac:vml" xmlns:p="http://schemas.openxmlformats.org/presentationml/2006/main" xmlns:c="http://schemas.openxmlformats.org/drawingml/2006/chart" xmlns:dgm="http://schemas.openxmlformats.org/drawingml/2006/diagram" xmlns:o="urn:schemas-microsoft-com:office:office" xmlns:v="urn:schemas-microsoft-com:vml" xmlns:pvml="urn:schemas-microsoft-com:office:powerpoint" xmlns:com="http://schemas.openxmlformats.org/drawingml/2006/compatibility" xmlns:p14="http://schemas.microsoft.com/office/powerpoint/2010/main" xmlns:p15="http://schemas.microsoft.com/office/powerpoint/2012/main" matchingName="Section header" type="secHead">
   <p:cSld name="SECTION_HEADER">
     <p:bg>
       <p:bgPr>
         <a:solidFill>
           <a:schemeClr val="dk1"/>
         </a:solidFill>
-        <a:effectLst/>
       </p:bgPr>
     </p:bg>
     <p:spTree>
       <p:nvGrpSpPr>
-        <p:cNvPr id="1" name="Shape 19"/>
+        <p:cNvPr id="19" name="Shape 19"/>
         <p:cNvGrpSpPr/>
         <p:nvPr/>
       </p:nvGrpSpPr>
@@ -2524,12 +3546,12 @@
             </a:ln>
           </p:spPr>
           <p:txBody>
-            <a:bodyPr spcFirstLastPara="1" wrap="square" lIns="121900" tIns="121900" rIns="121900" bIns="121900" anchor="ctr" anchorCtr="0">
+            <a:bodyPr anchorCtr="0" anchor="ctr" bIns="121900" lIns="121900" spcFirstLastPara="1" rIns="121900" wrap="square" tIns="121900">
               <a:noAutofit/>
             </a:bodyPr>
             <a:lstStyle/>
             <a:p>
-              <a:pPr marL="0" lvl="0" indent="0" algn="l" rtl="0">
+              <a:pPr indent="0" lvl="0" marL="0" rtl="0" algn="l">
                 <a:spcBef>
                   <a:spcPts val="0"/>
                 </a:spcBef>
@@ -2538,6 +3560,9 @@
                 </a:spcAft>
                 <a:buNone/>
               </a:pPr>
+              <a:r>
+                <a:t/>
+              </a:r>
               <a:endParaRPr/>
             </a:p>
           </p:txBody>
@@ -2564,12 +3589,12 @@
             </a:ln>
           </p:spPr>
           <p:txBody>
-            <a:bodyPr spcFirstLastPara="1" wrap="square" lIns="121900" tIns="121900" rIns="121900" bIns="121900" anchor="ctr" anchorCtr="0">
+            <a:bodyPr anchorCtr="0" anchor="ctr" bIns="121900" lIns="121900" spcFirstLastPara="1" rIns="121900" wrap="square" tIns="121900">
               <a:noAutofit/>
             </a:bodyPr>
             <a:lstStyle/>
             <a:p>
-              <a:pPr marL="0" lvl="0" indent="0" algn="l" rtl="0">
+              <a:pPr indent="0" lvl="0" marL="0" rtl="0" algn="l">
                 <a:spcBef>
                   <a:spcPts val="0"/>
                 </a:spcBef>
@@ -2578,6 +3603,9 @@
                 </a:spcAft>
                 <a:buNone/>
               </a:pPr>
+              <a:r>
+                <a:t/>
+              </a:r>
               <a:endParaRPr/>
             </a:p>
           </p:txBody>
@@ -2589,7 +3617,7 @@
             <p:nvPr/>
           </p:nvSpPr>
           <p:spPr>
-            <a:xfrm rot="10800000" flipH="1">
+            <a:xfrm flipH="1" rot="10800000">
               <a:off x="7113588" y="107"/>
               <a:ext cx="1015200" cy="1015200"/>
             </a:xfrm>
@@ -2604,12 +3632,12 @@
             </a:ln>
           </p:spPr>
           <p:txBody>
-            <a:bodyPr spcFirstLastPara="1" wrap="square" lIns="121900" tIns="121900" rIns="121900" bIns="121900" anchor="ctr" anchorCtr="0">
+            <a:bodyPr anchorCtr="0" anchor="ctr" bIns="121900" lIns="121900" spcFirstLastPara="1" rIns="121900" wrap="square" tIns="121900">
               <a:noAutofit/>
             </a:bodyPr>
             <a:lstStyle/>
             <a:p>
-              <a:pPr marL="0" lvl="0" indent="0" algn="l" rtl="0">
+              <a:pPr indent="0" lvl="0" marL="0" rtl="0" algn="l">
                 <a:spcBef>
                   <a:spcPts val="0"/>
                 </a:spcBef>
@@ -2618,6 +3646,9 @@
                 </a:spcAft>
                 <a:buNone/>
               </a:pPr>
+              <a:r>
+                <a:t/>
+              </a:r>
               <a:endParaRPr/>
             </a:p>
           </p:txBody>
@@ -2644,12 +3675,12 @@
             </a:ln>
           </p:spPr>
           <p:txBody>
-            <a:bodyPr spcFirstLastPara="1" wrap="square" lIns="121900" tIns="121900" rIns="121900" bIns="121900" anchor="ctr" anchorCtr="0">
+            <a:bodyPr anchorCtr="0" anchor="ctr" bIns="121900" lIns="121900" spcFirstLastPara="1" rIns="121900" wrap="square" tIns="121900">
               <a:noAutofit/>
             </a:bodyPr>
             <a:lstStyle/>
             <a:p>
-              <a:pPr marL="0" lvl="0" indent="0" algn="l" rtl="0">
+              <a:pPr indent="0" lvl="0" marL="0" rtl="0" algn="l">
                 <a:spcBef>
                   <a:spcPts val="0"/>
                 </a:spcBef>
@@ -2658,6 +3689,9 @@
                 </a:spcAft>
                 <a:buNone/>
               </a:pPr>
+              <a:r>
+                <a:t/>
+              </a:r>
               <a:endParaRPr/>
             </a:p>
           </p:txBody>
@@ -2684,12 +3718,12 @@
             </a:ln>
           </p:spPr>
           <p:txBody>
-            <a:bodyPr spcFirstLastPara="1" wrap="square" lIns="121900" tIns="121900" rIns="121900" bIns="121900" anchor="ctr" anchorCtr="0">
+            <a:bodyPr anchorCtr="0" anchor="ctr" bIns="121900" lIns="121900" spcFirstLastPara="1" rIns="121900" wrap="square" tIns="121900">
               <a:noAutofit/>
             </a:bodyPr>
             <a:lstStyle/>
             <a:p>
-              <a:pPr marL="0" lvl="0" indent="0" algn="l" rtl="0">
+              <a:pPr indent="0" lvl="0" marL="0" rtl="0" algn="l">
                 <a:spcBef>
                   <a:spcPts val="0"/>
                 </a:spcBef>
@@ -2698,6 +3732,9 @@
                 </a:spcAft>
                 <a:buNone/>
               </a:pPr>
+              <a:r>
+                <a:t/>
+              </a:r>
               <a:endParaRPr/>
             </a:p>
           </p:txBody>
@@ -2706,9 +3743,7 @@
       <p:sp>
         <p:nvSpPr>
           <p:cNvPr id="26" name="Google Shape;26;p3"/>
-          <p:cNvSpPr txBox="1">
-            <a:spLocks noGrp="1"/>
-          </p:cNvSpPr>
+          <p:cNvSpPr txBox="1"/>
           <p:nvPr>
             <p:ph type="title"/>
           </p:nvPr>
@@ -2723,7 +3758,7 @@
           </a:prstGeom>
         </p:spPr>
         <p:txBody>
-          <a:bodyPr spcFirstLastPara="1" wrap="square" lIns="121900" tIns="121900" rIns="121900" bIns="121900" anchor="ctr" anchorCtr="0">
+          <a:bodyPr anchorCtr="0" anchor="ctr" bIns="121900" lIns="121900" spcFirstLastPara="1" rIns="121900" wrap="square" tIns="121900">
             <a:noAutofit/>
           </a:bodyPr>
           <a:lstStyle>
@@ -2890,19 +3925,15 @@
               </a:defRPr>
             </a:lvl9pPr>
           </a:lstStyle>
-          <a:p>
-            <a:endParaRPr/>
-          </a:p>
+          <a:p/>
         </p:txBody>
       </p:sp>
       <p:sp>
         <p:nvSpPr>
           <p:cNvPr id="27" name="Google Shape;27;p3"/>
-          <p:cNvSpPr txBox="1">
-            <a:spLocks noGrp="1"/>
-          </p:cNvSpPr>
+          <p:cNvSpPr txBox="1"/>
           <p:nvPr>
-            <p:ph type="sldNum" idx="12"/>
+            <p:ph idx="12" type="sldNum"/>
           </p:nvPr>
         </p:nvSpPr>
         <p:spPr>
@@ -2915,7 +3946,7 @@
           </a:prstGeom>
         </p:spPr>
         <p:txBody>
-          <a:bodyPr spcFirstLastPara="1" wrap="square" lIns="121900" tIns="121900" rIns="121900" bIns="121900" anchor="ctr" anchorCtr="0">
+          <a:bodyPr anchorCtr="0" anchor="ctr" bIns="121900" lIns="121900" spcFirstLastPara="1" rIns="121900" wrap="square" tIns="121900">
             <a:noAutofit/>
           </a:bodyPr>
           <a:lstStyle>
@@ -2957,7 +3988,7 @@
             </a:lvl9pPr>
           </a:lstStyle>
           <a:p>
-            <a:pPr marL="0" lvl="0" indent="0" algn="r" rtl="0">
+            <a:pPr indent="0" lvl="0" marL="0" rtl="0" algn="r">
               <a:spcBef>
                 <a:spcPts val="0"/>
               </a:spcBef>
@@ -2983,11 +4014,11 @@
 </file>
 
 <file path=ppt/slideLayouts/slideLayout3.xml><?xml version="1.0" encoding="utf-8"?>
-<p:sldLayout xmlns:a="http://schemas.openxmlformats.org/drawingml/2006/main" xmlns:r="http://schemas.openxmlformats.org/officeDocument/2006/relationships" xmlns:p="http://schemas.openxmlformats.org/presentationml/2006/main" matchingName="Title and body" type="tx">
+<p:sldLayout xmlns:a="http://schemas.openxmlformats.org/drawingml/2006/main" xmlns:r="http://schemas.openxmlformats.org/officeDocument/2006/relationships" xmlns:mc="http://schemas.openxmlformats.org/markup-compatibility/2006" xmlns:mv="urn:schemas-microsoft-com:mac:vml" xmlns:p="http://schemas.openxmlformats.org/presentationml/2006/main" xmlns:c="http://schemas.openxmlformats.org/drawingml/2006/chart" xmlns:dgm="http://schemas.openxmlformats.org/drawingml/2006/diagram" xmlns:o="urn:schemas-microsoft-com:office:office" xmlns:v="urn:schemas-microsoft-com:vml" xmlns:pvml="urn:schemas-microsoft-com:office:powerpoint" xmlns:com="http://schemas.openxmlformats.org/drawingml/2006/compatibility" xmlns:p14="http://schemas.microsoft.com/office/powerpoint/2010/main" xmlns:p15="http://schemas.microsoft.com/office/powerpoint/2012/main" matchingName="Title and body" type="tx">
   <p:cSld name="TITLE_AND_BODY">
     <p:spTree>
       <p:nvGrpSpPr>
-        <p:cNvPr id="1" name="Shape 28"/>
+        <p:cNvPr id="28" name="Shape 28"/>
         <p:cNvGrpSpPr/>
         <p:nvPr/>
       </p:nvGrpSpPr>
@@ -3035,12 +4066,12 @@
             </a:ln>
           </p:spPr>
           <p:txBody>
-            <a:bodyPr spcFirstLastPara="1" wrap="square" lIns="121900" tIns="121900" rIns="121900" bIns="121900" anchor="ctr" anchorCtr="0">
+            <a:bodyPr anchorCtr="0" anchor="ctr" bIns="121900" lIns="121900" spcFirstLastPara="1" rIns="121900" wrap="square" tIns="121900">
               <a:noAutofit/>
             </a:bodyPr>
             <a:lstStyle/>
             <a:p>
-              <a:pPr marL="0" lvl="0" indent="0" algn="l" rtl="0">
+              <a:pPr indent="0" lvl="0" marL="0" rtl="0" algn="l">
                 <a:spcBef>
                   <a:spcPts val="0"/>
                 </a:spcBef>
@@ -3049,6 +4080,9 @@
                 </a:spcAft>
                 <a:buNone/>
               </a:pPr>
+              <a:r>
+                <a:t/>
+              </a:r>
               <a:endParaRPr/>
             </a:p>
           </p:txBody>
@@ -3075,12 +4109,12 @@
             </a:ln>
           </p:spPr>
           <p:txBody>
-            <a:bodyPr spcFirstLastPara="1" wrap="square" lIns="121900" tIns="121900" rIns="121900" bIns="121900" anchor="ctr" anchorCtr="0">
+            <a:bodyPr anchorCtr="0" anchor="ctr" bIns="121900" lIns="121900" spcFirstLastPara="1" rIns="121900" wrap="square" tIns="121900">
               <a:noAutofit/>
             </a:bodyPr>
             <a:lstStyle/>
             <a:p>
-              <a:pPr marL="0" lvl="0" indent="0" algn="l" rtl="0">
+              <a:pPr indent="0" lvl="0" marL="0" rtl="0" algn="l">
                 <a:spcBef>
                   <a:spcPts val="0"/>
                 </a:spcBef>
@@ -3089,6 +4123,9 @@
                 </a:spcAft>
                 <a:buNone/>
               </a:pPr>
+              <a:r>
+                <a:t/>
+              </a:r>
               <a:endParaRPr/>
             </a:p>
           </p:txBody>
@@ -3115,12 +4152,12 @@
             </a:ln>
           </p:spPr>
           <p:txBody>
-            <a:bodyPr spcFirstLastPara="1" wrap="square" lIns="121900" tIns="121900" rIns="121900" bIns="121900" anchor="ctr" anchorCtr="0">
+            <a:bodyPr anchorCtr="0" anchor="ctr" bIns="121900" lIns="121900" spcFirstLastPara="1" rIns="121900" wrap="square" tIns="121900">
               <a:noAutofit/>
             </a:bodyPr>
             <a:lstStyle/>
             <a:p>
-              <a:pPr marL="0" lvl="0" indent="0" algn="l" rtl="0">
+              <a:pPr indent="0" lvl="0" marL="0" rtl="0" algn="l">
                 <a:spcBef>
                   <a:spcPts val="0"/>
                 </a:spcBef>
@@ -3129,6 +4166,9 @@
                 </a:spcAft>
                 <a:buNone/>
               </a:pPr>
+              <a:r>
+                <a:t/>
+              </a:r>
               <a:endParaRPr/>
             </a:p>
           </p:txBody>
@@ -3155,12 +4195,12 @@
             </a:ln>
           </p:spPr>
           <p:txBody>
-            <a:bodyPr spcFirstLastPara="1" wrap="square" lIns="121900" tIns="121900" rIns="121900" bIns="121900" anchor="ctr" anchorCtr="0">
+            <a:bodyPr anchorCtr="0" anchor="ctr" bIns="121900" lIns="121900" spcFirstLastPara="1" rIns="121900" wrap="square" tIns="121900">
               <a:noAutofit/>
             </a:bodyPr>
             <a:lstStyle/>
             <a:p>
-              <a:pPr marL="0" lvl="0" indent="0" algn="l" rtl="0">
+              <a:pPr indent="0" lvl="0" marL="0" rtl="0" algn="l">
                 <a:spcBef>
                   <a:spcPts val="0"/>
                 </a:spcBef>
@@ -3169,6 +4209,9 @@
                 </a:spcAft>
                 <a:buNone/>
               </a:pPr>
+              <a:r>
+                <a:t/>
+              </a:r>
               <a:endParaRPr/>
             </a:p>
           </p:txBody>
@@ -3195,12 +4238,12 @@
             </a:ln>
           </p:spPr>
           <p:txBody>
-            <a:bodyPr spcFirstLastPara="1" wrap="square" lIns="121900" tIns="121900" rIns="121900" bIns="121900" anchor="ctr" anchorCtr="0">
+            <a:bodyPr anchorCtr="0" anchor="ctr" bIns="121900" lIns="121900" spcFirstLastPara="1" rIns="121900" wrap="square" tIns="121900">
               <a:noAutofit/>
             </a:bodyPr>
             <a:lstStyle/>
             <a:p>
-              <a:pPr marL="0" lvl="0" indent="0" algn="l" rtl="0">
+              <a:pPr indent="0" lvl="0" marL="0" rtl="0" algn="l">
                 <a:spcBef>
                   <a:spcPts val="0"/>
                 </a:spcBef>
@@ -3209,6 +4252,9 @@
                 </a:spcAft>
                 <a:buNone/>
               </a:pPr>
+              <a:r>
+                <a:t/>
+              </a:r>
               <a:endParaRPr/>
             </a:p>
           </p:txBody>
@@ -3217,9 +4263,7 @@
       <p:sp>
         <p:nvSpPr>
           <p:cNvPr id="35" name="Google Shape;35;p4"/>
-          <p:cNvSpPr txBox="1">
-            <a:spLocks noGrp="1"/>
-          </p:cNvSpPr>
+          <p:cNvSpPr txBox="1"/>
           <p:nvPr>
             <p:ph type="title"/>
           </p:nvPr>
@@ -3234,7 +4278,7 @@
           </a:prstGeom>
         </p:spPr>
         <p:txBody>
-          <a:bodyPr spcFirstLastPara="1" wrap="square" lIns="121900" tIns="121900" rIns="121900" bIns="121900" anchor="t" anchorCtr="0">
+          <a:bodyPr anchorCtr="0" anchor="t" bIns="121900" lIns="121900" spcFirstLastPara="1" rIns="121900" wrap="square" tIns="121900">
             <a:noAutofit/>
           </a:bodyPr>
           <a:lstStyle>
@@ -3338,19 +4382,15 @@
               <a:defRPr/>
             </a:lvl9pPr>
           </a:lstStyle>
-          <a:p>
-            <a:endParaRPr/>
-          </a:p>
+          <a:p/>
         </p:txBody>
       </p:sp>
       <p:sp>
         <p:nvSpPr>
           <p:cNvPr id="36" name="Google Shape;36;p4"/>
-          <p:cNvSpPr txBox="1">
-            <a:spLocks noGrp="1"/>
-          </p:cNvSpPr>
+          <p:cNvSpPr txBox="1"/>
           <p:nvPr>
-            <p:ph type="body" idx="1"/>
+            <p:ph idx="1" type="body"/>
           </p:nvPr>
         </p:nvSpPr>
         <p:spPr>
@@ -3363,11 +4403,11 @@
           </a:prstGeom>
         </p:spPr>
         <p:txBody>
-          <a:bodyPr spcFirstLastPara="1" wrap="square" lIns="121900" tIns="121900" rIns="121900" bIns="121900" anchor="t" anchorCtr="0">
+          <a:bodyPr anchorCtr="0" anchor="t" bIns="121900" lIns="121900" spcFirstLastPara="1" rIns="121900" wrap="square" tIns="121900">
             <a:noAutofit/>
           </a:bodyPr>
           <a:lstStyle>
-            <a:lvl1pPr marL="457200" lvl="0" indent="-381000">
+            <a:lvl1pPr indent="-381000" lvl="0" marL="457200">
               <a:spcBef>
                 <a:spcPts val="0"/>
               </a:spcBef>
@@ -3378,7 +4418,7 @@
               <a:buChar char="●"/>
               <a:defRPr/>
             </a:lvl1pPr>
-            <a:lvl2pPr marL="914400" lvl="1" indent="-349250">
+            <a:lvl2pPr indent="-349250" lvl="1" marL="914400">
               <a:spcBef>
                 <a:spcPts val="2100"/>
               </a:spcBef>
@@ -3389,7 +4429,7 @@
               <a:buChar char="○"/>
               <a:defRPr/>
             </a:lvl2pPr>
-            <a:lvl3pPr marL="1371600" lvl="2" indent="-349250">
+            <a:lvl3pPr indent="-349250" lvl="2" marL="1371600">
               <a:spcBef>
                 <a:spcPts val="2100"/>
               </a:spcBef>
@@ -3400,7 +4440,7 @@
               <a:buChar char="■"/>
               <a:defRPr/>
             </a:lvl3pPr>
-            <a:lvl4pPr marL="1828800" lvl="3" indent="-349250">
+            <a:lvl4pPr indent="-349250" lvl="3" marL="1828800">
               <a:spcBef>
                 <a:spcPts val="2100"/>
               </a:spcBef>
@@ -3411,7 +4451,7 @@
               <a:buChar char="●"/>
               <a:defRPr/>
             </a:lvl4pPr>
-            <a:lvl5pPr marL="2286000" lvl="4" indent="-349250">
+            <a:lvl5pPr indent="-349250" lvl="4" marL="2286000">
               <a:spcBef>
                 <a:spcPts val="2100"/>
               </a:spcBef>
@@ -3422,7 +4462,7 @@
               <a:buChar char="○"/>
               <a:defRPr/>
             </a:lvl5pPr>
-            <a:lvl6pPr marL="2743200" lvl="5" indent="-349250">
+            <a:lvl6pPr indent="-349250" lvl="5" marL="2743200">
               <a:spcBef>
                 <a:spcPts val="2100"/>
               </a:spcBef>
@@ -3433,7 +4473,7 @@
               <a:buChar char="■"/>
               <a:defRPr/>
             </a:lvl6pPr>
-            <a:lvl7pPr marL="3200400" lvl="6" indent="-349250">
+            <a:lvl7pPr indent="-349250" lvl="6" marL="3200400">
               <a:spcBef>
                 <a:spcPts val="2100"/>
               </a:spcBef>
@@ -3444,7 +4484,7 @@
               <a:buChar char="●"/>
               <a:defRPr/>
             </a:lvl7pPr>
-            <a:lvl8pPr marL="3657600" lvl="7" indent="-349250">
+            <a:lvl8pPr indent="-349250" lvl="7" marL="3657600">
               <a:spcBef>
                 <a:spcPts val="2100"/>
               </a:spcBef>
@@ -3455,7 +4495,7 @@
               <a:buChar char="○"/>
               <a:defRPr/>
             </a:lvl8pPr>
-            <a:lvl9pPr marL="4114800" lvl="8" indent="-349250">
+            <a:lvl9pPr indent="-349250" lvl="8" marL="4114800">
               <a:spcBef>
                 <a:spcPts val="2100"/>
               </a:spcBef>
@@ -3467,19 +4507,15 @@
               <a:defRPr/>
             </a:lvl9pPr>
           </a:lstStyle>
-          <a:p>
-            <a:endParaRPr/>
-          </a:p>
+          <a:p/>
         </p:txBody>
       </p:sp>
       <p:sp>
         <p:nvSpPr>
           <p:cNvPr id="37" name="Google Shape;37;p4"/>
-          <p:cNvSpPr txBox="1">
-            <a:spLocks noGrp="1"/>
-          </p:cNvSpPr>
+          <p:cNvSpPr txBox="1"/>
           <p:nvPr>
-            <p:ph type="sldNum" idx="12"/>
+            <p:ph idx="12" type="sldNum"/>
           </p:nvPr>
         </p:nvSpPr>
         <p:spPr>
@@ -3492,7 +4528,7 @@
           </a:prstGeom>
         </p:spPr>
         <p:txBody>
-          <a:bodyPr spcFirstLastPara="1" wrap="square" lIns="121900" tIns="121900" rIns="121900" bIns="121900" anchor="ctr" anchorCtr="0">
+          <a:bodyPr anchorCtr="0" anchor="ctr" bIns="121900" lIns="121900" spcFirstLastPara="1" rIns="121900" wrap="square" tIns="121900">
             <a:noAutofit/>
           </a:bodyPr>
           <a:lstStyle>
@@ -3534,7 +4570,7 @@
             </a:lvl9pPr>
           </a:lstStyle>
           <a:p>
-            <a:pPr marL="0" lvl="0" indent="0" algn="r" rtl="0">
+            <a:pPr indent="0" lvl="0" marL="0" rtl="0" algn="r">
               <a:spcBef>
                 <a:spcPts val="0"/>
               </a:spcBef>
@@ -3560,11 +4596,11 @@
 </file>
 
 <file path=ppt/slideLayouts/slideLayout4.xml><?xml version="1.0" encoding="utf-8"?>
-<p:sldLayout xmlns:a="http://schemas.openxmlformats.org/drawingml/2006/main" xmlns:r="http://schemas.openxmlformats.org/officeDocument/2006/relationships" xmlns:p="http://schemas.openxmlformats.org/presentationml/2006/main" matchingName="Title and two columns" type="twoColTx">
+<p:sldLayout xmlns:a="http://schemas.openxmlformats.org/drawingml/2006/main" xmlns:r="http://schemas.openxmlformats.org/officeDocument/2006/relationships" xmlns:mc="http://schemas.openxmlformats.org/markup-compatibility/2006" xmlns:mv="urn:schemas-microsoft-com:mac:vml" xmlns:p="http://schemas.openxmlformats.org/presentationml/2006/main" xmlns:c="http://schemas.openxmlformats.org/drawingml/2006/chart" xmlns:dgm="http://schemas.openxmlformats.org/drawingml/2006/diagram" xmlns:o="urn:schemas-microsoft-com:office:office" xmlns:v="urn:schemas-microsoft-com:vml" xmlns:pvml="urn:schemas-microsoft-com:office:powerpoint" xmlns:com="http://schemas.openxmlformats.org/drawingml/2006/compatibility" xmlns:p14="http://schemas.microsoft.com/office/powerpoint/2010/main" xmlns:p15="http://schemas.microsoft.com/office/powerpoint/2012/main" matchingName="Title and two columns" type="twoColTx">
   <p:cSld name="TITLE_AND_TWO_COLUMNS">
     <p:spTree>
       <p:nvGrpSpPr>
-        <p:cNvPr id="1" name="Shape 38"/>
+        <p:cNvPr id="38" name="Shape 38"/>
         <p:cNvGrpSpPr/>
         <p:nvPr/>
       </p:nvGrpSpPr>
@@ -3579,9 +4615,7 @@
       <p:sp>
         <p:nvSpPr>
           <p:cNvPr id="39" name="Google Shape;39;p5"/>
-          <p:cNvSpPr txBox="1">
-            <a:spLocks noGrp="1"/>
-          </p:cNvSpPr>
+          <p:cNvSpPr txBox="1"/>
           <p:nvPr>
             <p:ph type="title"/>
           </p:nvPr>
@@ -3596,7 +4630,7 @@
           </a:prstGeom>
         </p:spPr>
         <p:txBody>
-          <a:bodyPr spcFirstLastPara="1" wrap="square" lIns="121900" tIns="121900" rIns="121900" bIns="121900" anchor="t" anchorCtr="0">
+          <a:bodyPr anchorCtr="0" anchor="t" bIns="121900" lIns="121900" spcFirstLastPara="1" rIns="121900" wrap="square" tIns="121900">
             <a:noAutofit/>
           </a:bodyPr>
           <a:lstStyle>
@@ -3700,19 +4734,15 @@
               <a:defRPr/>
             </a:lvl9pPr>
           </a:lstStyle>
-          <a:p>
-            <a:endParaRPr/>
-          </a:p>
+          <a:p/>
         </p:txBody>
       </p:sp>
       <p:sp>
         <p:nvSpPr>
           <p:cNvPr id="40" name="Google Shape;40;p5"/>
-          <p:cNvSpPr txBox="1">
-            <a:spLocks noGrp="1"/>
-          </p:cNvSpPr>
+          <p:cNvSpPr txBox="1"/>
           <p:nvPr>
-            <p:ph type="body" idx="1"/>
+            <p:ph idx="1" type="body"/>
           </p:nvPr>
         </p:nvSpPr>
         <p:spPr>
@@ -3725,11 +4755,11 @@
           </a:prstGeom>
         </p:spPr>
         <p:txBody>
-          <a:bodyPr spcFirstLastPara="1" wrap="square" lIns="121900" tIns="121900" rIns="121900" bIns="121900" anchor="t" anchorCtr="0">
+          <a:bodyPr anchorCtr="0" anchor="t" bIns="121900" lIns="121900" spcFirstLastPara="1" rIns="121900" wrap="square" tIns="121900">
             <a:noAutofit/>
           </a:bodyPr>
           <a:lstStyle>
-            <a:lvl1pPr marL="457200" lvl="0" indent="-349250">
+            <a:lvl1pPr indent="-349250" lvl="0" marL="457200">
               <a:spcBef>
                 <a:spcPts val="0"/>
               </a:spcBef>
@@ -3740,7 +4770,7 @@
               <a:buChar char="●"/>
               <a:defRPr sz="1900"/>
             </a:lvl1pPr>
-            <a:lvl2pPr marL="914400" lvl="1" indent="-330200">
+            <a:lvl2pPr indent="-330200" lvl="1" marL="914400">
               <a:spcBef>
                 <a:spcPts val="2100"/>
               </a:spcBef>
@@ -3751,7 +4781,7 @@
               <a:buChar char="○"/>
               <a:defRPr sz="1600"/>
             </a:lvl2pPr>
-            <a:lvl3pPr marL="1371600" lvl="2" indent="-330200">
+            <a:lvl3pPr indent="-330200" lvl="2" marL="1371600">
               <a:spcBef>
                 <a:spcPts val="2100"/>
               </a:spcBef>
@@ -3762,7 +4792,7 @@
               <a:buChar char="■"/>
               <a:defRPr sz="1600"/>
             </a:lvl3pPr>
-            <a:lvl4pPr marL="1828800" lvl="3" indent="-330200">
+            <a:lvl4pPr indent="-330200" lvl="3" marL="1828800">
               <a:spcBef>
                 <a:spcPts val="2100"/>
               </a:spcBef>
@@ -3773,7 +4803,7 @@
               <a:buChar char="●"/>
               <a:defRPr sz="1600"/>
             </a:lvl4pPr>
-            <a:lvl5pPr marL="2286000" lvl="4" indent="-330200">
+            <a:lvl5pPr indent="-330200" lvl="4" marL="2286000">
               <a:spcBef>
                 <a:spcPts val="2100"/>
               </a:spcBef>
@@ -3784,7 +4814,7 @@
               <a:buChar char="○"/>
               <a:defRPr sz="1600"/>
             </a:lvl5pPr>
-            <a:lvl6pPr marL="2743200" lvl="5" indent="-330200">
+            <a:lvl6pPr indent="-330200" lvl="5" marL="2743200">
               <a:spcBef>
                 <a:spcPts val="2100"/>
               </a:spcBef>
@@ -3795,7 +4825,7 @@
               <a:buChar char="■"/>
               <a:defRPr sz="1600"/>
             </a:lvl6pPr>
-            <a:lvl7pPr marL="3200400" lvl="6" indent="-330200">
+            <a:lvl7pPr indent="-330200" lvl="6" marL="3200400">
               <a:spcBef>
                 <a:spcPts val="2100"/>
               </a:spcBef>
@@ -3806,7 +4836,7 @@
               <a:buChar char="●"/>
               <a:defRPr sz="1600"/>
             </a:lvl7pPr>
-            <a:lvl8pPr marL="3657600" lvl="7" indent="-330200">
+            <a:lvl8pPr indent="-330200" lvl="7" marL="3657600">
               <a:spcBef>
                 <a:spcPts val="2100"/>
               </a:spcBef>
@@ -3817,7 +4847,7 @@
               <a:buChar char="○"/>
               <a:defRPr sz="1600"/>
             </a:lvl8pPr>
-            <a:lvl9pPr marL="4114800" lvl="8" indent="-330200">
+            <a:lvl9pPr indent="-330200" lvl="8" marL="4114800">
               <a:spcBef>
                 <a:spcPts val="2100"/>
               </a:spcBef>
@@ -3829,19 +4859,15 @@
               <a:defRPr sz="1600"/>
             </a:lvl9pPr>
           </a:lstStyle>
-          <a:p>
-            <a:endParaRPr/>
-          </a:p>
+          <a:p/>
         </p:txBody>
       </p:sp>
       <p:sp>
         <p:nvSpPr>
           <p:cNvPr id="41" name="Google Shape;41;p5"/>
-          <p:cNvSpPr txBox="1">
-            <a:spLocks noGrp="1"/>
-          </p:cNvSpPr>
+          <p:cNvSpPr txBox="1"/>
           <p:nvPr>
-            <p:ph type="body" idx="2"/>
+            <p:ph idx="2" type="body"/>
           </p:nvPr>
         </p:nvSpPr>
         <p:spPr>
@@ -3854,11 +4880,11 @@
           </a:prstGeom>
         </p:spPr>
         <p:txBody>
-          <a:bodyPr spcFirstLastPara="1" wrap="square" lIns="121900" tIns="121900" rIns="121900" bIns="121900" anchor="t" anchorCtr="0">
+          <a:bodyPr anchorCtr="0" anchor="t" bIns="121900" lIns="121900" spcFirstLastPara="1" rIns="121900" wrap="square" tIns="121900">
             <a:noAutofit/>
           </a:bodyPr>
           <a:lstStyle>
-            <a:lvl1pPr marL="457200" lvl="0" indent="-349250">
+            <a:lvl1pPr indent="-349250" lvl="0" marL="457200">
               <a:spcBef>
                 <a:spcPts val="0"/>
               </a:spcBef>
@@ -3869,7 +4895,7 @@
               <a:buChar char="●"/>
               <a:defRPr sz="1900"/>
             </a:lvl1pPr>
-            <a:lvl2pPr marL="914400" lvl="1" indent="-330200">
+            <a:lvl2pPr indent="-330200" lvl="1" marL="914400">
               <a:spcBef>
                 <a:spcPts val="2100"/>
               </a:spcBef>
@@ -3880,7 +4906,7 @@
               <a:buChar char="○"/>
               <a:defRPr sz="1600"/>
             </a:lvl2pPr>
-            <a:lvl3pPr marL="1371600" lvl="2" indent="-330200">
+            <a:lvl3pPr indent="-330200" lvl="2" marL="1371600">
               <a:spcBef>
                 <a:spcPts val="2100"/>
               </a:spcBef>
@@ -3891,7 +4917,7 @@
               <a:buChar char="■"/>
               <a:defRPr sz="1600"/>
             </a:lvl3pPr>
-            <a:lvl4pPr marL="1828800" lvl="3" indent="-330200">
+            <a:lvl4pPr indent="-330200" lvl="3" marL="1828800">
               <a:spcBef>
                 <a:spcPts val="2100"/>
               </a:spcBef>
@@ -3902,7 +4928,7 @@
               <a:buChar char="●"/>
               <a:defRPr sz="1600"/>
             </a:lvl4pPr>
-            <a:lvl5pPr marL="2286000" lvl="4" indent="-330200">
+            <a:lvl5pPr indent="-330200" lvl="4" marL="2286000">
               <a:spcBef>
                 <a:spcPts val="2100"/>
               </a:spcBef>
@@ -3913,7 +4939,7 @@
               <a:buChar char="○"/>
               <a:defRPr sz="1600"/>
             </a:lvl5pPr>
-            <a:lvl6pPr marL="2743200" lvl="5" indent="-330200">
+            <a:lvl6pPr indent="-330200" lvl="5" marL="2743200">
               <a:spcBef>
                 <a:spcPts val="2100"/>
               </a:spcBef>
@@ -3924,7 +4950,7 @@
               <a:buChar char="■"/>
               <a:defRPr sz="1600"/>
             </a:lvl6pPr>
-            <a:lvl7pPr marL="3200400" lvl="6" indent="-330200">
+            <a:lvl7pPr indent="-330200" lvl="6" marL="3200400">
               <a:spcBef>
                 <a:spcPts val="2100"/>
               </a:spcBef>
@@ -3935,7 +4961,7 @@
               <a:buChar char="●"/>
               <a:defRPr sz="1600"/>
             </a:lvl7pPr>
-            <a:lvl8pPr marL="3657600" lvl="7" indent="-330200">
+            <a:lvl8pPr indent="-330200" lvl="7" marL="3657600">
               <a:spcBef>
                 <a:spcPts val="2100"/>
               </a:spcBef>
@@ -3946,7 +4972,7 @@
               <a:buChar char="○"/>
               <a:defRPr sz="1600"/>
             </a:lvl8pPr>
-            <a:lvl9pPr marL="4114800" lvl="8" indent="-330200">
+            <a:lvl9pPr indent="-330200" lvl="8" marL="4114800">
               <a:spcBef>
                 <a:spcPts val="2100"/>
               </a:spcBef>
@@ -3958,19 +4984,15 @@
               <a:defRPr sz="1600"/>
             </a:lvl9pPr>
           </a:lstStyle>
-          <a:p>
-            <a:endParaRPr/>
-          </a:p>
+          <a:p/>
         </p:txBody>
       </p:sp>
       <p:sp>
         <p:nvSpPr>
           <p:cNvPr id="42" name="Google Shape;42;p5"/>
-          <p:cNvSpPr txBox="1">
-            <a:spLocks noGrp="1"/>
-          </p:cNvSpPr>
+          <p:cNvSpPr txBox="1"/>
           <p:nvPr>
-            <p:ph type="sldNum" idx="12"/>
+            <p:ph idx="12" type="sldNum"/>
           </p:nvPr>
         </p:nvSpPr>
         <p:spPr>
@@ -3983,7 +5005,7 @@
           </a:prstGeom>
         </p:spPr>
         <p:txBody>
-          <a:bodyPr spcFirstLastPara="1" wrap="square" lIns="121900" tIns="121900" rIns="121900" bIns="121900" anchor="ctr" anchorCtr="0">
+          <a:bodyPr anchorCtr="0" anchor="ctr" bIns="121900" lIns="121900" spcFirstLastPara="1" rIns="121900" wrap="square" tIns="121900">
             <a:noAutofit/>
           </a:bodyPr>
           <a:lstStyle>
@@ -4061,7 +5083,7 @@
             </a:lvl9pPr>
           </a:lstStyle>
           <a:p>
-            <a:pPr marL="0" lvl="0" indent="0" algn="r" rtl="0">
+            <a:pPr indent="0" lvl="0" marL="0" rtl="0" algn="r">
               <a:spcBef>
                 <a:spcPts val="0"/>
               </a:spcBef>
@@ -4087,11 +5109,11 @@
 </file>
 
 <file path=ppt/slideLayouts/slideLayout5.xml><?xml version="1.0" encoding="utf-8"?>
-<p:sldLayout xmlns:a="http://schemas.openxmlformats.org/drawingml/2006/main" xmlns:r="http://schemas.openxmlformats.org/officeDocument/2006/relationships" xmlns:p="http://schemas.openxmlformats.org/presentationml/2006/main" matchingName="Title only" type="titleOnly">
+<p:sldLayout xmlns:a="http://schemas.openxmlformats.org/drawingml/2006/main" xmlns:r="http://schemas.openxmlformats.org/officeDocument/2006/relationships" xmlns:mc="http://schemas.openxmlformats.org/markup-compatibility/2006" xmlns:mv="urn:schemas-microsoft-com:mac:vml" xmlns:p="http://schemas.openxmlformats.org/presentationml/2006/main" xmlns:c="http://schemas.openxmlformats.org/drawingml/2006/chart" xmlns:dgm="http://schemas.openxmlformats.org/drawingml/2006/diagram" xmlns:o="urn:schemas-microsoft-com:office:office" xmlns:v="urn:schemas-microsoft-com:vml" xmlns:pvml="urn:schemas-microsoft-com:office:powerpoint" xmlns:com="http://schemas.openxmlformats.org/drawingml/2006/compatibility" xmlns:p14="http://schemas.microsoft.com/office/powerpoint/2010/main" xmlns:p15="http://schemas.microsoft.com/office/powerpoint/2012/main" matchingName="Title only" type="titleOnly">
   <p:cSld name="TITLE_ONLY">
     <p:spTree>
       <p:nvGrpSpPr>
-        <p:cNvPr id="1" name="Shape 43"/>
+        <p:cNvPr id="43" name="Shape 43"/>
         <p:cNvGrpSpPr/>
         <p:nvPr/>
       </p:nvGrpSpPr>
@@ -4106,9 +5128,7 @@
       <p:sp>
         <p:nvSpPr>
           <p:cNvPr id="44" name="Google Shape;44;p6"/>
-          <p:cNvSpPr txBox="1">
-            <a:spLocks noGrp="1"/>
-          </p:cNvSpPr>
+          <p:cNvSpPr txBox="1"/>
           <p:nvPr>
             <p:ph type="title"/>
           </p:nvPr>
@@ -4123,7 +5143,7 @@
           </a:prstGeom>
         </p:spPr>
         <p:txBody>
-          <a:bodyPr spcFirstLastPara="1" wrap="square" lIns="121900" tIns="121900" rIns="121900" bIns="121900" anchor="t" anchorCtr="0">
+          <a:bodyPr anchorCtr="0" anchor="t" bIns="121900" lIns="121900" spcFirstLastPara="1" rIns="121900" wrap="square" tIns="121900">
             <a:noAutofit/>
           </a:bodyPr>
           <a:lstStyle>
@@ -4227,19 +5247,15 @@
               <a:defRPr/>
             </a:lvl9pPr>
           </a:lstStyle>
-          <a:p>
-            <a:endParaRPr/>
-          </a:p>
+          <a:p/>
         </p:txBody>
       </p:sp>
       <p:sp>
         <p:nvSpPr>
           <p:cNvPr id="45" name="Google Shape;45;p6"/>
-          <p:cNvSpPr txBox="1">
-            <a:spLocks noGrp="1"/>
-          </p:cNvSpPr>
+          <p:cNvSpPr txBox="1"/>
           <p:nvPr>
-            <p:ph type="sldNum" idx="12"/>
+            <p:ph idx="12" type="sldNum"/>
           </p:nvPr>
         </p:nvSpPr>
         <p:spPr>
@@ -4252,7 +5268,7 @@
           </a:prstGeom>
         </p:spPr>
         <p:txBody>
-          <a:bodyPr spcFirstLastPara="1" wrap="square" lIns="121900" tIns="121900" rIns="121900" bIns="121900" anchor="ctr" anchorCtr="0">
+          <a:bodyPr anchorCtr="0" anchor="ctr" bIns="121900" lIns="121900" spcFirstLastPara="1" rIns="121900" wrap="square" tIns="121900">
             <a:noAutofit/>
           </a:bodyPr>
           <a:lstStyle>
@@ -4330,7 +5346,7 @@
             </a:lvl9pPr>
           </a:lstStyle>
           <a:p>
-            <a:pPr marL="0" lvl="0" indent="0" algn="r" rtl="0">
+            <a:pPr indent="0" lvl="0" marL="0" rtl="0" algn="r">
               <a:spcBef>
                 <a:spcPts val="0"/>
               </a:spcBef>
@@ -4356,11 +5372,11 @@
 </file>
 
 <file path=ppt/slideLayouts/slideLayout6.xml><?xml version="1.0" encoding="utf-8"?>
-<p:sldLayout xmlns:a="http://schemas.openxmlformats.org/drawingml/2006/main" xmlns:r="http://schemas.openxmlformats.org/officeDocument/2006/relationships" xmlns:p="http://schemas.openxmlformats.org/presentationml/2006/main" matchingName="One column text">
+<p:sldLayout xmlns:a="http://schemas.openxmlformats.org/drawingml/2006/main" xmlns:r="http://schemas.openxmlformats.org/officeDocument/2006/relationships" xmlns:mc="http://schemas.openxmlformats.org/markup-compatibility/2006" xmlns:mv="urn:schemas-microsoft-com:mac:vml" xmlns:p="http://schemas.openxmlformats.org/presentationml/2006/main" xmlns:c="http://schemas.openxmlformats.org/drawingml/2006/chart" xmlns:dgm="http://schemas.openxmlformats.org/drawingml/2006/diagram" xmlns:o="urn:schemas-microsoft-com:office:office" xmlns:v="urn:schemas-microsoft-com:vml" xmlns:pvml="urn:schemas-microsoft-com:office:powerpoint" xmlns:com="http://schemas.openxmlformats.org/drawingml/2006/compatibility" xmlns:p14="http://schemas.microsoft.com/office/powerpoint/2010/main" xmlns:p15="http://schemas.microsoft.com/office/powerpoint/2012/main" matchingName="One column text">
   <p:cSld name="ONE_COLUMN_TEXT">
     <p:spTree>
       <p:nvGrpSpPr>
-        <p:cNvPr id="1" name="Shape 46"/>
+        <p:cNvPr id="46" name="Shape 46"/>
         <p:cNvGrpSpPr/>
         <p:nvPr/>
       </p:nvGrpSpPr>
@@ -4375,9 +5391,7 @@
       <p:sp>
         <p:nvSpPr>
           <p:cNvPr id="47" name="Google Shape;47;p7"/>
-          <p:cNvSpPr txBox="1">
-            <a:spLocks noGrp="1"/>
-          </p:cNvSpPr>
+          <p:cNvSpPr txBox="1"/>
           <p:nvPr>
             <p:ph type="title"/>
           </p:nvPr>
@@ -4392,7 +5406,7 @@
           </a:prstGeom>
         </p:spPr>
         <p:txBody>
-          <a:bodyPr spcFirstLastPara="1" wrap="square" lIns="121900" tIns="121900" rIns="121900" bIns="121900" anchor="b" anchorCtr="0">
+          <a:bodyPr anchorCtr="0" anchor="b" bIns="121900" lIns="121900" spcFirstLastPara="1" rIns="121900" wrap="square" tIns="121900">
             <a:noAutofit/>
           </a:bodyPr>
           <a:lstStyle>
@@ -4496,19 +5510,15 @@
               <a:defRPr sz="3200"/>
             </a:lvl9pPr>
           </a:lstStyle>
-          <a:p>
-            <a:endParaRPr/>
-          </a:p>
+          <a:p/>
         </p:txBody>
       </p:sp>
       <p:sp>
         <p:nvSpPr>
           <p:cNvPr id="48" name="Google Shape;48;p7"/>
-          <p:cNvSpPr txBox="1">
-            <a:spLocks noGrp="1"/>
-          </p:cNvSpPr>
+          <p:cNvSpPr txBox="1"/>
           <p:nvPr>
-            <p:ph type="body" idx="1"/>
+            <p:ph idx="1" type="body"/>
           </p:nvPr>
         </p:nvSpPr>
         <p:spPr>
@@ -4521,11 +5531,11 @@
           </a:prstGeom>
         </p:spPr>
         <p:txBody>
-          <a:bodyPr spcFirstLastPara="1" wrap="square" lIns="121900" tIns="121900" rIns="121900" bIns="121900" anchor="t" anchorCtr="0">
+          <a:bodyPr anchorCtr="0" anchor="t" bIns="121900" lIns="121900" spcFirstLastPara="1" rIns="121900" wrap="square" tIns="121900">
             <a:noAutofit/>
           </a:bodyPr>
           <a:lstStyle>
-            <a:lvl1pPr marL="457200" lvl="0" indent="-330200">
+            <a:lvl1pPr indent="-330200" lvl="0" marL="457200">
               <a:spcBef>
                 <a:spcPts val="0"/>
               </a:spcBef>
@@ -4536,7 +5546,7 @@
               <a:buChar char="●"/>
               <a:defRPr sz="1600"/>
             </a:lvl1pPr>
-            <a:lvl2pPr marL="914400" lvl="1" indent="-330200">
+            <a:lvl2pPr indent="-330200" lvl="1" marL="914400">
               <a:spcBef>
                 <a:spcPts val="2100"/>
               </a:spcBef>
@@ -4547,7 +5557,7 @@
               <a:buChar char="○"/>
               <a:defRPr sz="1600"/>
             </a:lvl2pPr>
-            <a:lvl3pPr marL="1371600" lvl="2" indent="-330200">
+            <a:lvl3pPr indent="-330200" lvl="2" marL="1371600">
               <a:spcBef>
                 <a:spcPts val="2100"/>
               </a:spcBef>
@@ -4558,7 +5568,7 @@
               <a:buChar char="■"/>
               <a:defRPr sz="1600"/>
             </a:lvl3pPr>
-            <a:lvl4pPr marL="1828800" lvl="3" indent="-330200">
+            <a:lvl4pPr indent="-330200" lvl="3" marL="1828800">
               <a:spcBef>
                 <a:spcPts val="2100"/>
               </a:spcBef>
@@ -4569,7 +5579,7 @@
               <a:buChar char="●"/>
               <a:defRPr sz="1600"/>
             </a:lvl4pPr>
-            <a:lvl5pPr marL="2286000" lvl="4" indent="-330200">
+            <a:lvl5pPr indent="-330200" lvl="4" marL="2286000">
               <a:spcBef>
                 <a:spcPts val="2100"/>
               </a:spcBef>
@@ -4580,7 +5590,7 @@
               <a:buChar char="○"/>
               <a:defRPr sz="1600"/>
             </a:lvl5pPr>
-            <a:lvl6pPr marL="2743200" lvl="5" indent="-330200">
+            <a:lvl6pPr indent="-330200" lvl="5" marL="2743200">
               <a:spcBef>
                 <a:spcPts val="2100"/>
               </a:spcBef>
@@ -4591,7 +5601,7 @@
               <a:buChar char="■"/>
               <a:defRPr sz="1600"/>
             </a:lvl6pPr>
-            <a:lvl7pPr marL="3200400" lvl="6" indent="-330200">
+            <a:lvl7pPr indent="-330200" lvl="6" marL="3200400">
               <a:spcBef>
                 <a:spcPts val="2100"/>
               </a:spcBef>
@@ -4602,7 +5612,7 @@
               <a:buChar char="●"/>
               <a:defRPr sz="1600"/>
             </a:lvl7pPr>
-            <a:lvl8pPr marL="3657600" lvl="7" indent="-330200">
+            <a:lvl8pPr indent="-330200" lvl="7" marL="3657600">
               <a:spcBef>
                 <a:spcPts val="2100"/>
               </a:spcBef>
@@ -4613,7 +5623,7 @@
               <a:buChar char="○"/>
               <a:defRPr sz="1600"/>
             </a:lvl8pPr>
-            <a:lvl9pPr marL="4114800" lvl="8" indent="-330200">
+            <a:lvl9pPr indent="-330200" lvl="8" marL="4114800">
               <a:spcBef>
                 <a:spcPts val="2100"/>
               </a:spcBef>
@@ -4625,19 +5635,15 @@
               <a:defRPr sz="1600"/>
             </a:lvl9pPr>
           </a:lstStyle>
-          <a:p>
-            <a:endParaRPr/>
-          </a:p>
+          <a:p/>
         </p:txBody>
       </p:sp>
       <p:sp>
         <p:nvSpPr>
           <p:cNvPr id="49" name="Google Shape;49;p7"/>
-          <p:cNvSpPr txBox="1">
-            <a:spLocks noGrp="1"/>
-          </p:cNvSpPr>
+          <p:cNvSpPr txBox="1"/>
           <p:nvPr>
-            <p:ph type="sldNum" idx="12"/>
+            <p:ph idx="12" type="sldNum"/>
           </p:nvPr>
         </p:nvSpPr>
         <p:spPr>
@@ -4650,7 +5656,7 @@
           </a:prstGeom>
         </p:spPr>
         <p:txBody>
-          <a:bodyPr spcFirstLastPara="1" wrap="square" lIns="121900" tIns="121900" rIns="121900" bIns="121900" anchor="ctr" anchorCtr="0">
+          <a:bodyPr anchorCtr="0" anchor="ctr" bIns="121900" lIns="121900" spcFirstLastPara="1" rIns="121900" wrap="square" tIns="121900">
             <a:noAutofit/>
           </a:bodyPr>
           <a:lstStyle>
@@ -4728,7 +5734,7 @@
             </a:lvl9pPr>
           </a:lstStyle>
           <a:p>
-            <a:pPr marL="0" lvl="0" indent="0" algn="r" rtl="0">
+            <a:pPr indent="0" lvl="0" marL="0" rtl="0" algn="r">
               <a:spcBef>
                 <a:spcPts val="0"/>
               </a:spcBef>
@@ -4754,19 +5760,18 @@
 </file>
 
 <file path=ppt/slideLayouts/slideLayout7.xml><?xml version="1.0" encoding="utf-8"?>
-<p:sldLayout xmlns:a="http://schemas.openxmlformats.org/drawingml/2006/main" xmlns:r="http://schemas.openxmlformats.org/officeDocument/2006/relationships" xmlns:p="http://schemas.openxmlformats.org/presentationml/2006/main" matchingName="Main point">
+<p:sldLayout xmlns:a="http://schemas.openxmlformats.org/drawingml/2006/main" xmlns:r="http://schemas.openxmlformats.org/officeDocument/2006/relationships" xmlns:mc="http://schemas.openxmlformats.org/markup-compatibility/2006" xmlns:mv="urn:schemas-microsoft-com:mac:vml" xmlns:p="http://schemas.openxmlformats.org/presentationml/2006/main" xmlns:c="http://schemas.openxmlformats.org/drawingml/2006/chart" xmlns:dgm="http://schemas.openxmlformats.org/drawingml/2006/diagram" xmlns:o="urn:schemas-microsoft-com:office:office" xmlns:v="urn:schemas-microsoft-com:vml" xmlns:pvml="urn:schemas-microsoft-com:office:powerpoint" xmlns:com="http://schemas.openxmlformats.org/drawingml/2006/compatibility" xmlns:p14="http://schemas.microsoft.com/office/powerpoint/2010/main" xmlns:p15="http://schemas.microsoft.com/office/powerpoint/2012/main" matchingName="Main point">
   <p:cSld name="MAIN_POINT">
     <p:bg>
       <p:bgPr>
         <a:solidFill>
           <a:schemeClr val="accent4"/>
         </a:solidFill>
-        <a:effectLst/>
       </p:bgPr>
     </p:bg>
     <p:spTree>
       <p:nvGrpSpPr>
-        <p:cNvPr id="1" name="Shape 50"/>
+        <p:cNvPr id="50" name="Shape 50"/>
         <p:cNvGrpSpPr/>
         <p:nvPr/>
       </p:nvGrpSpPr>
@@ -4814,12 +5819,12 @@
             </a:ln>
           </p:spPr>
           <p:txBody>
-            <a:bodyPr spcFirstLastPara="1" wrap="square" lIns="121900" tIns="121900" rIns="121900" bIns="121900" anchor="ctr" anchorCtr="0">
+            <a:bodyPr anchorCtr="0" anchor="ctr" bIns="121900" lIns="121900" spcFirstLastPara="1" rIns="121900" wrap="square" tIns="121900">
               <a:noAutofit/>
             </a:bodyPr>
             <a:lstStyle/>
             <a:p>
-              <a:pPr marL="0" lvl="0" indent="0" algn="l" rtl="0">
+              <a:pPr indent="0" lvl="0" marL="0" rtl="0" algn="l">
                 <a:spcBef>
                   <a:spcPts val="0"/>
                 </a:spcBef>
@@ -4828,6 +5833,9 @@
                 </a:spcAft>
                 <a:buNone/>
               </a:pPr>
+              <a:r>
+                <a:t/>
+              </a:r>
               <a:endParaRPr/>
             </a:p>
           </p:txBody>
@@ -4854,12 +5862,12 @@
             </a:ln>
           </p:spPr>
           <p:txBody>
-            <a:bodyPr spcFirstLastPara="1" wrap="square" lIns="121900" tIns="121900" rIns="121900" bIns="121900" anchor="ctr" anchorCtr="0">
+            <a:bodyPr anchorCtr="0" anchor="ctr" bIns="121900" lIns="121900" spcFirstLastPara="1" rIns="121900" wrap="square" tIns="121900">
               <a:noAutofit/>
             </a:bodyPr>
             <a:lstStyle/>
             <a:p>
-              <a:pPr marL="0" lvl="0" indent="0" algn="l" rtl="0">
+              <a:pPr indent="0" lvl="0" marL="0" rtl="0" algn="l">
                 <a:spcBef>
                   <a:spcPts val="0"/>
                 </a:spcBef>
@@ -4868,6 +5876,9 @@
                 </a:spcAft>
                 <a:buNone/>
               </a:pPr>
+              <a:r>
+                <a:t/>
+              </a:r>
               <a:endParaRPr/>
             </a:p>
           </p:txBody>
@@ -4879,7 +5890,7 @@
             <p:nvPr/>
           </p:nvSpPr>
           <p:spPr>
-            <a:xfrm rot="10800000" flipH="1">
+            <a:xfrm flipH="1" rot="10800000">
               <a:off x="7113588" y="107"/>
               <a:ext cx="1015200" cy="1015200"/>
             </a:xfrm>
@@ -4894,12 +5905,12 @@
             </a:ln>
           </p:spPr>
           <p:txBody>
-            <a:bodyPr spcFirstLastPara="1" wrap="square" lIns="121900" tIns="121900" rIns="121900" bIns="121900" anchor="ctr" anchorCtr="0">
+            <a:bodyPr anchorCtr="0" anchor="ctr" bIns="121900" lIns="121900" spcFirstLastPara="1" rIns="121900" wrap="square" tIns="121900">
               <a:noAutofit/>
             </a:bodyPr>
             <a:lstStyle/>
             <a:p>
-              <a:pPr marL="0" lvl="0" indent="0" algn="l" rtl="0">
+              <a:pPr indent="0" lvl="0" marL="0" rtl="0" algn="l">
                 <a:spcBef>
                   <a:spcPts val="0"/>
                 </a:spcBef>
@@ -4908,6 +5919,9 @@
                 </a:spcAft>
                 <a:buNone/>
               </a:pPr>
+              <a:r>
+                <a:t/>
+              </a:r>
               <a:endParaRPr/>
             </a:p>
           </p:txBody>
@@ -4934,12 +5948,12 @@
             </a:ln>
           </p:spPr>
           <p:txBody>
-            <a:bodyPr spcFirstLastPara="1" wrap="square" lIns="121900" tIns="121900" rIns="121900" bIns="121900" anchor="ctr" anchorCtr="0">
+            <a:bodyPr anchorCtr="0" anchor="ctr" bIns="121900" lIns="121900" spcFirstLastPara="1" rIns="121900" wrap="square" tIns="121900">
               <a:noAutofit/>
             </a:bodyPr>
             <a:lstStyle/>
             <a:p>
-              <a:pPr marL="0" lvl="0" indent="0" algn="l" rtl="0">
+              <a:pPr indent="0" lvl="0" marL="0" rtl="0" algn="l">
                 <a:spcBef>
                   <a:spcPts val="0"/>
                 </a:spcBef>
@@ -4948,6 +5962,9 @@
                 </a:spcAft>
                 <a:buNone/>
               </a:pPr>
+              <a:r>
+                <a:t/>
+              </a:r>
               <a:endParaRPr/>
             </a:p>
           </p:txBody>
@@ -4974,12 +5991,12 @@
             </a:ln>
           </p:spPr>
           <p:txBody>
-            <a:bodyPr spcFirstLastPara="1" wrap="square" lIns="121900" tIns="121900" rIns="121900" bIns="121900" anchor="ctr" anchorCtr="0">
+            <a:bodyPr anchorCtr="0" anchor="ctr" bIns="121900" lIns="121900" spcFirstLastPara="1" rIns="121900" wrap="square" tIns="121900">
               <a:noAutofit/>
             </a:bodyPr>
             <a:lstStyle/>
             <a:p>
-              <a:pPr marL="0" lvl="0" indent="0" algn="l" rtl="0">
+              <a:pPr indent="0" lvl="0" marL="0" rtl="0" algn="l">
                 <a:spcBef>
                   <a:spcPts val="0"/>
                 </a:spcBef>
@@ -4988,6 +6005,9 @@
                 </a:spcAft>
                 <a:buNone/>
               </a:pPr>
+              <a:r>
+                <a:t/>
+              </a:r>
               <a:endParaRPr/>
             </a:p>
           </p:txBody>
@@ -4996,9 +6016,7 @@
       <p:sp>
         <p:nvSpPr>
           <p:cNvPr id="57" name="Google Shape;57;p8"/>
-          <p:cNvSpPr txBox="1">
-            <a:spLocks noGrp="1"/>
-          </p:cNvSpPr>
+          <p:cNvSpPr txBox="1"/>
           <p:nvPr>
             <p:ph type="title"/>
           </p:nvPr>
@@ -5013,7 +6031,7 @@
           </a:prstGeom>
         </p:spPr>
         <p:txBody>
-          <a:bodyPr spcFirstLastPara="1" wrap="square" lIns="121900" tIns="121900" rIns="121900" bIns="121900" anchor="ctr" anchorCtr="0">
+          <a:bodyPr anchorCtr="0" anchor="ctr" bIns="121900" lIns="121900" spcFirstLastPara="1" rIns="121900" wrap="square" tIns="121900">
             <a:noAutofit/>
           </a:bodyPr>
           <a:lstStyle>
@@ -5180,19 +6198,15 @@
               </a:defRPr>
             </a:lvl9pPr>
           </a:lstStyle>
-          <a:p>
-            <a:endParaRPr/>
-          </a:p>
+          <a:p/>
         </p:txBody>
       </p:sp>
       <p:sp>
         <p:nvSpPr>
           <p:cNvPr id="58" name="Google Shape;58;p8"/>
-          <p:cNvSpPr txBox="1">
-            <a:spLocks noGrp="1"/>
-          </p:cNvSpPr>
+          <p:cNvSpPr txBox="1"/>
           <p:nvPr>
-            <p:ph type="sldNum" idx="12"/>
+            <p:ph idx="12" type="sldNum"/>
           </p:nvPr>
         </p:nvSpPr>
         <p:spPr>
@@ -5205,7 +6219,7 @@
           </a:prstGeom>
         </p:spPr>
         <p:txBody>
-          <a:bodyPr spcFirstLastPara="1" wrap="square" lIns="121900" tIns="121900" rIns="121900" bIns="121900" anchor="ctr" anchorCtr="0">
+          <a:bodyPr anchorCtr="0" anchor="ctr" bIns="121900" lIns="121900" spcFirstLastPara="1" rIns="121900" wrap="square" tIns="121900">
             <a:noAutofit/>
           </a:bodyPr>
           <a:lstStyle>
@@ -5247,7 +6261,7 @@
             </a:lvl9pPr>
           </a:lstStyle>
           <a:p>
-            <a:pPr marL="0" lvl="0" indent="0" algn="r" rtl="0">
+            <a:pPr indent="0" lvl="0" marL="0" rtl="0" algn="r">
               <a:spcBef>
                 <a:spcPts val="0"/>
               </a:spcBef>
@@ -5273,11 +6287,11 @@
 </file>
 
 <file path=ppt/slideLayouts/slideLayout8.xml><?xml version="1.0" encoding="utf-8"?>
-<p:sldLayout xmlns:a="http://schemas.openxmlformats.org/drawingml/2006/main" xmlns:r="http://schemas.openxmlformats.org/officeDocument/2006/relationships" xmlns:p="http://schemas.openxmlformats.org/presentationml/2006/main" matchingName="Section title and description">
+<p:sldLayout xmlns:a="http://schemas.openxmlformats.org/drawingml/2006/main" xmlns:r="http://schemas.openxmlformats.org/officeDocument/2006/relationships" xmlns:mc="http://schemas.openxmlformats.org/markup-compatibility/2006" xmlns:mv="urn:schemas-microsoft-com:mac:vml" xmlns:p="http://schemas.openxmlformats.org/presentationml/2006/main" xmlns:c="http://schemas.openxmlformats.org/drawingml/2006/chart" xmlns:dgm="http://schemas.openxmlformats.org/drawingml/2006/diagram" xmlns:o="urn:schemas-microsoft-com:office:office" xmlns:v="urn:schemas-microsoft-com:vml" xmlns:pvml="urn:schemas-microsoft-com:office:powerpoint" xmlns:com="http://schemas.openxmlformats.org/drawingml/2006/compatibility" xmlns:p14="http://schemas.microsoft.com/office/powerpoint/2010/main" xmlns:p15="http://schemas.microsoft.com/office/powerpoint/2012/main" matchingName="Section title and description">
   <p:cSld name="SECTION_TITLE_AND_DESCRIPTION">
     <p:spTree>
       <p:nvGrpSpPr>
-        <p:cNvPr id="1" name="Shape 59"/>
+        <p:cNvPr id="59" name="Shape 59"/>
         <p:cNvGrpSpPr/>
         <p:nvPr/>
       </p:nvGrpSpPr>
@@ -5311,12 +6325,12 @@
           </a:ln>
         </p:spPr>
         <p:txBody>
-          <a:bodyPr spcFirstLastPara="1" wrap="square" lIns="121900" tIns="121900" rIns="121900" bIns="121900" anchor="ctr" anchorCtr="0">
+          <a:bodyPr anchorCtr="0" anchor="ctr" bIns="121900" lIns="121900" spcFirstLastPara="1" rIns="121900" wrap="square" tIns="121900">
             <a:noAutofit/>
           </a:bodyPr>
           <a:lstStyle/>
           <a:p>
-            <a:pPr marL="0" lvl="0" indent="0" algn="l" rtl="0">
+            <a:pPr indent="0" lvl="0" marL="0" rtl="0" algn="l">
               <a:spcBef>
                 <a:spcPts val="0"/>
               </a:spcBef>
@@ -5325,6 +6339,9 @@
               </a:spcAft>
               <a:buNone/>
             </a:pPr>
+            <a:r>
+              <a:t/>
+            </a:r>
             <a:endParaRPr/>
           </a:p>
         </p:txBody>
@@ -5344,23 +6361,21 @@
             <a:avLst/>
           </a:prstGeom>
           <a:noFill/>
-          <a:ln w="19050" cap="flat" cmpd="sng">
+          <a:ln cap="flat" cmpd="sng" w="19050">
             <a:solidFill>
               <a:schemeClr val="lt1"/>
             </a:solidFill>
             <a:prstDash val="solid"/>
             <a:round/>
-            <a:headEnd type="none" w="sm" len="sm"/>
-            <a:tailEnd type="none" w="sm" len="sm"/>
+            <a:headEnd len="sm" w="sm" type="none"/>
+            <a:tailEnd len="sm" w="sm" type="none"/>
           </a:ln>
         </p:spPr>
       </p:cxnSp>
       <p:sp>
         <p:nvSpPr>
           <p:cNvPr id="62" name="Google Shape;62;p9"/>
-          <p:cNvSpPr txBox="1">
-            <a:spLocks noGrp="1"/>
-          </p:cNvSpPr>
+          <p:cNvSpPr txBox="1"/>
           <p:nvPr>
             <p:ph type="title"/>
           </p:nvPr>
@@ -5375,7 +6390,7 @@
           </a:prstGeom>
         </p:spPr>
         <p:txBody>
-          <a:bodyPr spcFirstLastPara="1" wrap="square" lIns="121900" tIns="121900" rIns="121900" bIns="121900" anchor="b" anchorCtr="0">
+          <a:bodyPr anchorCtr="0" anchor="b" bIns="121900" lIns="121900" spcFirstLastPara="1" rIns="121900" wrap="square" tIns="121900">
             <a:noAutofit/>
           </a:bodyPr>
           <a:lstStyle>
@@ -5479,19 +6494,15 @@
               <a:defRPr sz="5600"/>
             </a:lvl9pPr>
           </a:lstStyle>
-          <a:p>
-            <a:endParaRPr/>
-          </a:p>
+          <a:p/>
         </p:txBody>
       </p:sp>
       <p:sp>
         <p:nvSpPr>
           <p:cNvPr id="63" name="Google Shape;63;p9"/>
-          <p:cNvSpPr txBox="1">
-            <a:spLocks noGrp="1"/>
-          </p:cNvSpPr>
+          <p:cNvSpPr txBox="1"/>
           <p:nvPr>
-            <p:ph type="subTitle" idx="1"/>
+            <p:ph idx="1" type="subTitle"/>
           </p:nvPr>
         </p:nvSpPr>
         <p:spPr>
@@ -5504,7 +6515,7 @@
           </a:prstGeom>
         </p:spPr>
         <p:txBody>
-          <a:bodyPr spcFirstLastPara="1" wrap="square" lIns="121900" tIns="121900" rIns="121900" bIns="121900" anchor="t" anchorCtr="0">
+          <a:bodyPr anchorCtr="0" anchor="t" bIns="121900" lIns="121900" spcFirstLastPara="1" rIns="121900" wrap="square" tIns="121900">
             <a:noAutofit/>
           </a:bodyPr>
           <a:lstStyle>
@@ -5635,19 +6646,15 @@
               <a:defRPr sz="2800"/>
             </a:lvl9pPr>
           </a:lstStyle>
-          <a:p>
-            <a:endParaRPr/>
-          </a:p>
+          <a:p/>
         </p:txBody>
       </p:sp>
       <p:sp>
         <p:nvSpPr>
           <p:cNvPr id="64" name="Google Shape;64;p9"/>
-          <p:cNvSpPr txBox="1">
-            <a:spLocks noGrp="1"/>
-          </p:cNvSpPr>
+          <p:cNvSpPr txBox="1"/>
           <p:nvPr>
-            <p:ph type="body" idx="2"/>
+            <p:ph idx="2" type="body"/>
           </p:nvPr>
         </p:nvSpPr>
         <p:spPr>
@@ -5660,11 +6667,11 @@
           </a:prstGeom>
         </p:spPr>
         <p:txBody>
-          <a:bodyPr spcFirstLastPara="1" wrap="square" lIns="121900" tIns="121900" rIns="121900" bIns="121900" anchor="ctr" anchorCtr="0">
+          <a:bodyPr anchorCtr="0" anchor="ctr" bIns="121900" lIns="121900" spcFirstLastPara="1" rIns="121900" wrap="square" tIns="121900">
             <a:noAutofit/>
           </a:bodyPr>
           <a:lstStyle>
-            <a:lvl1pPr marL="457200" lvl="0" indent="-381000">
+            <a:lvl1pPr indent="-381000" lvl="0" marL="457200">
               <a:spcBef>
                 <a:spcPts val="0"/>
               </a:spcBef>
@@ -5682,7 +6689,7 @@
                 </a:solidFill>
               </a:defRPr>
             </a:lvl1pPr>
-            <a:lvl2pPr marL="914400" lvl="1" indent="-349250">
+            <a:lvl2pPr indent="-349250" lvl="1" marL="914400">
               <a:spcBef>
                 <a:spcPts val="2100"/>
               </a:spcBef>
@@ -5700,7 +6707,7 @@
                 </a:solidFill>
               </a:defRPr>
             </a:lvl2pPr>
-            <a:lvl3pPr marL="1371600" lvl="2" indent="-349250">
+            <a:lvl3pPr indent="-349250" lvl="2" marL="1371600">
               <a:spcBef>
                 <a:spcPts val="2100"/>
               </a:spcBef>
@@ -5718,7 +6725,7 @@
                 </a:solidFill>
               </a:defRPr>
             </a:lvl3pPr>
-            <a:lvl4pPr marL="1828800" lvl="3" indent="-349250">
+            <a:lvl4pPr indent="-349250" lvl="3" marL="1828800">
               <a:spcBef>
                 <a:spcPts val="2100"/>
               </a:spcBef>
@@ -5736,7 +6743,7 @@
                 </a:solidFill>
               </a:defRPr>
             </a:lvl4pPr>
-            <a:lvl5pPr marL="2286000" lvl="4" indent="-349250">
+            <a:lvl5pPr indent="-349250" lvl="4" marL="2286000">
               <a:spcBef>
                 <a:spcPts val="2100"/>
               </a:spcBef>
@@ -5754,7 +6761,7 @@
                 </a:solidFill>
               </a:defRPr>
             </a:lvl5pPr>
-            <a:lvl6pPr marL="2743200" lvl="5" indent="-349250">
+            <a:lvl6pPr indent="-349250" lvl="5" marL="2743200">
               <a:spcBef>
                 <a:spcPts val="2100"/>
               </a:spcBef>
@@ -5772,7 +6779,7 @@
                 </a:solidFill>
               </a:defRPr>
             </a:lvl6pPr>
-            <a:lvl7pPr marL="3200400" lvl="6" indent="-349250">
+            <a:lvl7pPr indent="-349250" lvl="6" marL="3200400">
               <a:spcBef>
                 <a:spcPts val="2100"/>
               </a:spcBef>
@@ -5790,7 +6797,7 @@
                 </a:solidFill>
               </a:defRPr>
             </a:lvl7pPr>
-            <a:lvl8pPr marL="3657600" lvl="7" indent="-349250">
+            <a:lvl8pPr indent="-349250" lvl="7" marL="3657600">
               <a:spcBef>
                 <a:spcPts val="2100"/>
               </a:spcBef>
@@ -5808,7 +6815,7 @@
                 </a:solidFill>
               </a:defRPr>
             </a:lvl8pPr>
-            <a:lvl9pPr marL="4114800" lvl="8" indent="-349250">
+            <a:lvl9pPr indent="-349250" lvl="8" marL="4114800">
               <a:spcBef>
                 <a:spcPts val="2100"/>
               </a:spcBef>
@@ -5827,19 +6834,15 @@
               </a:defRPr>
             </a:lvl9pPr>
           </a:lstStyle>
-          <a:p>
-            <a:endParaRPr/>
-          </a:p>
+          <a:p/>
         </p:txBody>
       </p:sp>
       <p:sp>
         <p:nvSpPr>
           <p:cNvPr id="65" name="Google Shape;65;p9"/>
-          <p:cNvSpPr txBox="1">
-            <a:spLocks noGrp="1"/>
-          </p:cNvSpPr>
+          <p:cNvSpPr txBox="1"/>
           <p:nvPr>
-            <p:ph type="sldNum" idx="12"/>
+            <p:ph idx="12" type="sldNum"/>
           </p:nvPr>
         </p:nvSpPr>
         <p:spPr>
@@ -5852,7 +6855,7 @@
           </a:prstGeom>
         </p:spPr>
         <p:txBody>
-          <a:bodyPr spcFirstLastPara="1" wrap="square" lIns="121900" tIns="121900" rIns="121900" bIns="121900" anchor="ctr" anchorCtr="0">
+          <a:bodyPr anchorCtr="0" anchor="ctr" bIns="121900" lIns="121900" spcFirstLastPara="1" rIns="121900" wrap="square" tIns="121900">
             <a:noAutofit/>
           </a:bodyPr>
           <a:lstStyle>
@@ -5894,7 +6897,7 @@
             </a:lvl9pPr>
           </a:lstStyle>
           <a:p>
-            <a:pPr marL="0" lvl="0" indent="0" algn="r" rtl="0">
+            <a:pPr indent="0" lvl="0" marL="0" rtl="0" algn="r">
               <a:spcBef>
                 <a:spcPts val="0"/>
               </a:spcBef>
@@ -5920,11 +6923,11 @@
 </file>
 
 <file path=ppt/slideLayouts/slideLayout9.xml><?xml version="1.0" encoding="utf-8"?>
-<p:sldLayout xmlns:a="http://schemas.openxmlformats.org/drawingml/2006/main" xmlns:r="http://schemas.openxmlformats.org/officeDocument/2006/relationships" xmlns:p="http://schemas.openxmlformats.org/presentationml/2006/main" matchingName="Caption">
+<p:sldLayout xmlns:a="http://schemas.openxmlformats.org/drawingml/2006/main" xmlns:r="http://schemas.openxmlformats.org/officeDocument/2006/relationships" xmlns:mc="http://schemas.openxmlformats.org/markup-compatibility/2006" xmlns:mv="urn:schemas-microsoft-com:mac:vml" xmlns:p="http://schemas.openxmlformats.org/presentationml/2006/main" xmlns:c="http://schemas.openxmlformats.org/drawingml/2006/chart" xmlns:dgm="http://schemas.openxmlformats.org/drawingml/2006/diagram" xmlns:o="urn:schemas-microsoft-com:office:office" xmlns:v="urn:schemas-microsoft-com:vml" xmlns:pvml="urn:schemas-microsoft-com:office:powerpoint" xmlns:com="http://schemas.openxmlformats.org/drawingml/2006/compatibility" xmlns:p14="http://schemas.microsoft.com/office/powerpoint/2010/main" xmlns:p15="http://schemas.microsoft.com/office/powerpoint/2012/main" matchingName="Caption">
   <p:cSld name="CAPTION_ONLY">
     <p:spTree>
       <p:nvGrpSpPr>
-        <p:cNvPr id="1" name="Shape 66"/>
+        <p:cNvPr id="66" name="Shape 66"/>
         <p:cNvGrpSpPr/>
         <p:nvPr/>
       </p:nvGrpSpPr>
@@ -5939,11 +6942,9 @@
       <p:sp>
         <p:nvSpPr>
           <p:cNvPr id="67" name="Google Shape;67;p10"/>
-          <p:cNvSpPr txBox="1">
-            <a:spLocks noGrp="1"/>
-          </p:cNvSpPr>
+          <p:cNvSpPr txBox="1"/>
           <p:nvPr>
-            <p:ph type="body" idx="1"/>
+            <p:ph idx="1" type="body"/>
           </p:nvPr>
         </p:nvSpPr>
         <p:spPr>
@@ -5956,11 +6957,11 @@
           </a:prstGeom>
         </p:spPr>
         <p:txBody>
-          <a:bodyPr spcFirstLastPara="1" wrap="square" lIns="121900" tIns="121900" rIns="121900" bIns="121900" anchor="ctr" anchorCtr="0">
+          <a:bodyPr anchorCtr="0" anchor="ctr" bIns="121900" lIns="121900" spcFirstLastPara="1" rIns="121900" wrap="square" tIns="121900">
             <a:noAutofit/>
           </a:bodyPr>
           <a:lstStyle>
-            <a:lvl1pPr marL="457200" lvl="0" indent="-228600">
+            <a:lvl1pPr indent="-228600" lvl="0" marL="457200">
               <a:lnSpc>
                 <a:spcPct val="100000"/>
               </a:lnSpc>
@@ -5975,19 +6976,15 @@
               <a:defRPr/>
             </a:lvl1pPr>
           </a:lstStyle>
-          <a:p>
-            <a:endParaRPr/>
-          </a:p>
+          <a:p/>
         </p:txBody>
       </p:sp>
       <p:sp>
         <p:nvSpPr>
           <p:cNvPr id="68" name="Google Shape;68;p10"/>
-          <p:cNvSpPr txBox="1">
-            <a:spLocks noGrp="1"/>
-          </p:cNvSpPr>
+          <p:cNvSpPr txBox="1"/>
           <p:nvPr>
-            <p:ph type="sldNum" idx="12"/>
+            <p:ph idx="12" type="sldNum"/>
           </p:nvPr>
         </p:nvSpPr>
         <p:spPr>
@@ -6000,7 +6997,7 @@
           </a:prstGeom>
         </p:spPr>
         <p:txBody>
-          <a:bodyPr spcFirstLastPara="1" wrap="square" lIns="121900" tIns="121900" rIns="121900" bIns="121900" anchor="ctr" anchorCtr="0">
+          <a:bodyPr anchorCtr="0" anchor="ctr" bIns="121900" lIns="121900" spcFirstLastPara="1" rIns="121900" wrap="square" tIns="121900">
             <a:noAutofit/>
           </a:bodyPr>
           <a:lstStyle>
@@ -6078,7 +7075,7 @@
             </a:lvl9pPr>
           </a:lstStyle>
           <a:p>
-            <a:pPr marL="0" lvl="0" indent="0" algn="r" rtl="0">
+            <a:pPr indent="0" lvl="0" marL="0" rtl="0" algn="r">
               <a:spcBef>
                 <a:spcPts val="0"/>
               </a:spcBef>
@@ -6104,19 +7101,18 @@
 </file>
 
 <file path=ppt/slideMasters/slideMaster1.xml><?xml version="1.0" encoding="utf-8"?>
-<p:sldMaster xmlns:a="http://schemas.openxmlformats.org/drawingml/2006/main" xmlns:r="http://schemas.openxmlformats.org/officeDocument/2006/relationships" xmlns:p="http://schemas.openxmlformats.org/presentationml/2006/main">
+<p:sldMaster xmlns:a="http://schemas.openxmlformats.org/drawingml/2006/main" xmlns:r="http://schemas.openxmlformats.org/officeDocument/2006/relationships" xmlns:mc="http://schemas.openxmlformats.org/markup-compatibility/2006" xmlns:mv="urn:schemas-microsoft-com:mac:vml" xmlns:p="http://schemas.openxmlformats.org/presentationml/2006/main" xmlns:c="http://schemas.openxmlformats.org/drawingml/2006/chart" xmlns:dgm="http://schemas.openxmlformats.org/drawingml/2006/diagram" xmlns:o="urn:schemas-microsoft-com:office:office" xmlns:v="urn:schemas-microsoft-com:vml" xmlns:pvml="urn:schemas-microsoft-com:office:powerpoint" xmlns:com="http://schemas.openxmlformats.org/drawingml/2006/compatibility" xmlns:p14="http://schemas.microsoft.com/office/powerpoint/2010/main" xmlns:p15="http://schemas.microsoft.com/office/powerpoint/2012/main">
   <p:cSld name="geometric">
     <p:bg>
       <p:bgPr>
         <a:solidFill>
           <a:schemeClr val="lt1"/>
         </a:solidFill>
-        <a:effectLst/>
       </p:bgPr>
     </p:bg>
     <p:spTree>
       <p:nvGrpSpPr>
-        <p:cNvPr id="1" name="Shape 5"/>
+        <p:cNvPr id="5" name="Shape 5"/>
         <p:cNvGrpSpPr/>
         <p:nvPr/>
       </p:nvGrpSpPr>
@@ -6131,9 +7127,7 @@
       <p:sp>
         <p:nvSpPr>
           <p:cNvPr id="6" name="Google Shape;6;p1"/>
-          <p:cNvSpPr txBox="1">
-            <a:spLocks noGrp="1"/>
-          </p:cNvSpPr>
+          <p:cNvSpPr txBox="1"/>
           <p:nvPr>
             <p:ph type="title"/>
           </p:nvPr>
@@ -6152,7 +7146,7 @@
           </a:ln>
         </p:spPr>
         <p:txBody>
-          <a:bodyPr spcFirstLastPara="1" wrap="square" lIns="121900" tIns="121900" rIns="121900" bIns="121900" anchor="t" anchorCtr="0">
+          <a:bodyPr anchorCtr="0" anchor="t" bIns="121900" lIns="121900" spcFirstLastPara="1" rIns="121900" wrap="square" tIns="121900">
             <a:noAutofit/>
           </a:bodyPr>
           <a:lstStyle>
@@ -6364,19 +7358,15 @@
               </a:defRPr>
             </a:lvl9pPr>
           </a:lstStyle>
-          <a:p>
-            <a:endParaRPr/>
-          </a:p>
+          <a:p/>
         </p:txBody>
       </p:sp>
       <p:sp>
         <p:nvSpPr>
           <p:cNvPr id="7" name="Google Shape;7;p1"/>
-          <p:cNvSpPr txBox="1">
-            <a:spLocks noGrp="1"/>
-          </p:cNvSpPr>
+          <p:cNvSpPr txBox="1"/>
           <p:nvPr>
-            <p:ph type="body" idx="1"/>
+            <p:ph idx="1" type="body"/>
           </p:nvPr>
         </p:nvSpPr>
         <p:spPr>
@@ -6393,11 +7383,11 @@
           </a:ln>
         </p:spPr>
         <p:txBody>
-          <a:bodyPr spcFirstLastPara="1" wrap="square" lIns="121900" tIns="121900" rIns="121900" bIns="121900" anchor="t" anchorCtr="0">
+          <a:bodyPr anchorCtr="0" anchor="t" bIns="121900" lIns="121900" spcFirstLastPara="1" rIns="121900" wrap="square" tIns="121900">
             <a:noAutofit/>
           </a:bodyPr>
           <a:lstStyle>
-            <a:lvl1pPr marL="457200" lvl="0" indent="-381000">
+            <a:lvl1pPr indent="-381000" lvl="0" marL="457200">
               <a:lnSpc>
                 <a:spcPct val="115000"/>
               </a:lnSpc>
@@ -6423,7 +7413,7 @@
                 <a:sym typeface="Roboto"/>
               </a:defRPr>
             </a:lvl1pPr>
-            <a:lvl2pPr marL="914400" lvl="1" indent="-349250">
+            <a:lvl2pPr indent="-349250" lvl="1" marL="914400">
               <a:lnSpc>
                 <a:spcPct val="115000"/>
               </a:lnSpc>
@@ -6449,7 +7439,7 @@
                 <a:sym typeface="Roboto"/>
               </a:defRPr>
             </a:lvl2pPr>
-            <a:lvl3pPr marL="1371600" lvl="2" indent="-349250">
+            <a:lvl3pPr indent="-349250" lvl="2" marL="1371600">
               <a:lnSpc>
                 <a:spcPct val="115000"/>
               </a:lnSpc>
@@ -6475,7 +7465,7 @@
                 <a:sym typeface="Roboto"/>
               </a:defRPr>
             </a:lvl3pPr>
-            <a:lvl4pPr marL="1828800" lvl="3" indent="-349250">
+            <a:lvl4pPr indent="-349250" lvl="3" marL="1828800">
               <a:lnSpc>
                 <a:spcPct val="115000"/>
               </a:lnSpc>
@@ -6501,7 +7491,7 @@
                 <a:sym typeface="Roboto"/>
               </a:defRPr>
             </a:lvl4pPr>
-            <a:lvl5pPr marL="2286000" lvl="4" indent="-349250">
+            <a:lvl5pPr indent="-349250" lvl="4" marL="2286000">
               <a:lnSpc>
                 <a:spcPct val="115000"/>
               </a:lnSpc>
@@ -6527,7 +7517,7 @@
                 <a:sym typeface="Roboto"/>
               </a:defRPr>
             </a:lvl5pPr>
-            <a:lvl6pPr marL="2743200" lvl="5" indent="-349250">
+            <a:lvl6pPr indent="-349250" lvl="5" marL="2743200">
               <a:lnSpc>
                 <a:spcPct val="115000"/>
               </a:lnSpc>
@@ -6553,7 +7543,7 @@
                 <a:sym typeface="Roboto"/>
               </a:defRPr>
             </a:lvl6pPr>
-            <a:lvl7pPr marL="3200400" lvl="6" indent="-349250">
+            <a:lvl7pPr indent="-349250" lvl="6" marL="3200400">
               <a:lnSpc>
                 <a:spcPct val="115000"/>
               </a:lnSpc>
@@ -6579,7 +7569,7 @@
                 <a:sym typeface="Roboto"/>
               </a:defRPr>
             </a:lvl7pPr>
-            <a:lvl8pPr marL="3657600" lvl="7" indent="-349250">
+            <a:lvl8pPr indent="-349250" lvl="7" marL="3657600">
               <a:lnSpc>
                 <a:spcPct val="115000"/>
               </a:lnSpc>
@@ -6605,7 +7595,7 @@
                 <a:sym typeface="Roboto"/>
               </a:defRPr>
             </a:lvl8pPr>
-            <a:lvl9pPr marL="4114800" lvl="8" indent="-349250">
+            <a:lvl9pPr indent="-349250" lvl="8" marL="4114800">
               <a:lnSpc>
                 <a:spcPct val="115000"/>
               </a:lnSpc>
@@ -6632,19 +7622,15 @@
               </a:defRPr>
             </a:lvl9pPr>
           </a:lstStyle>
-          <a:p>
-            <a:endParaRPr/>
-          </a:p>
+          <a:p/>
         </p:txBody>
       </p:sp>
       <p:sp>
         <p:nvSpPr>
           <p:cNvPr id="8" name="Google Shape;8;p1"/>
-          <p:cNvSpPr txBox="1">
-            <a:spLocks noGrp="1"/>
-          </p:cNvSpPr>
+          <p:cNvSpPr txBox="1"/>
           <p:nvPr>
-            <p:ph type="sldNum" idx="12"/>
+            <p:ph idx="12" type="sldNum"/>
           </p:nvPr>
         </p:nvSpPr>
         <p:spPr>
@@ -6661,7 +7647,7 @@
           </a:ln>
         </p:spPr>
         <p:txBody>
-          <a:bodyPr spcFirstLastPara="1" wrap="square" lIns="121900" tIns="121900" rIns="121900" bIns="121900" anchor="ctr" anchorCtr="0">
+          <a:bodyPr anchorCtr="0" anchor="ctr" bIns="121900" lIns="121900" spcFirstLastPara="1" rIns="121900" wrap="square" tIns="121900">
             <a:noAutofit/>
           </a:bodyPr>
           <a:lstStyle>
@@ -6775,7 +7761,7 @@
             </a:lvl9pPr>
           </a:lstStyle>
           <a:p>
-            <a:pPr marL="0" lvl="0" indent="0" algn="r" rtl="0">
+            <a:pPr indent="0" lvl="0" marL="0" rtl="0" algn="r">
               <a:spcBef>
                 <a:spcPts val="0"/>
               </a:spcBef>
@@ -6794,7 +7780,7 @@
       </p:sp>
     </p:spTree>
   </p:cSld>
-  <p:clrMap bg1="lt1" tx1="dk1" bg2="dk2" tx2="lt2" accent1="accent1" accent2="accent2" accent3="accent3" accent4="accent4" accent5="accent5" accent6="accent6" hlink="hlink" folHlink="folHlink"/>
+  <p:clrMap accent1="accent1" accent2="accent2" accent3="accent3" accent4="accent4" accent5="accent5" accent6="accent6" bg1="lt1" bg2="dk2" tx1="dk1" tx2="lt2" folHlink="folHlink" hlink="hlink"/>
   <p:sldLayoutIdLst>
     <p:sldLayoutId id="2147483648" r:id="rId1"/>
     <p:sldLayoutId id="2147483649" r:id="rId2"/>
@@ -6805,12 +7791,14 @@
     <p:sldLayoutId id="2147483654" r:id="rId7"/>
     <p:sldLayoutId id="2147483655" r:id="rId8"/>
     <p:sldLayoutId id="2147483656" r:id="rId9"/>
-    <p:sldLayoutId id="2147483658" r:id="rId10"/>
+    <p:sldLayoutId id="2147483657" r:id="rId10"/>
+    <p:sldLayoutId id="2147483658" r:id="rId11"/>
+    <p:sldLayoutId id="2147483659" r:id="rId12"/>
   </p:sldLayoutIdLst>
-  <p:hf sldNum="0" hdr="0" ftr="0" dt="0"/>
+  <p:hf dt="0" ftr="0" hdr="0" sldNum="0"/>
   <p:txStyles>
     <p:titleStyle>
-      <a:defPPr marR="0" lvl="0" algn="l" rtl="0">
+      <a:defPPr lvl="0" marR="0" rtl="0" algn="l">
         <a:lnSpc>
           <a:spcPct val="100000"/>
         </a:lnSpc>
@@ -6821,7 +7809,7 @@
           <a:spcPts val="0"/>
         </a:spcAft>
       </a:defPPr>
-      <a:lvl1pPr marR="0" lvl="0" algn="l" rtl="0">
+      <a:lvl1pPr lvl="0" marR="0" rtl="0" algn="l">
         <a:lnSpc>
           <a:spcPct val="100000"/>
         </a:lnSpc>
@@ -6835,7 +7823,7 @@
           <a:srgbClr val="000000"/>
         </a:buClr>
         <a:buFont typeface="Arial"/>
-        <a:defRPr sz="1400" b="0" i="0" u="none" strike="noStrike" cap="none">
+        <a:defRPr b="0" i="0" sz="1400" u="none" cap="none" strike="noStrike">
           <a:solidFill>
             <a:srgbClr val="000000"/>
           </a:solidFill>
@@ -6845,7 +7833,7 @@
           <a:sym typeface="Arial"/>
         </a:defRPr>
       </a:lvl1pPr>
-      <a:lvl2pPr marR="0" lvl="1" algn="l" rtl="0">
+      <a:lvl2pPr lvl="1" marR="0" rtl="0" algn="l">
         <a:lnSpc>
           <a:spcPct val="100000"/>
         </a:lnSpc>
@@ -6859,7 +7847,7 @@
           <a:srgbClr val="000000"/>
         </a:buClr>
         <a:buFont typeface="Arial"/>
-        <a:defRPr sz="1400" b="0" i="0" u="none" strike="noStrike" cap="none">
+        <a:defRPr b="0" i="0" sz="1400" u="none" cap="none" strike="noStrike">
           <a:solidFill>
             <a:srgbClr val="000000"/>
           </a:solidFill>
@@ -6869,7 +7857,7 @@
           <a:sym typeface="Arial"/>
         </a:defRPr>
       </a:lvl2pPr>
-      <a:lvl3pPr marR="0" lvl="2" algn="l" rtl="0">
+      <a:lvl3pPr lvl="2" marR="0" rtl="0" algn="l">
         <a:lnSpc>
           <a:spcPct val="100000"/>
         </a:lnSpc>
@@ -6883,7 +7871,7 @@
           <a:srgbClr val="000000"/>
         </a:buClr>
         <a:buFont typeface="Arial"/>
-        <a:defRPr sz="1400" b="0" i="0" u="none" strike="noStrike" cap="none">
+        <a:defRPr b="0" i="0" sz="1400" u="none" cap="none" strike="noStrike">
           <a:solidFill>
             <a:srgbClr val="000000"/>
           </a:solidFill>
@@ -6893,7 +7881,7 @@
           <a:sym typeface="Arial"/>
         </a:defRPr>
       </a:lvl3pPr>
-      <a:lvl4pPr marR="0" lvl="3" algn="l" rtl="0">
+      <a:lvl4pPr lvl="3" marR="0" rtl="0" algn="l">
         <a:lnSpc>
           <a:spcPct val="100000"/>
         </a:lnSpc>
@@ -6907,7 +7895,7 @@
           <a:srgbClr val="000000"/>
         </a:buClr>
         <a:buFont typeface="Arial"/>
-        <a:defRPr sz="1400" b="0" i="0" u="none" strike="noStrike" cap="none">
+        <a:defRPr b="0" i="0" sz="1400" u="none" cap="none" strike="noStrike">
           <a:solidFill>
             <a:srgbClr val="000000"/>
           </a:solidFill>
@@ -6917,7 +7905,7 @@
           <a:sym typeface="Arial"/>
         </a:defRPr>
       </a:lvl4pPr>
-      <a:lvl5pPr marR="0" lvl="4" algn="l" rtl="0">
+      <a:lvl5pPr lvl="4" marR="0" rtl="0" algn="l">
         <a:lnSpc>
           <a:spcPct val="100000"/>
         </a:lnSpc>
@@ -6931,7 +7919,7 @@
           <a:srgbClr val="000000"/>
         </a:buClr>
         <a:buFont typeface="Arial"/>
-        <a:defRPr sz="1400" b="0" i="0" u="none" strike="noStrike" cap="none">
+        <a:defRPr b="0" i="0" sz="1400" u="none" cap="none" strike="noStrike">
           <a:solidFill>
             <a:srgbClr val="000000"/>
           </a:solidFill>
@@ -6941,7 +7929,7 @@
           <a:sym typeface="Arial"/>
         </a:defRPr>
       </a:lvl5pPr>
-      <a:lvl6pPr marR="0" lvl="5" algn="l" rtl="0">
+      <a:lvl6pPr lvl="5" marR="0" rtl="0" algn="l">
         <a:lnSpc>
           <a:spcPct val="100000"/>
         </a:lnSpc>
@@ -6955,7 +7943,7 @@
           <a:srgbClr val="000000"/>
         </a:buClr>
         <a:buFont typeface="Arial"/>
-        <a:defRPr sz="1400" b="0" i="0" u="none" strike="noStrike" cap="none">
+        <a:defRPr b="0" i="0" sz="1400" u="none" cap="none" strike="noStrike">
           <a:solidFill>
             <a:srgbClr val="000000"/>
           </a:solidFill>
@@ -6965,7 +7953,7 @@
           <a:sym typeface="Arial"/>
         </a:defRPr>
       </a:lvl6pPr>
-      <a:lvl7pPr marR="0" lvl="6" algn="l" rtl="0">
+      <a:lvl7pPr lvl="6" marR="0" rtl="0" algn="l">
         <a:lnSpc>
           <a:spcPct val="100000"/>
         </a:lnSpc>
@@ -6979,7 +7967,7 @@
           <a:srgbClr val="000000"/>
         </a:buClr>
         <a:buFont typeface="Arial"/>
-        <a:defRPr sz="1400" b="0" i="0" u="none" strike="noStrike" cap="none">
+        <a:defRPr b="0" i="0" sz="1400" u="none" cap="none" strike="noStrike">
           <a:solidFill>
             <a:srgbClr val="000000"/>
           </a:solidFill>
@@ -6989,7 +7977,7 @@
           <a:sym typeface="Arial"/>
         </a:defRPr>
       </a:lvl7pPr>
-      <a:lvl8pPr marR="0" lvl="7" algn="l" rtl="0">
+      <a:lvl8pPr lvl="7" marR="0" rtl="0" algn="l">
         <a:lnSpc>
           <a:spcPct val="100000"/>
         </a:lnSpc>
@@ -7003,7 +7991,7 @@
           <a:srgbClr val="000000"/>
         </a:buClr>
         <a:buFont typeface="Arial"/>
-        <a:defRPr sz="1400" b="0" i="0" u="none" strike="noStrike" cap="none">
+        <a:defRPr b="0" i="0" sz="1400" u="none" cap="none" strike="noStrike">
           <a:solidFill>
             <a:srgbClr val="000000"/>
           </a:solidFill>
@@ -7013,7 +8001,7 @@
           <a:sym typeface="Arial"/>
         </a:defRPr>
       </a:lvl8pPr>
-      <a:lvl9pPr marR="0" lvl="8" algn="l" rtl="0">
+      <a:lvl9pPr lvl="8" marR="0" rtl="0" algn="l">
         <a:lnSpc>
           <a:spcPct val="100000"/>
         </a:lnSpc>
@@ -7027,7 +8015,7 @@
           <a:srgbClr val="000000"/>
         </a:buClr>
         <a:buFont typeface="Arial"/>
-        <a:defRPr sz="1400" b="0" i="0" u="none" strike="noStrike" cap="none">
+        <a:defRPr b="0" i="0" sz="1400" u="none" cap="none" strike="noStrike">
           <a:solidFill>
             <a:srgbClr val="000000"/>
           </a:solidFill>
@@ -7039,7 +8027,7 @@
       </a:lvl9pPr>
     </p:titleStyle>
     <p:bodyStyle>
-      <a:defPPr marR="0" lvl="0" algn="l" rtl="0">
+      <a:defPPr lvl="0" marR="0" rtl="0" algn="l">
         <a:lnSpc>
           <a:spcPct val="100000"/>
         </a:lnSpc>
@@ -7050,7 +8038,7 @@
           <a:spcPts val="0"/>
         </a:spcAft>
       </a:defPPr>
-      <a:lvl1pPr marR="0" lvl="0" algn="l" rtl="0">
+      <a:lvl1pPr lvl="0" marR="0" rtl="0" algn="l">
         <a:lnSpc>
           <a:spcPct val="100000"/>
         </a:lnSpc>
@@ -7064,7 +8052,7 @@
           <a:srgbClr val="000000"/>
         </a:buClr>
         <a:buFont typeface="Arial"/>
-        <a:defRPr sz="1400" b="0" i="0" u="none" strike="noStrike" cap="none">
+        <a:defRPr b="0" i="0" sz="1400" u="none" cap="none" strike="noStrike">
           <a:solidFill>
             <a:srgbClr val="000000"/>
           </a:solidFill>
@@ -7074,7 +8062,7 @@
           <a:sym typeface="Arial"/>
         </a:defRPr>
       </a:lvl1pPr>
-      <a:lvl2pPr marR="0" lvl="1" algn="l" rtl="0">
+      <a:lvl2pPr lvl="1" marR="0" rtl="0" algn="l">
         <a:lnSpc>
           <a:spcPct val="100000"/>
         </a:lnSpc>
@@ -7088,7 +8076,7 @@
           <a:srgbClr val="000000"/>
         </a:buClr>
         <a:buFont typeface="Arial"/>
-        <a:defRPr sz="1400" b="0" i="0" u="none" strike="noStrike" cap="none">
+        <a:defRPr b="0" i="0" sz="1400" u="none" cap="none" strike="noStrike">
           <a:solidFill>
             <a:srgbClr val="000000"/>
           </a:solidFill>
@@ -7098,7 +8086,7 @@
           <a:sym typeface="Arial"/>
         </a:defRPr>
       </a:lvl2pPr>
-      <a:lvl3pPr marR="0" lvl="2" algn="l" rtl="0">
+      <a:lvl3pPr lvl="2" marR="0" rtl="0" algn="l">
         <a:lnSpc>
           <a:spcPct val="100000"/>
         </a:lnSpc>
@@ -7112,7 +8100,7 @@
           <a:srgbClr val="000000"/>
         </a:buClr>
         <a:buFont typeface="Arial"/>
-        <a:defRPr sz="1400" b="0" i="0" u="none" strike="noStrike" cap="none">
+        <a:defRPr b="0" i="0" sz="1400" u="none" cap="none" strike="noStrike">
           <a:solidFill>
             <a:srgbClr val="000000"/>
           </a:solidFill>
@@ -7122,7 +8110,7 @@
           <a:sym typeface="Arial"/>
         </a:defRPr>
       </a:lvl3pPr>
-      <a:lvl4pPr marR="0" lvl="3" algn="l" rtl="0">
+      <a:lvl4pPr lvl="3" marR="0" rtl="0" algn="l">
         <a:lnSpc>
           <a:spcPct val="100000"/>
         </a:lnSpc>
@@ -7136,7 +8124,7 @@
           <a:srgbClr val="000000"/>
         </a:buClr>
         <a:buFont typeface="Arial"/>
-        <a:defRPr sz="1400" b="0" i="0" u="none" strike="noStrike" cap="none">
+        <a:defRPr b="0" i="0" sz="1400" u="none" cap="none" strike="noStrike">
           <a:solidFill>
             <a:srgbClr val="000000"/>
           </a:solidFill>
@@ -7146,7 +8134,7 @@
           <a:sym typeface="Arial"/>
         </a:defRPr>
       </a:lvl4pPr>
-      <a:lvl5pPr marR="0" lvl="4" algn="l" rtl="0">
+      <a:lvl5pPr lvl="4" marR="0" rtl="0" algn="l">
         <a:lnSpc>
           <a:spcPct val="100000"/>
         </a:lnSpc>
@@ -7160,7 +8148,7 @@
           <a:srgbClr val="000000"/>
         </a:buClr>
         <a:buFont typeface="Arial"/>
-        <a:defRPr sz="1400" b="0" i="0" u="none" strike="noStrike" cap="none">
+        <a:defRPr b="0" i="0" sz="1400" u="none" cap="none" strike="noStrike">
           <a:solidFill>
             <a:srgbClr val="000000"/>
           </a:solidFill>
@@ -7170,7 +8158,7 @@
           <a:sym typeface="Arial"/>
         </a:defRPr>
       </a:lvl5pPr>
-      <a:lvl6pPr marR="0" lvl="5" algn="l" rtl="0">
+      <a:lvl6pPr lvl="5" marR="0" rtl="0" algn="l">
         <a:lnSpc>
           <a:spcPct val="100000"/>
         </a:lnSpc>
@@ -7184,7 +8172,7 @@
           <a:srgbClr val="000000"/>
         </a:buClr>
         <a:buFont typeface="Arial"/>
-        <a:defRPr sz="1400" b="0" i="0" u="none" strike="noStrike" cap="none">
+        <a:defRPr b="0" i="0" sz="1400" u="none" cap="none" strike="noStrike">
           <a:solidFill>
             <a:srgbClr val="000000"/>
           </a:solidFill>
@@ -7194,7 +8182,7 @@
           <a:sym typeface="Arial"/>
         </a:defRPr>
       </a:lvl6pPr>
-      <a:lvl7pPr marR="0" lvl="6" algn="l" rtl="0">
+      <a:lvl7pPr lvl="6" marR="0" rtl="0" algn="l">
         <a:lnSpc>
           <a:spcPct val="100000"/>
         </a:lnSpc>
@@ -7208,7 +8196,7 @@
           <a:srgbClr val="000000"/>
         </a:buClr>
         <a:buFont typeface="Arial"/>
-        <a:defRPr sz="1400" b="0" i="0" u="none" strike="noStrike" cap="none">
+        <a:defRPr b="0" i="0" sz="1400" u="none" cap="none" strike="noStrike">
           <a:solidFill>
             <a:srgbClr val="000000"/>
           </a:solidFill>
@@ -7218,7 +8206,7 @@
           <a:sym typeface="Arial"/>
         </a:defRPr>
       </a:lvl7pPr>
-      <a:lvl8pPr marR="0" lvl="7" algn="l" rtl="0">
+      <a:lvl8pPr lvl="7" marR="0" rtl="0" algn="l">
         <a:lnSpc>
           <a:spcPct val="100000"/>
         </a:lnSpc>
@@ -7232,7 +8220,7 @@
           <a:srgbClr val="000000"/>
         </a:buClr>
         <a:buFont typeface="Arial"/>
-        <a:defRPr sz="1400" b="0" i="0" u="none" strike="noStrike" cap="none">
+        <a:defRPr b="0" i="0" sz="1400" u="none" cap="none" strike="noStrike">
           <a:solidFill>
             <a:srgbClr val="000000"/>
           </a:solidFill>
@@ -7242,7 +8230,7 @@
           <a:sym typeface="Arial"/>
         </a:defRPr>
       </a:lvl8pPr>
-      <a:lvl9pPr marR="0" lvl="8" algn="l" rtl="0">
+      <a:lvl9pPr lvl="8" marR="0" rtl="0" algn="l">
         <a:lnSpc>
           <a:spcPct val="100000"/>
         </a:lnSpc>
@@ -7256,7 +8244,7 @@
           <a:srgbClr val="000000"/>
         </a:buClr>
         <a:buFont typeface="Arial"/>
-        <a:defRPr sz="1400" b="0" i="0" u="none" strike="noStrike" cap="none">
+        <a:defRPr b="0" i="0" sz="1400" u="none" cap="none" strike="noStrike">
           <a:solidFill>
             <a:srgbClr val="000000"/>
           </a:solidFill>
@@ -7268,7 +8256,7 @@
       </a:lvl9pPr>
     </p:bodyStyle>
     <p:otherStyle>
-      <a:defPPr marR="0" lvl="0" algn="l" rtl="0">
+      <a:defPPr lvl="0" marR="0" rtl="0" algn="l">
         <a:lnSpc>
           <a:spcPct val="100000"/>
         </a:lnSpc>
@@ -7279,7 +8267,7 @@
           <a:spcPts val="0"/>
         </a:spcAft>
       </a:defPPr>
-      <a:lvl1pPr marR="0" lvl="0" algn="l" rtl="0">
+      <a:lvl1pPr lvl="0" marR="0" rtl="0" algn="l">
         <a:lnSpc>
           <a:spcPct val="100000"/>
         </a:lnSpc>
@@ -7293,7 +8281,7 @@
           <a:srgbClr val="000000"/>
         </a:buClr>
         <a:buFont typeface="Arial"/>
-        <a:defRPr sz="1400" b="0" i="0" u="none" strike="noStrike" cap="none">
+        <a:defRPr b="0" i="0" sz="1400" u="none" cap="none" strike="noStrike">
           <a:solidFill>
             <a:srgbClr val="000000"/>
           </a:solidFill>
@@ -7303,7 +8291,7 @@
           <a:sym typeface="Arial"/>
         </a:defRPr>
       </a:lvl1pPr>
-      <a:lvl2pPr marR="0" lvl="1" algn="l" rtl="0">
+      <a:lvl2pPr lvl="1" marR="0" rtl="0" algn="l">
         <a:lnSpc>
           <a:spcPct val="100000"/>
         </a:lnSpc>
@@ -7317,7 +8305,7 @@
           <a:srgbClr val="000000"/>
         </a:buClr>
         <a:buFont typeface="Arial"/>
-        <a:defRPr sz="1400" b="0" i="0" u="none" strike="noStrike" cap="none">
+        <a:defRPr b="0" i="0" sz="1400" u="none" cap="none" strike="noStrike">
           <a:solidFill>
             <a:srgbClr val="000000"/>
           </a:solidFill>
@@ -7327,7 +8315,7 @@
           <a:sym typeface="Arial"/>
         </a:defRPr>
       </a:lvl2pPr>
-      <a:lvl3pPr marR="0" lvl="2" algn="l" rtl="0">
+      <a:lvl3pPr lvl="2" marR="0" rtl="0" algn="l">
         <a:lnSpc>
           <a:spcPct val="100000"/>
         </a:lnSpc>
@@ -7341,7 +8329,7 @@
           <a:srgbClr val="000000"/>
         </a:buClr>
         <a:buFont typeface="Arial"/>
-        <a:defRPr sz="1400" b="0" i="0" u="none" strike="noStrike" cap="none">
+        <a:defRPr b="0" i="0" sz="1400" u="none" cap="none" strike="noStrike">
           <a:solidFill>
             <a:srgbClr val="000000"/>
           </a:solidFill>
@@ -7351,7 +8339,7 @@
           <a:sym typeface="Arial"/>
         </a:defRPr>
       </a:lvl3pPr>
-      <a:lvl4pPr marR="0" lvl="3" algn="l" rtl="0">
+      <a:lvl4pPr lvl="3" marR="0" rtl="0" algn="l">
         <a:lnSpc>
           <a:spcPct val="100000"/>
         </a:lnSpc>
@@ -7365,7 +8353,7 @@
           <a:srgbClr val="000000"/>
         </a:buClr>
         <a:buFont typeface="Arial"/>
-        <a:defRPr sz="1400" b="0" i="0" u="none" strike="noStrike" cap="none">
+        <a:defRPr b="0" i="0" sz="1400" u="none" cap="none" strike="noStrike">
           <a:solidFill>
             <a:srgbClr val="000000"/>
           </a:solidFill>
@@ -7375,7 +8363,7 @@
           <a:sym typeface="Arial"/>
         </a:defRPr>
       </a:lvl4pPr>
-      <a:lvl5pPr marR="0" lvl="4" algn="l" rtl="0">
+      <a:lvl5pPr lvl="4" marR="0" rtl="0" algn="l">
         <a:lnSpc>
           <a:spcPct val="100000"/>
         </a:lnSpc>
@@ -7389,7 +8377,7 @@
           <a:srgbClr val="000000"/>
         </a:buClr>
         <a:buFont typeface="Arial"/>
-        <a:defRPr sz="1400" b="0" i="0" u="none" strike="noStrike" cap="none">
+        <a:defRPr b="0" i="0" sz="1400" u="none" cap="none" strike="noStrike">
           <a:solidFill>
             <a:srgbClr val="000000"/>
           </a:solidFill>
@@ -7399,7 +8387,7 @@
           <a:sym typeface="Arial"/>
         </a:defRPr>
       </a:lvl5pPr>
-      <a:lvl6pPr marR="0" lvl="5" algn="l" rtl="0">
+      <a:lvl6pPr lvl="5" marR="0" rtl="0" algn="l">
         <a:lnSpc>
           <a:spcPct val="100000"/>
         </a:lnSpc>
@@ -7413,7 +8401,7 @@
           <a:srgbClr val="000000"/>
         </a:buClr>
         <a:buFont typeface="Arial"/>
-        <a:defRPr sz="1400" b="0" i="0" u="none" strike="noStrike" cap="none">
+        <a:defRPr b="0" i="0" sz="1400" u="none" cap="none" strike="noStrike">
           <a:solidFill>
             <a:srgbClr val="000000"/>
           </a:solidFill>
@@ -7423,7 +8411,7 @@
           <a:sym typeface="Arial"/>
         </a:defRPr>
       </a:lvl6pPr>
-      <a:lvl7pPr marR="0" lvl="6" algn="l" rtl="0">
+      <a:lvl7pPr lvl="6" marR="0" rtl="0" algn="l">
         <a:lnSpc>
           <a:spcPct val="100000"/>
         </a:lnSpc>
@@ -7437,7 +8425,7 @@
           <a:srgbClr val="000000"/>
         </a:buClr>
         <a:buFont typeface="Arial"/>
-        <a:defRPr sz="1400" b="0" i="0" u="none" strike="noStrike" cap="none">
+        <a:defRPr b="0" i="0" sz="1400" u="none" cap="none" strike="noStrike">
           <a:solidFill>
             <a:srgbClr val="000000"/>
           </a:solidFill>
@@ -7447,7 +8435,7 @@
           <a:sym typeface="Arial"/>
         </a:defRPr>
       </a:lvl7pPr>
-      <a:lvl8pPr marR="0" lvl="7" algn="l" rtl="0">
+      <a:lvl8pPr lvl="7" marR="0" rtl="0" algn="l">
         <a:lnSpc>
           <a:spcPct val="100000"/>
         </a:lnSpc>
@@ -7461,7 +8449,7 @@
           <a:srgbClr val="000000"/>
         </a:buClr>
         <a:buFont typeface="Arial"/>
-        <a:defRPr sz="1400" b="0" i="0" u="none" strike="noStrike" cap="none">
+        <a:defRPr b="0" i="0" sz="1400" u="none" cap="none" strike="noStrike">
           <a:solidFill>
             <a:srgbClr val="000000"/>
           </a:solidFill>
@@ -7471,7 +8459,7 @@
           <a:sym typeface="Arial"/>
         </a:defRPr>
       </a:lvl8pPr>
-      <a:lvl9pPr marR="0" lvl="8" algn="l" rtl="0">
+      <a:lvl9pPr lvl="8" marR="0" rtl="0" algn="l">
         <a:lnSpc>
           <a:spcPct val="100000"/>
         </a:lnSpc>
@@ -7485,7 +8473,7 @@
           <a:srgbClr val="000000"/>
         </a:buClr>
         <a:buFont typeface="Arial"/>
-        <a:defRPr sz="1400" b="0" i="0" u="none" strike="noStrike" cap="none">
+        <a:defRPr b="0" i="0" sz="1400" u="none" cap="none" strike="noStrike">
           <a:solidFill>
             <a:srgbClr val="000000"/>
           </a:solidFill>
@@ -7501,11 +8489,11 @@
 </file>
 
 <file path=ppt/slides/slide1.xml><?xml version="1.0" encoding="utf-8"?>
-<p:sld xmlns:a="http://schemas.openxmlformats.org/drawingml/2006/main" xmlns:r="http://schemas.openxmlformats.org/officeDocument/2006/relationships" xmlns:p="http://schemas.openxmlformats.org/presentationml/2006/main">
+<p:sld xmlns:a="http://schemas.openxmlformats.org/drawingml/2006/main" xmlns:r="http://schemas.openxmlformats.org/officeDocument/2006/relationships" xmlns:mc="http://schemas.openxmlformats.org/markup-compatibility/2006" xmlns:mv="urn:schemas-microsoft-com:mac:vml" xmlns:p="http://schemas.openxmlformats.org/presentationml/2006/main" xmlns:c="http://schemas.openxmlformats.org/drawingml/2006/chart" xmlns:dgm="http://schemas.openxmlformats.org/drawingml/2006/diagram" xmlns:o="urn:schemas-microsoft-com:office:office" xmlns:v="urn:schemas-microsoft-com:vml" xmlns:pvml="urn:schemas-microsoft-com:office:powerpoint" xmlns:com="http://schemas.openxmlformats.org/drawingml/2006/compatibility" xmlns:p14="http://schemas.microsoft.com/office/powerpoint/2010/main" xmlns:p15="http://schemas.microsoft.com/office/powerpoint/2012/main">
   <p:cSld>
     <p:spTree>
       <p:nvGrpSpPr>
-        <p:cNvPr id="1" name="Shape 90"/>
+        <p:cNvPr id="90" name="Shape 90"/>
         <p:cNvGrpSpPr/>
         <p:nvPr/>
       </p:nvGrpSpPr>
@@ -7520,9 +8508,7 @@
       <p:sp>
         <p:nvSpPr>
           <p:cNvPr id="91" name="Google Shape;91;p14"/>
-          <p:cNvSpPr txBox="1">
-            <a:spLocks noGrp="1"/>
-          </p:cNvSpPr>
+          <p:cNvSpPr txBox="1"/>
           <p:nvPr>
             <p:ph type="ctrTitle"/>
           </p:nvPr>
@@ -7541,12 +8527,12 @@
           </a:ln>
         </p:spPr>
         <p:txBody>
-          <a:bodyPr spcFirstLastPara="1" wrap="square" lIns="91425" tIns="45700" rIns="91425" bIns="45700" anchor="b" anchorCtr="0">
+          <a:bodyPr anchorCtr="0" anchor="b" bIns="45700" lIns="91425" spcFirstLastPara="1" rIns="91425" wrap="square" tIns="45700">
             <a:noAutofit/>
           </a:bodyPr>
           <a:lstStyle/>
           <a:p>
-            <a:pPr marL="0" lvl="0" indent="0" algn="ctr" rtl="0">
+            <a:pPr indent="0" lvl="0" marL="0" rtl="0" algn="ctr">
               <a:lnSpc>
                 <a:spcPct val="90000"/>
               </a:lnSpc>
@@ -7574,11 +8560,9 @@
       <p:sp>
         <p:nvSpPr>
           <p:cNvPr id="92" name="Google Shape;92;p14"/>
-          <p:cNvSpPr txBox="1">
-            <a:spLocks noGrp="1"/>
-          </p:cNvSpPr>
+          <p:cNvSpPr txBox="1"/>
           <p:nvPr>
-            <p:ph type="subTitle" idx="1"/>
+            <p:ph idx="1" type="subTitle"/>
           </p:nvPr>
         </p:nvSpPr>
         <p:spPr>
@@ -7595,12 +8579,12 @@
           </a:ln>
         </p:spPr>
         <p:txBody>
-          <a:bodyPr spcFirstLastPara="1" wrap="square" lIns="91425" tIns="45700" rIns="91425" bIns="45700" anchor="t" anchorCtr="0">
+          <a:bodyPr anchorCtr="0" anchor="t" bIns="45700" lIns="91425" spcFirstLastPara="1" rIns="91425" wrap="square" tIns="45700">
             <a:noAutofit/>
           </a:bodyPr>
           <a:lstStyle/>
           <a:p>
-            <a:pPr marL="0" lvl="0" indent="0" algn="ctr" rtl="0">
+            <a:pPr indent="0" lvl="0" marL="0" rtl="0" algn="ctr">
               <a:lnSpc>
                 <a:spcPct val="90000"/>
               </a:lnSpc>
@@ -7623,7 +8607,7 @@
             <a:endParaRPr sz="2400"/>
           </a:p>
           <a:p>
-            <a:pPr marL="0" lvl="0" indent="0" algn="l" rtl="0">
+            <a:pPr indent="0" lvl="0" marL="0" rtl="0" algn="l">
               <a:lnSpc>
                 <a:spcPct val="90000"/>
               </a:lnSpc>
@@ -7646,7 +8630,7 @@
             <a:endParaRPr sz="2400"/>
           </a:p>
           <a:p>
-            <a:pPr marL="0" lvl="0" indent="0" algn="l" rtl="0">
+            <a:pPr indent="0" lvl="0" marL="0" rtl="0" algn="l">
               <a:lnSpc>
                 <a:spcPct val="90000"/>
               </a:lnSpc>
@@ -7679,11 +8663,11 @@
 </file>
 
 <file path=ppt/slides/slide2.xml><?xml version="1.0" encoding="utf-8"?>
-<p:sld xmlns:a="http://schemas.openxmlformats.org/drawingml/2006/main" xmlns:r="http://schemas.openxmlformats.org/officeDocument/2006/relationships" xmlns:p="http://schemas.openxmlformats.org/presentationml/2006/main">
+<p:sld xmlns:a="http://schemas.openxmlformats.org/drawingml/2006/main" xmlns:r="http://schemas.openxmlformats.org/officeDocument/2006/relationships" xmlns:mc="http://schemas.openxmlformats.org/markup-compatibility/2006" xmlns:mv="urn:schemas-microsoft-com:mac:vml" xmlns:p="http://schemas.openxmlformats.org/presentationml/2006/main" xmlns:c="http://schemas.openxmlformats.org/drawingml/2006/chart" xmlns:dgm="http://schemas.openxmlformats.org/drawingml/2006/diagram" xmlns:o="urn:schemas-microsoft-com:office:office" xmlns:v="urn:schemas-microsoft-com:vml" xmlns:pvml="urn:schemas-microsoft-com:office:powerpoint" xmlns:com="http://schemas.openxmlformats.org/drawingml/2006/compatibility" xmlns:p14="http://schemas.microsoft.com/office/powerpoint/2010/main" xmlns:p15="http://schemas.microsoft.com/office/powerpoint/2012/main">
   <p:cSld>
     <p:spTree>
       <p:nvGrpSpPr>
-        <p:cNvPr id="1" name="Shape 96"/>
+        <p:cNvPr id="96" name="Shape 96"/>
         <p:cNvGrpSpPr/>
         <p:nvPr/>
       </p:nvGrpSpPr>
@@ -7698,9 +8682,7 @@
       <p:sp>
         <p:nvSpPr>
           <p:cNvPr id="97" name="Google Shape;97;p15"/>
-          <p:cNvSpPr txBox="1">
-            <a:spLocks noGrp="1"/>
-          </p:cNvSpPr>
+          <p:cNvSpPr txBox="1"/>
           <p:nvPr>
             <p:ph type="ctrTitle"/>
           </p:nvPr>
@@ -7719,12 +8701,12 @@
           </a:ln>
         </p:spPr>
         <p:txBody>
-          <a:bodyPr spcFirstLastPara="1" wrap="square" lIns="91425" tIns="45700" rIns="91425" bIns="45700" anchor="ctr" anchorCtr="0">
+          <a:bodyPr anchorCtr="0" anchor="ctr" bIns="45700" lIns="91425" spcFirstLastPara="1" rIns="91425" wrap="square" tIns="45700">
             <a:noAutofit/>
           </a:bodyPr>
           <a:lstStyle/>
           <a:p>
-            <a:pPr marL="0" lvl="0" indent="0" algn="ctr" rtl="0">
+            <a:pPr indent="0" lvl="0" marL="0" rtl="0" algn="ctr">
               <a:lnSpc>
                 <a:spcPct val="90000"/>
               </a:lnSpc>
@@ -7742,21 +8724,19 @@
               <a:buNone/>
             </a:pPr>
             <a:r>
-              <a:rPr lang="en-US" dirty="0" smtClean="0"/>
-              <a:t>About Us</a:t>
+              <a:rPr lang="en-US"/>
+              <a:t>Purpose</a:t>
             </a:r>
-            <a:endParaRPr dirty="0"/>
+            <a:endParaRPr/>
           </a:p>
         </p:txBody>
       </p:sp>
       <p:sp>
         <p:nvSpPr>
           <p:cNvPr id="98" name="Google Shape;98;p15"/>
-          <p:cNvSpPr txBox="1">
-            <a:spLocks noGrp="1"/>
-          </p:cNvSpPr>
+          <p:cNvSpPr txBox="1"/>
           <p:nvPr>
-            <p:ph type="subTitle" idx="1"/>
+            <p:ph idx="1" type="subTitle"/>
           </p:nvPr>
         </p:nvSpPr>
         <p:spPr>
@@ -7773,149 +8753,119 @@
           </a:ln>
         </p:spPr>
         <p:txBody>
-          <a:bodyPr spcFirstLastPara="1" wrap="square" lIns="91425" tIns="45700" rIns="91425" bIns="45700" anchor="t" anchorCtr="0">
+          <a:bodyPr anchorCtr="0" anchor="t" bIns="45700" lIns="91425" spcFirstLastPara="1" rIns="91425" wrap="square" tIns="45700">
             <a:noAutofit/>
           </a:bodyPr>
           <a:lstStyle/>
           <a:p>
-            <a:pPr lvl="0" indent="-419100">
+            <a:pPr indent="-419100" lvl="0" marL="457200" rtl="0" algn="l">
               <a:lnSpc>
                 <a:spcPct val="90000"/>
               </a:lnSpc>
               <a:spcBef>
                 <a:spcPts val="1000"/>
               </a:spcBef>
+              <a:spcAft>
+                <a:spcPts val="0"/>
+              </a:spcAft>
               <a:buSzPts val="3000"/>
               <a:buChar char="●"/>
             </a:pPr>
             <a:r>
-              <a:rPr lang="en-US" sz="3000" dirty="0" smtClean="0"/>
-              <a:t>Charles Samuel: Has developed websites that utilized ASP. Net and has created small scale databases for the web pages.</a:t>
+              <a:rPr lang="en-US" sz="3000"/>
+              <a:t>With our project, we would like to develop a Windows application that will allow for the quick checking of attendance for classes.</a:t>
             </a:r>
+            <a:endParaRPr sz="3000"/>
           </a:p>
           <a:p>
-            <a:pPr lvl="0" indent="-419100">
+            <a:pPr indent="-419100" lvl="0" marL="457200" rtl="0" algn="l">
               <a:lnSpc>
                 <a:spcPct val="90000"/>
               </a:lnSpc>
               <a:spcBef>
-                <a:spcPts val="1000"/>
-              </a:spcBef>
+                <a:spcPts val="0"/>
+              </a:spcBef>
+              <a:spcAft>
+                <a:spcPts val="0"/>
+              </a:spcAft>
               <a:buSzPts val="3000"/>
               <a:buChar char="●"/>
             </a:pPr>
             <a:r>
-              <a:rPr lang="en-US" sz="3000" dirty="0" smtClean="0"/>
-              <a:t>TEAM MATES: Add some info about yourself.</a:t>
+              <a:rPr lang="en-US" sz="3000"/>
+              <a:t>We also hope to implement a feature that will require students to stay in class, such as a second check-in closer to the end of class. This way, students must stay for the majority of class to be considered present.</a:t>
             </a:r>
-            <a:endParaRPr lang="en-US" sz="3000" dirty="0" smtClean="0"/>
+            <a:endParaRPr sz="3000"/>
           </a:p>
           <a:p>
-            <a:pPr marL="457200" lvl="0" indent="-419100" algn="l" rtl="0">
+            <a:pPr indent="-50800" lvl="0" marL="228600" rtl="0" algn="l">
               <a:lnSpc>
                 <a:spcPct val="90000"/>
               </a:lnSpc>
               <a:spcBef>
-                <a:spcPts val="0"/>
-              </a:spcBef>
-              <a:spcAft>
-                <a:spcPts val="0"/>
-              </a:spcAft>
-              <a:buSzPts val="3000"/>
-              <a:buChar char="●"/>
+                <a:spcPts val="1000"/>
+              </a:spcBef>
+              <a:spcAft>
+                <a:spcPts val="0"/>
+              </a:spcAft>
+              <a:buClr>
+                <a:schemeClr val="dk1"/>
+              </a:buClr>
+              <a:buSzPts val="2800"/>
+              <a:buNone/>
             </a:pPr>
-            <a:endParaRPr lang="en-US" sz="3000" dirty="0"/>
+            <a:r>
+              <a:t/>
+            </a:r>
+            <a:endParaRPr/>
           </a:p>
           <a:p>
-            <a:pPr marL="457200" lvl="0" indent="-419100" algn="l" rtl="0">
+            <a:pPr indent="-50800" lvl="0" marL="228600" rtl="0" algn="l">
               <a:lnSpc>
                 <a:spcPct val="90000"/>
               </a:lnSpc>
               <a:spcBef>
-                <a:spcPts val="0"/>
-              </a:spcBef>
-              <a:spcAft>
-                <a:spcPts val="0"/>
-              </a:spcAft>
-              <a:buSzPts val="3000"/>
-              <a:buChar char="●"/>
+                <a:spcPts val="1000"/>
+              </a:spcBef>
+              <a:spcAft>
+                <a:spcPts val="0"/>
+              </a:spcAft>
+              <a:buClr>
+                <a:schemeClr val="dk1"/>
+              </a:buClr>
+              <a:buSzPts val="2800"/>
+              <a:buNone/>
             </a:pPr>
-            <a:endParaRPr lang="en-US" sz="3000" dirty="0" smtClean="0"/>
+            <a:r>
+              <a:t/>
+            </a:r>
+            <a:endParaRPr/>
           </a:p>
           <a:p>
-            <a:pPr marL="495300" lvl="1" indent="0">
+            <a:pPr indent="-50800" lvl="0" marL="228600" rtl="0" algn="l">
               <a:lnSpc>
                 <a:spcPct val="90000"/>
               </a:lnSpc>
-              <a:buSzPts val="3000"/>
+              <a:spcBef>
+                <a:spcPts val="1000"/>
+              </a:spcBef>
+              <a:spcAft>
+                <a:spcPts val="0"/>
+              </a:spcAft>
+              <a:buClr>
+                <a:schemeClr val="dk1"/>
+              </a:buClr>
+              <a:buSzPts val="2800"/>
+              <a:buNone/>
             </a:pPr>
-            <a:endParaRPr sz="3000" dirty="0"/>
-          </a:p>
-          <a:p>
-            <a:pPr marL="228600" lvl="0" indent="-50800" algn="l" rtl="0">
-              <a:lnSpc>
-                <a:spcPct val="90000"/>
-              </a:lnSpc>
-              <a:spcBef>
-                <a:spcPts val="1000"/>
-              </a:spcBef>
-              <a:spcAft>
-                <a:spcPts val="0"/>
-              </a:spcAft>
-              <a:buClr>
-                <a:schemeClr val="dk1"/>
-              </a:buClr>
-              <a:buSzPts val="2800"/>
-              <a:buNone/>
-            </a:pPr>
-            <a:endParaRPr dirty="0"/>
-          </a:p>
-          <a:p>
-            <a:pPr marL="228600" lvl="0" indent="-50800" algn="l" rtl="0">
-              <a:lnSpc>
-                <a:spcPct val="90000"/>
-              </a:lnSpc>
-              <a:spcBef>
-                <a:spcPts val="1000"/>
-              </a:spcBef>
-              <a:spcAft>
-                <a:spcPts val="0"/>
-              </a:spcAft>
-              <a:buClr>
-                <a:schemeClr val="dk1"/>
-              </a:buClr>
-              <a:buSzPts val="2800"/>
-              <a:buNone/>
-            </a:pPr>
-            <a:endParaRPr dirty="0"/>
-          </a:p>
-          <a:p>
-            <a:pPr marL="228600" lvl="0" indent="-50800" algn="l" rtl="0">
-              <a:lnSpc>
-                <a:spcPct val="90000"/>
-              </a:lnSpc>
-              <a:spcBef>
-                <a:spcPts val="1000"/>
-              </a:spcBef>
-              <a:spcAft>
-                <a:spcPts val="0"/>
-              </a:spcAft>
-              <a:buClr>
-                <a:schemeClr val="dk1"/>
-              </a:buClr>
-              <a:buSzPts val="2800"/>
-              <a:buNone/>
-            </a:pPr>
-            <a:endParaRPr dirty="0"/>
+            <a:r>
+              <a:t/>
+            </a:r>
+            <a:endParaRPr/>
           </a:p>
         </p:txBody>
       </p:sp>
     </p:spTree>
-    <p:extLst>
-      <p:ext uri="{BB962C8B-B14F-4D97-AF65-F5344CB8AC3E}">
-        <p14:creationId xmlns:p14="http://schemas.microsoft.com/office/powerpoint/2010/main" val="527029083"/>
-      </p:ext>
-    </p:extLst>
   </p:cSld>
   <p:clrMapOvr>
     <a:masterClrMapping/>
@@ -7924,11 +8874,11 @@
 </file>
 
 <file path=ppt/slides/slide3.xml><?xml version="1.0" encoding="utf-8"?>
-<p:sld xmlns:a="http://schemas.openxmlformats.org/drawingml/2006/main" xmlns:r="http://schemas.openxmlformats.org/officeDocument/2006/relationships" xmlns:p="http://schemas.openxmlformats.org/presentationml/2006/main">
+<p:sld xmlns:a="http://schemas.openxmlformats.org/drawingml/2006/main" xmlns:r="http://schemas.openxmlformats.org/officeDocument/2006/relationships" xmlns:mc="http://schemas.openxmlformats.org/markup-compatibility/2006" xmlns:mv="urn:schemas-microsoft-com:mac:vml" xmlns:p="http://schemas.openxmlformats.org/presentationml/2006/main" xmlns:c="http://schemas.openxmlformats.org/drawingml/2006/chart" xmlns:dgm="http://schemas.openxmlformats.org/drawingml/2006/diagram" xmlns:o="urn:schemas-microsoft-com:office:office" xmlns:v="urn:schemas-microsoft-com:vml" xmlns:pvml="urn:schemas-microsoft-com:office:powerpoint" xmlns:com="http://schemas.openxmlformats.org/drawingml/2006/compatibility" xmlns:p14="http://schemas.microsoft.com/office/powerpoint/2010/main" xmlns:p15="http://schemas.microsoft.com/office/powerpoint/2012/main">
   <p:cSld>
     <p:spTree>
       <p:nvGrpSpPr>
-        <p:cNvPr id="1" name="Shape 96"/>
+        <p:cNvPr id="102" name="Shape 102"/>
         <p:cNvGrpSpPr/>
         <p:nvPr/>
       </p:nvGrpSpPr>
@@ -7942,10 +8892,8 @@
       </p:grpSpPr>
       <p:sp>
         <p:nvSpPr>
-          <p:cNvPr id="97" name="Google Shape;97;p15"/>
-          <p:cNvSpPr txBox="1">
-            <a:spLocks noGrp="1"/>
-          </p:cNvSpPr>
+          <p:cNvPr id="103" name="Google Shape;103;p16"/>
+          <p:cNvSpPr txBox="1"/>
           <p:nvPr>
             <p:ph type="ctrTitle"/>
           </p:nvPr>
@@ -7964,12 +8912,12 @@
           </a:ln>
         </p:spPr>
         <p:txBody>
-          <a:bodyPr spcFirstLastPara="1" wrap="square" lIns="91425" tIns="45700" rIns="91425" bIns="45700" anchor="ctr" anchorCtr="0">
+          <a:bodyPr anchorCtr="0" anchor="ctr" bIns="45700" lIns="91425" spcFirstLastPara="1" rIns="91425" wrap="square" tIns="45700">
             <a:noAutofit/>
           </a:bodyPr>
           <a:lstStyle/>
           <a:p>
-            <a:pPr marL="0" lvl="0" indent="0" algn="ctr" rtl="0">
+            <a:pPr indent="0" lvl="0" marL="0" rtl="0" algn="ctr">
               <a:lnSpc>
                 <a:spcPct val="90000"/>
               </a:lnSpc>
@@ -7987,21 +8935,19 @@
               <a:buNone/>
             </a:pPr>
             <a:r>
-              <a:rPr lang="en-US" dirty="0"/>
-              <a:t>Purpose</a:t>
+              <a:rPr lang="en-US"/>
+              <a:t>Important Info</a:t>
             </a:r>
-            <a:endParaRPr dirty="0"/>
+            <a:endParaRPr/>
           </a:p>
         </p:txBody>
       </p:sp>
       <p:sp>
         <p:nvSpPr>
-          <p:cNvPr id="98" name="Google Shape;98;p15"/>
-          <p:cNvSpPr txBox="1">
-            <a:spLocks noGrp="1"/>
-          </p:cNvSpPr>
+          <p:cNvPr id="104" name="Google Shape;104;p16"/>
+          <p:cNvSpPr txBox="1"/>
           <p:nvPr>
-            <p:ph type="subTitle" idx="1"/>
+            <p:ph idx="1" type="subTitle"/>
           </p:nvPr>
         </p:nvSpPr>
         <p:spPr>
@@ -8018,117 +8964,134 @@
           </a:ln>
         </p:spPr>
         <p:txBody>
-          <a:bodyPr spcFirstLastPara="1" wrap="square" lIns="91425" tIns="45700" rIns="91425" bIns="45700" anchor="t" anchorCtr="0">
+          <a:bodyPr anchorCtr="0" anchor="t" bIns="45700" lIns="91425" spcFirstLastPara="1" rIns="91425" wrap="square" tIns="45700">
             <a:noAutofit/>
           </a:bodyPr>
           <a:lstStyle/>
           <a:p>
-            <a:pPr lvl="0" indent="-419100">
+            <a:pPr indent="-406400" lvl="0" marL="457200" rtl="0" algn="l">
               <a:lnSpc>
                 <a:spcPct val="90000"/>
               </a:lnSpc>
               <a:spcBef>
                 <a:spcPts val="1000"/>
               </a:spcBef>
-              <a:buSzPts val="3000"/>
+              <a:spcAft>
+                <a:spcPts val="0"/>
+              </a:spcAft>
+              <a:buSzPts val="2800"/>
               <a:buChar char="●"/>
             </a:pPr>
             <a:r>
-              <a:rPr lang="en-US" sz="3000" dirty="0"/>
-              <a:t>With our project, we would like to develop a Windows application that will allow for the quick checking of attendance for </a:t>
+              <a:rPr lang="en-US"/>
+              <a:t>We will be primarily using the Python language to make this application.</a:t>
             </a:r>
-            <a:r>
-              <a:rPr lang="en-US" sz="3000" dirty="0" smtClean="0"/>
-              <a:t>classes</a:t>
-            </a:r>
-            <a:r>
-              <a:rPr lang="en-US" sz="3000" dirty="0" smtClean="0"/>
-              <a:t>, which would alleviate some overhead from the instructor.</a:t>
-            </a:r>
-            <a:endParaRPr lang="en-US" sz="3000" dirty="0" smtClean="0"/>
+            <a:endParaRPr/>
           </a:p>
           <a:p>
-            <a:pPr marL="457200" lvl="0" indent="-419100" algn="l" rtl="0">
+            <a:pPr indent="-406400" lvl="0" marL="457200" rtl="0" algn="l">
               <a:lnSpc>
                 <a:spcPct val="90000"/>
               </a:lnSpc>
               <a:spcBef>
-                <a:spcPts val="1000"/>
-              </a:spcBef>
-              <a:spcAft>
-                <a:spcPts val="0"/>
-              </a:spcAft>
-              <a:buSzPts val="3000"/>
+                <a:spcPts val="0"/>
+              </a:spcBef>
+              <a:spcAft>
+                <a:spcPts val="0"/>
+              </a:spcAft>
+              <a:buSzPts val="2800"/>
               <a:buChar char="●"/>
             </a:pPr>
             <a:r>
-              <a:rPr lang="en-US" sz="3000" dirty="0" smtClean="0"/>
-              <a:t>The instructor of the class should be able to query information that pertains to their students attendance status from one or more class session(s) between the start and end date of the course.  </a:t>
+              <a:rPr lang="en-US"/>
+              <a:t>There is a python library called “Tkinter” that seems promising to start development of our application.</a:t>
             </a:r>
+            <a:endParaRPr/>
           </a:p>
           <a:p>
-            <a:pPr marL="457200" lvl="0" indent="-419100" algn="l" rtl="0">
+            <a:pPr indent="-406400" lvl="0" marL="457200" rtl="0" algn="l">
               <a:lnSpc>
                 <a:spcPct val="90000"/>
               </a:lnSpc>
               <a:spcBef>
-                <a:spcPts val="1000"/>
-              </a:spcBef>
-              <a:spcAft>
-                <a:spcPts val="0"/>
-              </a:spcAft>
-              <a:buSzPts val="3000"/>
+                <a:spcPts val="0"/>
+              </a:spcBef>
+              <a:spcAft>
+                <a:spcPts val="0"/>
+              </a:spcAft>
+              <a:buSzPts val="2800"/>
               <a:buChar char="●"/>
             </a:pPr>
             <a:r>
-              <a:rPr lang="en-US" sz="3000" dirty="0" smtClean="0"/>
-              <a:t>The instructor should also be able set which class sessions are valid.</a:t>
+              <a:rPr lang="en-US"/>
+              <a:t>Budget</a:t>
             </a:r>
-            <a:endParaRPr sz="3000" dirty="0"/>
+            <a:endParaRPr/>
           </a:p>
           <a:p>
-            <a:pPr marL="457200" lvl="0" indent="-419100" algn="l" rtl="0">
+            <a:pPr indent="0" lvl="0" marL="0" rtl="0" algn="l">
               <a:lnSpc>
                 <a:spcPct val="90000"/>
               </a:lnSpc>
               <a:spcBef>
-                <a:spcPts val="0"/>
-              </a:spcBef>
-              <a:spcAft>
-                <a:spcPts val="0"/>
-              </a:spcAft>
-              <a:buSzPts val="3000"/>
-              <a:buChar char="●"/>
+                <a:spcPts val="1000"/>
+              </a:spcBef>
+              <a:spcAft>
+                <a:spcPts val="0"/>
+              </a:spcAft>
+              <a:buNone/>
             </a:pPr>
-            <a:endParaRPr lang="en-US" sz="3000" dirty="0"/>
+            <a:r>
+              <a:t/>
+            </a:r>
+            <a:endParaRPr/>
           </a:p>
           <a:p>
-            <a:pPr marL="457200" lvl="0" indent="-419100" algn="l" rtl="0">
+            <a:pPr indent="-50800" lvl="0" marL="228600" rtl="0" algn="l">
               <a:lnSpc>
                 <a:spcPct val="90000"/>
               </a:lnSpc>
               <a:spcBef>
-                <a:spcPts val="0"/>
-              </a:spcBef>
-              <a:spcAft>
-                <a:spcPts val="0"/>
-              </a:spcAft>
-              <a:buSzPts val="3000"/>
-              <a:buChar char="●"/>
+                <a:spcPts val="1000"/>
+              </a:spcBef>
+              <a:spcAft>
+                <a:spcPts val="0"/>
+              </a:spcAft>
+              <a:buClr>
+                <a:schemeClr val="dk1"/>
+              </a:buClr>
+              <a:buSzPts val="2800"/>
+              <a:buNone/>
             </a:pPr>
-            <a:endParaRPr lang="en-US" sz="3000" dirty="0" smtClean="0"/>
+            <a:r>
+              <a:t/>
+            </a:r>
+            <a:endParaRPr/>
           </a:p>
           <a:p>
-            <a:pPr marL="495300" lvl="1" indent="0">
+            <a:pPr indent="-50800" lvl="0" marL="228600" rtl="0" algn="l">
               <a:lnSpc>
                 <a:spcPct val="90000"/>
               </a:lnSpc>
-              <a:buSzPts val="3000"/>
+              <a:spcBef>
+                <a:spcPts val="1000"/>
+              </a:spcBef>
+              <a:spcAft>
+                <a:spcPts val="0"/>
+              </a:spcAft>
+              <a:buClr>
+                <a:schemeClr val="dk1"/>
+              </a:buClr>
+              <a:buSzPts val="2800"/>
+              <a:buNone/>
             </a:pPr>
-            <a:endParaRPr sz="3000" dirty="0"/>
+            <a:r>
+              <a:t/>
+            </a:r>
+            <a:endParaRPr/>
           </a:p>
           <a:p>
-            <a:pPr marL="228600" lvl="0" indent="-50800" algn="l" rtl="0">
+            <a:pPr indent="0" lvl="0" marL="177800" rtl="0" algn="l">
               <a:lnSpc>
                 <a:spcPct val="90000"/>
               </a:lnSpc>
@@ -8144,45 +9107,10 @@
               <a:buSzPts val="2800"/>
               <a:buNone/>
             </a:pPr>
-            <a:endParaRPr dirty="0"/>
-          </a:p>
-          <a:p>
-            <a:pPr marL="228600" lvl="0" indent="-50800" algn="l" rtl="0">
-              <a:lnSpc>
-                <a:spcPct val="90000"/>
-              </a:lnSpc>
-              <a:spcBef>
-                <a:spcPts val="1000"/>
-              </a:spcBef>
-              <a:spcAft>
-                <a:spcPts val="0"/>
-              </a:spcAft>
-              <a:buClr>
-                <a:schemeClr val="dk1"/>
-              </a:buClr>
-              <a:buSzPts val="2800"/>
-              <a:buNone/>
-            </a:pPr>
-            <a:endParaRPr dirty="0"/>
-          </a:p>
-          <a:p>
-            <a:pPr marL="228600" lvl="0" indent="-50800" algn="l" rtl="0">
-              <a:lnSpc>
-                <a:spcPct val="90000"/>
-              </a:lnSpc>
-              <a:spcBef>
-                <a:spcPts val="1000"/>
-              </a:spcBef>
-              <a:spcAft>
-                <a:spcPts val="0"/>
-              </a:spcAft>
-              <a:buClr>
-                <a:schemeClr val="dk1"/>
-              </a:buClr>
-              <a:buSzPts val="2800"/>
-              <a:buNone/>
-            </a:pPr>
-            <a:endParaRPr dirty="0"/>
+            <a:r>
+              <a:t/>
+            </a:r>
+            <a:endParaRPr/>
           </a:p>
         </p:txBody>
       </p:sp>
@@ -8195,11 +9123,11 @@
 </file>
 
 <file path=ppt/slides/slide4.xml><?xml version="1.0" encoding="utf-8"?>
-<p:sld xmlns:a="http://schemas.openxmlformats.org/drawingml/2006/main" xmlns:r="http://schemas.openxmlformats.org/officeDocument/2006/relationships" xmlns:p="http://schemas.openxmlformats.org/presentationml/2006/main">
+<p:sld xmlns:a="http://schemas.openxmlformats.org/drawingml/2006/main" xmlns:r="http://schemas.openxmlformats.org/officeDocument/2006/relationships" xmlns:mc="http://schemas.openxmlformats.org/markup-compatibility/2006" xmlns:mv="urn:schemas-microsoft-com:mac:vml" xmlns:p="http://schemas.openxmlformats.org/presentationml/2006/main" xmlns:c="http://schemas.openxmlformats.org/drawingml/2006/chart" xmlns:dgm="http://schemas.openxmlformats.org/drawingml/2006/diagram" xmlns:o="urn:schemas-microsoft-com:office:office" xmlns:v="urn:schemas-microsoft-com:vml" xmlns:pvml="urn:schemas-microsoft-com:office:powerpoint" xmlns:com="http://schemas.openxmlformats.org/drawingml/2006/compatibility" xmlns:p14="http://schemas.microsoft.com/office/powerpoint/2010/main" xmlns:p15="http://schemas.microsoft.com/office/powerpoint/2012/main">
   <p:cSld>
     <p:spTree>
       <p:nvGrpSpPr>
-        <p:cNvPr id="1" name="Shape 96"/>
+        <p:cNvPr id="108" name="Shape 108"/>
         <p:cNvGrpSpPr/>
         <p:nvPr/>
       </p:nvGrpSpPr>
@@ -8213,12 +9141,10 @@
       </p:grpSpPr>
       <p:sp>
         <p:nvSpPr>
-          <p:cNvPr id="97" name="Google Shape;97;p15"/>
-          <p:cNvSpPr txBox="1">
-            <a:spLocks noGrp="1"/>
-          </p:cNvSpPr>
+          <p:cNvPr id="109" name="Google Shape;109;p17"/>
+          <p:cNvSpPr txBox="1"/>
           <p:nvPr>
-            <p:ph type="ctrTitle"/>
+            <p:ph type="title"/>
           </p:nvPr>
         </p:nvSpPr>
         <p:spPr>
@@ -8229,50 +9155,36 @@
           <a:prstGeom prst="rect">
             <a:avLst/>
           </a:prstGeom>
-          <a:noFill/>
-          <a:ln>
-            <a:noFill/>
-          </a:ln>
         </p:spPr>
         <p:txBody>
-          <a:bodyPr spcFirstLastPara="1" wrap="square" lIns="91425" tIns="45700" rIns="91425" bIns="45700" anchor="ctr" anchorCtr="0">
+          <a:bodyPr anchorCtr="0" anchor="ctr" bIns="45700" lIns="91425" spcFirstLastPara="1" rIns="91425" wrap="square" tIns="45700">
             <a:noAutofit/>
           </a:bodyPr>
           <a:lstStyle/>
           <a:p>
-            <a:pPr marL="0" lvl="0" indent="0" algn="ctr" rtl="0">
-              <a:lnSpc>
-                <a:spcPct val="90000"/>
-              </a:lnSpc>
-              <a:spcBef>
-                <a:spcPts val="0"/>
-              </a:spcBef>
-              <a:spcAft>
-                <a:spcPts val="0"/>
-              </a:spcAft>
-              <a:buClr>
-                <a:schemeClr val="dk1"/>
-              </a:buClr>
-              <a:buSzPts val="4400"/>
-              <a:buFont typeface="Calibri"/>
+            <a:pPr indent="0" lvl="0" marL="0" rtl="0" algn="ctr">
+              <a:spcBef>
+                <a:spcPts val="0"/>
+              </a:spcBef>
+              <a:spcAft>
+                <a:spcPts val="0"/>
+              </a:spcAft>
               <a:buNone/>
             </a:pPr>
             <a:r>
-              <a:rPr lang="en-US" dirty="0" smtClean="0"/>
-              <a:t>Purpose(Continue)</a:t>
+              <a:rPr lang="en-US"/>
+              <a:t>Tasks “in order”</a:t>
             </a:r>
-            <a:endParaRPr dirty="0"/>
+            <a:endParaRPr/>
           </a:p>
         </p:txBody>
       </p:sp>
       <p:sp>
         <p:nvSpPr>
-          <p:cNvPr id="98" name="Google Shape;98;p15"/>
-          <p:cNvSpPr txBox="1">
-            <a:spLocks noGrp="1"/>
-          </p:cNvSpPr>
+          <p:cNvPr id="110" name="Google Shape;110;p17"/>
+          <p:cNvSpPr txBox="1"/>
           <p:nvPr>
-            <p:ph type="subTitle" idx="1"/>
+            <p:ph idx="1" type="body"/>
           </p:nvPr>
         </p:nvSpPr>
         <p:spPr>
@@ -8283,183 +9195,125 @@
           <a:prstGeom prst="rect">
             <a:avLst/>
           </a:prstGeom>
-          <a:noFill/>
-          <a:ln>
-            <a:noFill/>
-          </a:ln>
         </p:spPr>
         <p:txBody>
-          <a:bodyPr spcFirstLastPara="1" wrap="square" lIns="91425" tIns="45700" rIns="91425" bIns="45700" anchor="t" anchorCtr="0">
+          <a:bodyPr anchorCtr="0" anchor="t" bIns="45700" lIns="91425" spcFirstLastPara="1" rIns="91425" wrap="square" tIns="45700">
             <a:noAutofit/>
           </a:bodyPr>
           <a:lstStyle/>
           <a:p>
-            <a:pPr indent="-419100">
-              <a:lnSpc>
-                <a:spcPct val="90000"/>
-              </a:lnSpc>
-              <a:buSzPts val="3000"/>
-              <a:buFont typeface="Roboto"/>
-              <a:buChar char="●"/>
+            <a:pPr indent="-342900" lvl="0" marL="457200" rtl="0" algn="l">
+              <a:spcBef>
+                <a:spcPts val="1000"/>
+              </a:spcBef>
+              <a:spcAft>
+                <a:spcPts val="0"/>
+              </a:spcAft>
+              <a:buSzPts val="1800"/>
+              <a:buAutoNum type="arabicPeriod"/>
             </a:pPr>
             <a:r>
-              <a:rPr lang="en-US" sz="3000" dirty="0"/>
-              <a:t>The instructor should also be able set which class sessions are </a:t>
+              <a:rPr lang="en-US"/>
+              <a:t>Create shell program that at least opens a window.</a:t>
+            </a:r>
+            <a:endParaRPr/>
+          </a:p>
+          <a:p>
+            <a:pPr indent="-342900" lvl="0" marL="457200" rtl="0" algn="l">
+              <a:spcBef>
+                <a:spcPts val="0"/>
+              </a:spcBef>
+              <a:spcAft>
+                <a:spcPts val="0"/>
+              </a:spcAft>
+              <a:buSzPts val="1800"/>
+              <a:buAutoNum type="arabicPeriod"/>
+            </a:pPr>
+            <a:r>
+              <a:rPr lang="en-US"/>
+              <a:t>Have the window ask for input and have a button to submit the input.</a:t>
+            </a:r>
+            <a:endParaRPr/>
+          </a:p>
+          <a:p>
+            <a:pPr indent="-342900" lvl="0" marL="457200" rtl="0" algn="l">
+              <a:spcBef>
+                <a:spcPts val="0"/>
+              </a:spcBef>
+              <a:spcAft>
+                <a:spcPts val="0"/>
+              </a:spcAft>
+              <a:buSzPts val="1800"/>
+              <a:buAutoNum type="arabicPeriod"/>
+            </a:pPr>
+            <a:r>
+              <a:rPr lang="en-US"/>
+              <a:t>Create Python program works on input to give us our desired response.</a:t>
+            </a:r>
+            <a:endParaRPr/>
+          </a:p>
+          <a:p>
+            <a:pPr indent="-342900" lvl="0" marL="457200" rtl="0" algn="l">
+              <a:spcBef>
+                <a:spcPts val="0"/>
+              </a:spcBef>
+              <a:spcAft>
+                <a:spcPts val="0"/>
+              </a:spcAft>
+              <a:buSzPts val="1800"/>
+              <a:buAutoNum type="arabicPeriod"/>
+            </a:pPr>
+            <a:r>
+              <a:rPr lang="en-US"/>
+              <a:t>Use local time as limiters for the application to work, both </a:t>
             </a:r>
             <a:r>
-              <a:rPr lang="en-US" sz="3000" dirty="0" smtClean="0"/>
-              <a:t>valid and change the attendance status of their students.</a:t>
+              <a:rPr lang="en-US"/>
+              <a:t>beginning</a:t>
             </a:r>
+            <a:r>
+              <a:rPr lang="en-US"/>
+              <a:t> of class and at end.</a:t>
+            </a:r>
+            <a:endParaRPr/>
           </a:p>
           <a:p>
-            <a:pPr indent="-419100">
-              <a:lnSpc>
-                <a:spcPct val="90000"/>
-              </a:lnSpc>
-              <a:buSzPts val="3000"/>
-              <a:buFont typeface="Roboto"/>
-              <a:buChar char="●"/>
+            <a:pPr indent="-342900" lvl="0" marL="457200" rtl="0" algn="l">
+              <a:spcBef>
+                <a:spcPts val="0"/>
+              </a:spcBef>
+              <a:spcAft>
+                <a:spcPts val="0"/>
+              </a:spcAft>
+              <a:buSzPts val="1800"/>
+              <a:buAutoNum type="arabicPeriod"/>
             </a:pPr>
             <a:r>
-              <a:rPr lang="en-US" sz="3000" dirty="0" smtClean="0"/>
-              <a:t>The attendance status will be color coded(red, yellow, green)</a:t>
+              <a:rPr lang="en-US"/>
+              <a:t>Finally generate code numbers to drive the purpose of the application.</a:t>
             </a:r>
-            <a:endParaRPr lang="en-US" sz="3000" dirty="0"/>
+            <a:endParaRPr/>
           </a:p>
           <a:p>
-            <a:pPr indent="-419100">
-              <a:lnSpc>
-                <a:spcPct val="90000"/>
-              </a:lnSpc>
-              <a:buSzPts val="3000"/>
-              <a:buFont typeface="Roboto"/>
-              <a:buChar char="●"/>
-            </a:pPr>
-            <a:endParaRPr lang="en-US" sz="3000" dirty="0" smtClean="0"/>
-          </a:p>
-          <a:p>
-            <a:pPr lvl="0" indent="-419100">
-              <a:lnSpc>
-                <a:spcPct val="90000"/>
-              </a:lnSpc>
-              <a:buSzPts val="3000"/>
-              <a:buChar char="●"/>
+            <a:pPr indent="-342900" lvl="0" marL="457200" rtl="0" algn="l">
+              <a:spcBef>
+                <a:spcPts val="0"/>
+              </a:spcBef>
+              <a:spcAft>
+                <a:spcPts val="0"/>
+              </a:spcAft>
+              <a:buSzPts val="1800"/>
+              <a:buAutoNum type="arabicPeriod"/>
             </a:pPr>
             <a:r>
-              <a:rPr lang="en-US" sz="3000" dirty="0" smtClean="0"/>
-              <a:t>We </a:t>
+              <a:rPr lang="en-US"/>
+              <a:t>Test code for errors and fix any bugs found within the program.</a:t>
             </a:r>
-            <a:r>
-              <a:rPr lang="en-US" sz="3000" dirty="0"/>
-              <a:t>also hope to implement a feature that will require students to stay in class, such as a second check-in closer to the end of class. This way, students must stay for the majority of class to be considered present.</a:t>
-            </a:r>
-          </a:p>
-          <a:p>
-            <a:pPr marL="457200" lvl="0" indent="-419100" algn="l" rtl="0">
-              <a:lnSpc>
-                <a:spcPct val="90000"/>
-              </a:lnSpc>
-              <a:spcBef>
-                <a:spcPts val="0"/>
-              </a:spcBef>
-              <a:spcAft>
-                <a:spcPts val="0"/>
-              </a:spcAft>
-              <a:buSzPts val="3000"/>
-              <a:buChar char="●"/>
-            </a:pPr>
-            <a:endParaRPr lang="en-US" sz="3000" dirty="0"/>
-          </a:p>
-          <a:p>
-            <a:pPr marL="457200" lvl="0" indent="-419100" algn="l" rtl="0">
-              <a:lnSpc>
-                <a:spcPct val="90000"/>
-              </a:lnSpc>
-              <a:spcBef>
-                <a:spcPts val="0"/>
-              </a:spcBef>
-              <a:spcAft>
-                <a:spcPts val="0"/>
-              </a:spcAft>
-              <a:buSzPts val="3000"/>
-              <a:buChar char="●"/>
-            </a:pPr>
-            <a:endParaRPr lang="en-US" sz="3000" dirty="0" smtClean="0"/>
-          </a:p>
-          <a:p>
-            <a:pPr marL="495300" lvl="1" indent="0">
-              <a:lnSpc>
-                <a:spcPct val="90000"/>
-              </a:lnSpc>
-              <a:buSzPts val="3000"/>
-            </a:pPr>
-            <a:endParaRPr sz="3000" dirty="0"/>
-          </a:p>
-          <a:p>
-            <a:pPr marL="228600" lvl="0" indent="-50800" algn="l" rtl="0">
-              <a:lnSpc>
-                <a:spcPct val="90000"/>
-              </a:lnSpc>
-              <a:spcBef>
-                <a:spcPts val="1000"/>
-              </a:spcBef>
-              <a:spcAft>
-                <a:spcPts val="0"/>
-              </a:spcAft>
-              <a:buClr>
-                <a:schemeClr val="dk1"/>
-              </a:buClr>
-              <a:buSzPts val="2800"/>
-              <a:buNone/>
-            </a:pPr>
-            <a:endParaRPr dirty="0"/>
-          </a:p>
-          <a:p>
-            <a:pPr marL="228600" lvl="0" indent="-50800" algn="l" rtl="0">
-              <a:lnSpc>
-                <a:spcPct val="90000"/>
-              </a:lnSpc>
-              <a:spcBef>
-                <a:spcPts val="1000"/>
-              </a:spcBef>
-              <a:spcAft>
-                <a:spcPts val="0"/>
-              </a:spcAft>
-              <a:buClr>
-                <a:schemeClr val="dk1"/>
-              </a:buClr>
-              <a:buSzPts val="2800"/>
-              <a:buNone/>
-            </a:pPr>
-            <a:endParaRPr dirty="0"/>
-          </a:p>
-          <a:p>
-            <a:pPr marL="228600" lvl="0" indent="-50800" algn="l" rtl="0">
-              <a:lnSpc>
-                <a:spcPct val="90000"/>
-              </a:lnSpc>
-              <a:spcBef>
-                <a:spcPts val="1000"/>
-              </a:spcBef>
-              <a:spcAft>
-                <a:spcPts val="0"/>
-              </a:spcAft>
-              <a:buClr>
-                <a:schemeClr val="dk1"/>
-              </a:buClr>
-              <a:buSzPts val="2800"/>
-              <a:buNone/>
-            </a:pPr>
-            <a:endParaRPr dirty="0"/>
+            <a:endParaRPr/>
           </a:p>
         </p:txBody>
       </p:sp>
     </p:spTree>
-    <p:extLst>
-      <p:ext uri="{BB962C8B-B14F-4D97-AF65-F5344CB8AC3E}">
-        <p14:creationId xmlns:p14="http://schemas.microsoft.com/office/powerpoint/2010/main" val="3594689519"/>
-      </p:ext>
-    </p:extLst>
   </p:cSld>
   <p:clrMapOvr>
     <a:masterClrMapping/>
@@ -8468,11 +9322,11 @@
 </file>
 
 <file path=ppt/slides/slide5.xml><?xml version="1.0" encoding="utf-8"?>
-<p:sld xmlns:a="http://schemas.openxmlformats.org/drawingml/2006/main" xmlns:r="http://schemas.openxmlformats.org/officeDocument/2006/relationships" xmlns:p="http://schemas.openxmlformats.org/presentationml/2006/main">
+<p:sld xmlns:a="http://schemas.openxmlformats.org/drawingml/2006/main" xmlns:r="http://schemas.openxmlformats.org/officeDocument/2006/relationships" xmlns:mc="http://schemas.openxmlformats.org/markup-compatibility/2006" xmlns:mv="urn:schemas-microsoft-com:mac:vml" xmlns:p="http://schemas.openxmlformats.org/presentationml/2006/main" xmlns:c="http://schemas.openxmlformats.org/drawingml/2006/chart" xmlns:dgm="http://schemas.openxmlformats.org/drawingml/2006/diagram" xmlns:o="urn:schemas-microsoft-com:office:office" xmlns:v="urn:schemas-microsoft-com:vml" xmlns:pvml="urn:schemas-microsoft-com:office:powerpoint" xmlns:com="http://schemas.openxmlformats.org/drawingml/2006/compatibility" xmlns:p14="http://schemas.microsoft.com/office/powerpoint/2010/main" xmlns:p15="http://schemas.microsoft.com/office/powerpoint/2012/main">
   <p:cSld>
     <p:spTree>
       <p:nvGrpSpPr>
-        <p:cNvPr id="1" name="Shape 102"/>
+        <p:cNvPr id="114" name="Shape 114"/>
         <p:cNvGrpSpPr/>
         <p:nvPr/>
       </p:nvGrpSpPr>
@@ -8486,18 +9340,16 @@
       </p:grpSpPr>
       <p:sp>
         <p:nvSpPr>
-          <p:cNvPr id="103" name="Google Shape;103;p16"/>
-          <p:cNvSpPr txBox="1">
-            <a:spLocks noGrp="1"/>
-          </p:cNvSpPr>
+          <p:cNvPr id="115" name="Google Shape;115;p18"/>
+          <p:cNvSpPr txBox="1"/>
           <p:nvPr>
-            <p:ph type="ctrTitle"/>
+            <p:ph type="title"/>
           </p:nvPr>
         </p:nvSpPr>
         <p:spPr>
           <a:xfrm>
             <a:off x="838200" y="365125"/>
-            <a:ext cx="10515600" cy="1325700"/>
+            <a:ext cx="10515600" cy="1325563"/>
           </a:xfrm>
           <a:prstGeom prst="rect">
             <a:avLst/>
@@ -8508,12 +9360,12 @@
           </a:ln>
         </p:spPr>
         <p:txBody>
-          <a:bodyPr spcFirstLastPara="1" wrap="square" lIns="91425" tIns="45700" rIns="91425" bIns="45700" anchor="ctr" anchorCtr="0">
+          <a:bodyPr anchorCtr="0" anchor="ctr" bIns="45700" lIns="91425" spcFirstLastPara="1" rIns="91425" wrap="square" tIns="45700">
             <a:noAutofit/>
           </a:bodyPr>
           <a:lstStyle/>
           <a:p>
-            <a:pPr marL="0" lvl="0" indent="0" algn="ctr" rtl="0">
+            <a:pPr indent="0" lvl="0" marL="0" rtl="0" algn="ctr">
               <a:lnSpc>
                 <a:spcPct val="90000"/>
               </a:lnSpc>
@@ -8532,7 +9384,7 @@
             </a:pPr>
             <a:r>
               <a:rPr lang="en-US"/>
-              <a:t>Important Info</a:t>
+              <a:t>Summary</a:t>
             </a:r>
             <a:endParaRPr/>
           </a:p>
@@ -8540,18 +9392,16 @@
       </p:sp>
       <p:sp>
         <p:nvSpPr>
-          <p:cNvPr id="104" name="Google Shape;104;p16"/>
-          <p:cNvSpPr txBox="1">
-            <a:spLocks noGrp="1"/>
-          </p:cNvSpPr>
+          <p:cNvPr id="116" name="Google Shape;116;p18"/>
+          <p:cNvSpPr txBox="1"/>
           <p:nvPr>
-            <p:ph type="subTitle" idx="1"/>
+            <p:ph idx="1" type="body"/>
           </p:nvPr>
         </p:nvSpPr>
         <p:spPr>
           <a:xfrm>
             <a:off x="838200" y="1825625"/>
-            <a:ext cx="10515600" cy="4351200"/>
+            <a:ext cx="10515600" cy="4351338"/>
           </a:xfrm>
           <a:prstGeom prst="rect">
             <a:avLst/>
@@ -8562,95 +9412,80 @@
           </a:ln>
         </p:spPr>
         <p:txBody>
-          <a:bodyPr spcFirstLastPara="1" wrap="square" lIns="91425" tIns="45700" rIns="91425" bIns="45700" anchor="t" anchorCtr="0">
+          <a:bodyPr anchorCtr="0" anchor="t" bIns="45700" lIns="91425" spcFirstLastPara="1" rIns="91425" wrap="square" tIns="45700">
             <a:noAutofit/>
           </a:bodyPr>
           <a:lstStyle/>
           <a:p>
-            <a:pPr marL="457200" lvl="0" indent="-406400" algn="l" rtl="0">
+            <a:pPr indent="-228600" lvl="0" marL="228600" rtl="0" algn="l">
               <a:lnSpc>
                 <a:spcPct val="90000"/>
               </a:lnSpc>
               <a:spcBef>
-                <a:spcPts val="1000"/>
-              </a:spcBef>
-              <a:spcAft>
-                <a:spcPts val="0"/>
-              </a:spcAft>
+                <a:spcPts val="0"/>
+              </a:spcBef>
+              <a:spcAft>
+                <a:spcPts val="0"/>
+              </a:spcAft>
+              <a:buClr>
+                <a:schemeClr val="dk1"/>
+              </a:buClr>
               <a:buSzPts val="2800"/>
               <a:buChar char="●"/>
             </a:pPr>
             <a:r>
-              <a:rPr lang="en-US" dirty="0"/>
-              <a:t>We will be primarily using the Python language to make this application</a:t>
+              <a:rPr lang="en-US"/>
+              <a:t>After we are done you should be able to put in your code number that is unique to both the professor and the student.</a:t>
             </a:r>
-            <a:r>
-              <a:rPr lang="en-US" dirty="0" smtClean="0"/>
-              <a:t>.</a:t>
-            </a:r>
-            <a:endParaRPr dirty="0"/>
+            <a:endParaRPr/>
           </a:p>
           <a:p>
-            <a:pPr marL="457200" lvl="0" indent="-406400" algn="l" rtl="0">
+            <a:pPr indent="-228600" lvl="0" marL="228600" rtl="0" algn="l">
               <a:lnSpc>
                 <a:spcPct val="90000"/>
               </a:lnSpc>
               <a:spcBef>
-                <a:spcPts val="0"/>
-              </a:spcBef>
-              <a:spcAft>
-                <a:spcPts val="0"/>
-              </a:spcAft>
+                <a:spcPts val="1000"/>
+              </a:spcBef>
+              <a:spcAft>
+                <a:spcPts val="0"/>
+              </a:spcAft>
+              <a:buClr>
+                <a:schemeClr val="dk1"/>
+              </a:buClr>
               <a:buSzPts val="2800"/>
               <a:buChar char="●"/>
             </a:pPr>
             <a:r>
-              <a:rPr lang="en-US" dirty="0"/>
-              <a:t>There is a python library called “</a:t>
+              <a:rPr lang="en-US"/>
+              <a:t>For the sake of ease, on the professor’s side the condition of attendance will be color coded.(The color codes we have now are green, yellow, and red, with more color codes to come.)</a:t>
             </a:r>
-            <a:r>
-              <a:rPr lang="en-US" dirty="0" err="1"/>
-              <a:t>Tkinter</a:t>
-            </a:r>
-            <a:r>
-              <a:rPr lang="en-US" dirty="0"/>
-              <a:t>” that seems promising to start development </a:t>
-            </a:r>
-            <a:r>
-              <a:rPr lang="en-US" dirty="0" smtClean="0"/>
-              <a:t>of </a:t>
-            </a:r>
-            <a:r>
-              <a:rPr lang="en-US" dirty="0"/>
-              <a:t>our application</a:t>
-            </a:r>
-            <a:r>
-              <a:rPr lang="en-US" dirty="0" smtClean="0"/>
-              <a:t>.</a:t>
-            </a:r>
+            <a:endParaRPr/>
           </a:p>
           <a:p>
-            <a:pPr marL="457200" lvl="0" indent="-406400" algn="l" rtl="0">
+            <a:pPr indent="-50800" lvl="0" marL="228600" rtl="0" algn="l">
               <a:lnSpc>
                 <a:spcPct val="90000"/>
               </a:lnSpc>
               <a:spcBef>
-                <a:spcPts val="0"/>
-              </a:spcBef>
-              <a:spcAft>
-                <a:spcPts val="0"/>
-              </a:spcAft>
+                <a:spcPts val="1000"/>
+              </a:spcBef>
+              <a:spcAft>
+                <a:spcPts val="0"/>
+              </a:spcAft>
+              <a:buClr>
+                <a:schemeClr val="dk1"/>
+              </a:buClr>
               <a:buSzPts val="2800"/>
-              <a:buChar char="●"/>
+              <a:buNone/>
             </a:pPr>
             <a:r>
-              <a:rPr lang="en-US" dirty="0" smtClean="0"/>
-              <a:t>We will also utilize HTML , MySQL, and other technologies if applicable to develop our website and database.</a:t>
+              <a:t/>
             </a:r>
-            <a:endParaRPr dirty="0"/>
+            <a:endParaRPr/>
           </a:p>
           <a:p>
-            <a:pPr marL="0" lvl="0" indent="0" algn="l" rtl="0">
+            <a:pPr indent="-50800" lvl="0" marL="228600" rtl="0" algn="l">
               <a:lnSpc>
                 <a:spcPct val="90000"/>
               </a:lnSpc>
@@ -8660,12 +9495,19 @@
               <a:spcAft>
                 <a:spcPts val="0"/>
               </a:spcAft>
+              <a:buClr>
+                <a:schemeClr val="dk1"/>
+              </a:buClr>
+              <a:buSzPts val="2800"/>
               <a:buNone/>
             </a:pPr>
-            <a:endParaRPr lang="en-US" dirty="0" smtClean="0"/>
+            <a:r>
+              <a:t/>
+            </a:r>
+            <a:endParaRPr/>
           </a:p>
           <a:p>
-            <a:pPr marL="0" lvl="0" indent="0" algn="l" rtl="0">
+            <a:pPr indent="-50800" lvl="0" marL="228600" rtl="0" algn="l">
               <a:lnSpc>
                 <a:spcPct val="90000"/>
               </a:lnSpc>
@@ -8673,68 +9515,18 @@
                 <a:spcPts val="1000"/>
               </a:spcBef>
               <a:spcAft>
-                <a:spcPts val="0"/>
-              </a:spcAft>
+                <a:spcPts val="2100"/>
+              </a:spcAft>
+              <a:buClr>
+                <a:schemeClr val="dk1"/>
+              </a:buClr>
+              <a:buSzPts val="2800"/>
               <a:buNone/>
             </a:pPr>
-            <a:endParaRPr dirty="0"/>
-          </a:p>
-          <a:p>
-            <a:pPr marL="228600" lvl="0" indent="-50800" algn="l" rtl="0">
-              <a:lnSpc>
-                <a:spcPct val="90000"/>
-              </a:lnSpc>
-              <a:spcBef>
-                <a:spcPts val="1000"/>
-              </a:spcBef>
-              <a:spcAft>
-                <a:spcPts val="0"/>
-              </a:spcAft>
-              <a:buClr>
-                <a:schemeClr val="dk1"/>
-              </a:buClr>
-              <a:buSzPts val="2800"/>
-              <a:buNone/>
-            </a:pPr>
-            <a:endParaRPr dirty="0"/>
-          </a:p>
-          <a:p>
-            <a:pPr marL="228600" lvl="0" indent="-50800" algn="l" rtl="0">
-              <a:lnSpc>
-                <a:spcPct val="90000"/>
-              </a:lnSpc>
-              <a:spcBef>
-                <a:spcPts val="1000"/>
-              </a:spcBef>
-              <a:spcAft>
-                <a:spcPts val="0"/>
-              </a:spcAft>
-              <a:buClr>
-                <a:schemeClr val="dk1"/>
-              </a:buClr>
-              <a:buSzPts val="2800"/>
-              <a:buNone/>
-            </a:pPr>
-            <a:endParaRPr dirty="0"/>
-          </a:p>
-          <a:p>
-            <a:pPr marL="177800" lvl="0" indent="0" algn="l" rtl="0">
-              <a:lnSpc>
-                <a:spcPct val="90000"/>
-              </a:lnSpc>
-              <a:spcBef>
-                <a:spcPts val="1000"/>
-              </a:spcBef>
-              <a:spcAft>
-                <a:spcPts val="0"/>
-              </a:spcAft>
-              <a:buClr>
-                <a:schemeClr val="dk1"/>
-              </a:buClr>
-              <a:buSzPts val="2800"/>
-              <a:buNone/>
-            </a:pPr>
-            <a:endParaRPr dirty="0"/>
+            <a:r>
+              <a:t/>
+            </a:r>
+            <a:endParaRPr/>
           </a:p>
         </p:txBody>
       </p:sp>
@@ -8746,694 +9538,287 @@
 </p:sld>
 </file>
 
-<file path=ppt/slides/slide6.xml><?xml version="1.0" encoding="utf-8"?>
-<p:sld xmlns:a="http://schemas.openxmlformats.org/drawingml/2006/main" xmlns:r="http://schemas.openxmlformats.org/officeDocument/2006/relationships" xmlns:p="http://schemas.openxmlformats.org/presentationml/2006/main">
-  <p:cSld>
-    <p:spTree>
-      <p:nvGrpSpPr>
-        <p:cNvPr id="1" name="Shape 102"/>
-        <p:cNvGrpSpPr/>
-        <p:nvPr/>
-      </p:nvGrpSpPr>
-      <p:grpSpPr>
-        <a:xfrm>
-          <a:off x="0" y="0"/>
-          <a:ext cx="0" cy="0"/>
-          <a:chOff x="0" y="0"/>
-          <a:chExt cx="0" cy="0"/>
-        </a:xfrm>
-      </p:grpSpPr>
-      <p:sp>
-        <p:nvSpPr>
-          <p:cNvPr id="103" name="Google Shape;103;p16"/>
-          <p:cNvSpPr txBox="1">
-            <a:spLocks noGrp="1"/>
-          </p:cNvSpPr>
-          <p:nvPr>
-            <p:ph type="ctrTitle"/>
-          </p:nvPr>
-        </p:nvSpPr>
-        <p:spPr>
-          <a:xfrm>
-            <a:off x="838200" y="365125"/>
-            <a:ext cx="10515600" cy="1325700"/>
-          </a:xfrm>
-          <a:prstGeom prst="rect">
-            <a:avLst/>
-          </a:prstGeom>
-          <a:noFill/>
-          <a:ln>
-            <a:noFill/>
-          </a:ln>
-        </p:spPr>
-        <p:txBody>
-          <a:bodyPr spcFirstLastPara="1" wrap="square" lIns="91425" tIns="45700" rIns="91425" bIns="45700" anchor="ctr" anchorCtr="0">
-            <a:noAutofit/>
-          </a:bodyPr>
-          <a:lstStyle/>
-          <a:p>
-            <a:pPr lvl="0" algn="ctr">
-              <a:lnSpc>
-                <a:spcPct val="90000"/>
-              </a:lnSpc>
-              <a:buClr>
-                <a:schemeClr val="dk1"/>
-              </a:buClr>
-              <a:buSzPts val="4400"/>
-            </a:pPr>
-            <a:r>
-              <a:rPr lang="en-US" dirty="0" smtClean="0"/>
-              <a:t>Some Objectives</a:t>
-            </a:r>
-            <a:endParaRPr dirty="0"/>
-          </a:p>
-        </p:txBody>
-      </p:sp>
-      <p:sp>
-        <p:nvSpPr>
-          <p:cNvPr id="104" name="Google Shape;104;p16"/>
-          <p:cNvSpPr txBox="1">
-            <a:spLocks noGrp="1"/>
-          </p:cNvSpPr>
-          <p:nvPr>
-            <p:ph type="subTitle" idx="1"/>
-          </p:nvPr>
-        </p:nvSpPr>
-        <p:spPr>
-          <a:xfrm>
-            <a:off x="838200" y="1825625"/>
-            <a:ext cx="10515600" cy="4351200"/>
-          </a:xfrm>
-          <a:prstGeom prst="rect">
-            <a:avLst/>
-          </a:prstGeom>
-          <a:noFill/>
-          <a:ln>
-            <a:noFill/>
-          </a:ln>
-        </p:spPr>
-        <p:txBody>
-          <a:bodyPr spcFirstLastPara="1" wrap="square" lIns="91425" tIns="45700" rIns="91425" bIns="45700" anchor="t" anchorCtr="0">
-            <a:noAutofit/>
-          </a:bodyPr>
-          <a:lstStyle/>
-          <a:p>
-            <a:pPr lvl="0" indent="-457200" algn="l" rtl="0">
-              <a:lnSpc>
-                <a:spcPct val="90000"/>
-              </a:lnSpc>
-              <a:spcBef>
-                <a:spcPts val="1000"/>
-              </a:spcBef>
-              <a:spcAft>
-                <a:spcPts val="0"/>
-              </a:spcAft>
-              <a:buFont typeface="Arial" panose="020B0604020202020204" pitchFamily="34" charset="0"/>
-              <a:buChar char="•"/>
-            </a:pPr>
-            <a:r>
-              <a:rPr lang="en-US" dirty="0" smtClean="0"/>
-              <a:t>Create a webpage that accepts user input. Students will enter their student id to mark themselves present. We may have the page generate a code the student much enter.</a:t>
-            </a:r>
-          </a:p>
-          <a:p>
-            <a:pPr lvl="0" indent="-457200" algn="l" rtl="0">
-              <a:lnSpc>
-                <a:spcPct val="90000"/>
-              </a:lnSpc>
-              <a:spcBef>
-                <a:spcPts val="1000"/>
-              </a:spcBef>
-              <a:spcAft>
-                <a:spcPts val="0"/>
-              </a:spcAft>
-              <a:buFont typeface="Arial" panose="020B0604020202020204" pitchFamily="34" charset="0"/>
-              <a:buChar char="•"/>
-            </a:pPr>
-            <a:r>
-              <a:rPr lang="en-US" dirty="0" smtClean="0"/>
-              <a:t>Create a python program that receives the input and uses it to retrieve/update our database.</a:t>
-            </a:r>
-          </a:p>
-          <a:p>
-            <a:pPr lvl="0" indent="-457200" algn="l" rtl="0">
-              <a:lnSpc>
-                <a:spcPct val="90000"/>
-              </a:lnSpc>
-              <a:spcBef>
-                <a:spcPts val="1000"/>
-              </a:spcBef>
-              <a:spcAft>
-                <a:spcPts val="0"/>
-              </a:spcAft>
-              <a:buFont typeface="Arial" panose="020B0604020202020204" pitchFamily="34" charset="0"/>
-              <a:buChar char="•"/>
-            </a:pPr>
-            <a:r>
-              <a:rPr lang="en-US" dirty="0" smtClean="0"/>
-              <a:t>Create a webpage the instructor can use to query info about the student from the database.</a:t>
-            </a:r>
-          </a:p>
-          <a:p>
-            <a:pPr lvl="0" indent="-457200">
-              <a:lnSpc>
-                <a:spcPct val="90000"/>
-              </a:lnSpc>
-              <a:spcBef>
-                <a:spcPts val="1000"/>
-              </a:spcBef>
-              <a:buFont typeface="Arial" panose="020B0604020202020204" pitchFamily="34" charset="0"/>
-              <a:buChar char="•"/>
-            </a:pPr>
-            <a:r>
-              <a:rPr lang="en-US" dirty="0" smtClean="0"/>
-              <a:t>Possibly use our python app to generate codes in order </a:t>
-            </a:r>
-            <a:r>
-              <a:rPr lang="en-US" dirty="0"/>
-              <a:t>to enforce 2 factor </a:t>
-            </a:r>
-            <a:r>
-              <a:rPr lang="en-US" dirty="0" smtClean="0"/>
-              <a:t>authentication. </a:t>
-            </a:r>
-          </a:p>
-          <a:p>
-            <a:pPr lvl="0" indent="-457200" algn="l" rtl="0">
-              <a:lnSpc>
-                <a:spcPct val="90000"/>
-              </a:lnSpc>
-              <a:spcBef>
-                <a:spcPts val="1000"/>
-              </a:spcBef>
-              <a:spcAft>
-                <a:spcPts val="0"/>
-              </a:spcAft>
-              <a:buFont typeface="Arial" panose="020B0604020202020204" pitchFamily="34" charset="0"/>
-              <a:buChar char="•"/>
-            </a:pPr>
-            <a:endParaRPr lang="en-US" dirty="0" smtClean="0"/>
-          </a:p>
-          <a:p>
-            <a:pPr marL="0" lvl="0" indent="0" algn="l" rtl="0">
-              <a:lnSpc>
-                <a:spcPct val="90000"/>
-              </a:lnSpc>
-              <a:spcBef>
-                <a:spcPts val="1000"/>
-              </a:spcBef>
-              <a:spcAft>
-                <a:spcPts val="0"/>
-              </a:spcAft>
-              <a:buNone/>
-            </a:pPr>
-            <a:endParaRPr dirty="0"/>
-          </a:p>
-          <a:p>
-            <a:pPr marL="228600" lvl="0" indent="-50800" algn="l" rtl="0">
-              <a:lnSpc>
-                <a:spcPct val="90000"/>
-              </a:lnSpc>
-              <a:spcBef>
-                <a:spcPts val="1000"/>
-              </a:spcBef>
-              <a:spcAft>
-                <a:spcPts val="0"/>
-              </a:spcAft>
-              <a:buClr>
-                <a:schemeClr val="dk1"/>
-              </a:buClr>
-              <a:buSzPts val="2800"/>
-              <a:buNone/>
-            </a:pPr>
-            <a:endParaRPr dirty="0"/>
-          </a:p>
-          <a:p>
-            <a:pPr marL="228600" lvl="0" indent="-50800" algn="l" rtl="0">
-              <a:lnSpc>
-                <a:spcPct val="90000"/>
-              </a:lnSpc>
-              <a:spcBef>
-                <a:spcPts val="1000"/>
-              </a:spcBef>
-              <a:spcAft>
-                <a:spcPts val="0"/>
-              </a:spcAft>
-              <a:buClr>
-                <a:schemeClr val="dk1"/>
-              </a:buClr>
-              <a:buSzPts val="2800"/>
-              <a:buNone/>
-            </a:pPr>
-            <a:endParaRPr dirty="0"/>
-          </a:p>
-          <a:p>
-            <a:pPr marL="177800" lvl="0" indent="0" algn="l" rtl="0">
-              <a:lnSpc>
-                <a:spcPct val="90000"/>
-              </a:lnSpc>
-              <a:spcBef>
-                <a:spcPts val="1000"/>
-              </a:spcBef>
-              <a:spcAft>
-                <a:spcPts val="0"/>
-              </a:spcAft>
-              <a:buClr>
-                <a:schemeClr val="dk1"/>
-              </a:buClr>
-              <a:buSzPts val="2800"/>
-              <a:buNone/>
-            </a:pPr>
-            <a:endParaRPr dirty="0"/>
-          </a:p>
-        </p:txBody>
-      </p:sp>
-    </p:spTree>
-    <p:extLst>
-      <p:ext uri="{BB962C8B-B14F-4D97-AF65-F5344CB8AC3E}">
-        <p14:creationId xmlns:p14="http://schemas.microsoft.com/office/powerpoint/2010/main" val="2540357843"/>
-      </p:ext>
-    </p:extLst>
-  </p:cSld>
-  <p:clrMapOvr>
-    <a:masterClrMapping/>
-  </p:clrMapOvr>
-</p:sld>
+<file path=ppt/theme/theme1.xml><?xml version="1.0" encoding="utf-8"?>
+<a:theme xmlns:a="http://schemas.openxmlformats.org/drawingml/2006/main" xmlns:r="http://schemas.openxmlformats.org/officeDocument/2006/relationships">
+  <a:themeElements>
+    <a:clrScheme name="Default">
+      <a:dk1>
+        <a:srgbClr val="000000"/>
+      </a:dk1>
+      <a:lt1>
+        <a:srgbClr val="FFFFFF"/>
+      </a:lt1>
+      <a:dk2>
+        <a:srgbClr val="158158"/>
+      </a:dk2>
+      <a:lt2>
+        <a:srgbClr val="F3F3F3"/>
+      </a:lt2>
+      <a:accent1>
+        <a:srgbClr val="058DC7"/>
+      </a:accent1>
+      <a:accent2>
+        <a:srgbClr val="50B432"/>
+      </a:accent2>
+      <a:accent3>
+        <a:srgbClr val="ED561B"/>
+      </a:accent3>
+      <a:accent4>
+        <a:srgbClr val="EDEF00"/>
+      </a:accent4>
+      <a:accent5>
+        <a:srgbClr val="24CBE5"/>
+      </a:accent5>
+      <a:accent6>
+        <a:srgbClr val="64E572"/>
+      </a:accent6>
+      <a:hlink>
+        <a:srgbClr val="2200CC"/>
+      </a:hlink>
+      <a:folHlink>
+        <a:srgbClr val="551A8B"/>
+      </a:folHlink>
+    </a:clrScheme>
+    <a:fontScheme name="Office">
+      <a:majorFont>
+        <a:latin typeface="Arial"/>
+        <a:ea typeface=""/>
+        <a:cs typeface=""/>
+        <a:font script="Jpan" typeface="ＭＳ Ｐゴシック"/>
+        <a:font script="Hang" typeface="맑은 고딕"/>
+        <a:font script="Hans" typeface="宋体"/>
+        <a:font script="Hant" typeface="新細明體"/>
+        <a:font script="Arab" typeface="Times New Roman"/>
+        <a:font script="Hebr" typeface="Times New Roman"/>
+        <a:font script="Thai" typeface="Angsana New"/>
+        <a:font script="Ethi" typeface="Nyala"/>
+        <a:font script="Beng" typeface="Vrinda"/>
+        <a:font script="Gujr" typeface="Shruti"/>
+        <a:font script="Khmr" typeface="MoolBoran"/>
+        <a:font script="Knda" typeface="Tunga"/>
+        <a:font script="Guru" typeface="Raavi"/>
+        <a:font script="Cans" typeface="Euphemia"/>
+        <a:font script="Cher" typeface="Plantagenet Cherokee"/>
+        <a:font script="Yiii" typeface="Microsoft Yi Baiti"/>
+        <a:font script="Tibt" typeface="Microsoft Himalaya"/>
+        <a:font script="Thaa" typeface="MV Boli"/>
+        <a:font script="Deva" typeface="Mangal"/>
+        <a:font script="Telu" typeface="Gautami"/>
+        <a:font script="Taml" typeface="Latha"/>
+        <a:font script="Syrc" typeface="Estrangelo Edessa"/>
+        <a:font script="Orya" typeface="Kalinga"/>
+        <a:font script="Mlym" typeface="Kartika"/>
+        <a:font script="Laoo" typeface="DokChampa"/>
+        <a:font script="Sinh" typeface="Iskoola Pota"/>
+        <a:font script="Mong" typeface="Mongolian Baiti"/>
+        <a:font script="Viet" typeface="Times New Roman"/>
+        <a:font script="Uigh" typeface="Microsoft Uighur"/>
+        <a:font script="Geor" typeface="Sylfaen"/>
+      </a:majorFont>
+      <a:minorFont>
+        <a:latin typeface="Arial"/>
+        <a:ea typeface=""/>
+        <a:cs typeface=""/>
+        <a:font script="Jpan" typeface="ＭＳ Ｐゴシック"/>
+        <a:font script="Hang" typeface="맑은 고딕"/>
+        <a:font script="Hans" typeface="宋体"/>
+        <a:font script="Hant" typeface="新細明體"/>
+        <a:font script="Arab" typeface="Arial"/>
+        <a:font script="Hebr" typeface="Arial"/>
+        <a:font script="Thai" typeface="Cordia New"/>
+        <a:font script="Ethi" typeface="Nyala"/>
+        <a:font script="Beng" typeface="Vrinda"/>
+        <a:font script="Gujr" typeface="Shruti"/>
+        <a:font script="Khmr" typeface="DaunPenh"/>
+        <a:font script="Knda" typeface="Tunga"/>
+        <a:font script="Guru" typeface="Raavi"/>
+        <a:font script="Cans" typeface="Euphemia"/>
+        <a:font script="Cher" typeface="Plantagenet Cherokee"/>
+        <a:font script="Yiii" typeface="Microsoft Yi Baiti"/>
+        <a:font script="Tibt" typeface="Microsoft Himalaya"/>
+        <a:font script="Thaa" typeface="MV Boli"/>
+        <a:font script="Deva" typeface="Mangal"/>
+        <a:font script="Telu" typeface="Gautami"/>
+        <a:font script="Taml" typeface="Latha"/>
+        <a:font script="Syrc" typeface="Estrangelo Edessa"/>
+        <a:font script="Orya" typeface="Kalinga"/>
+        <a:font script="Mlym" typeface="Kartika"/>
+        <a:font script="Laoo" typeface="DokChampa"/>
+        <a:font script="Sinh" typeface="Iskoola Pota"/>
+        <a:font script="Mong" typeface="Mongolian Baiti"/>
+        <a:font script="Viet" typeface="Arial"/>
+        <a:font script="Uigh" typeface="Microsoft Uighur"/>
+        <a:font script="Geor" typeface="Sylfaen"/>
+      </a:minorFont>
+    </a:fontScheme>
+    <a:fmtScheme name="Office">
+      <a:fillStyleLst>
+        <a:solidFill>
+          <a:schemeClr val="phClr"/>
+        </a:solidFill>
+        <a:gradFill rotWithShape="1">
+          <a:gsLst>
+            <a:gs pos="0">
+              <a:schemeClr val="phClr">
+                <a:tint val="50000"/>
+                <a:satMod val="300000"/>
+              </a:schemeClr>
+            </a:gs>
+            <a:gs pos="35000">
+              <a:schemeClr val="phClr">
+                <a:tint val="37000"/>
+                <a:satMod val="300000"/>
+              </a:schemeClr>
+            </a:gs>
+            <a:gs pos="100000">
+              <a:schemeClr val="phClr">
+                <a:tint val="15000"/>
+                <a:satMod val="350000"/>
+              </a:schemeClr>
+            </a:gs>
+          </a:gsLst>
+          <a:lin ang="16200000" scaled="1"/>
+        </a:gradFill>
+        <a:gradFill rotWithShape="1">
+          <a:gsLst>
+            <a:gs pos="0">
+              <a:schemeClr val="phClr">
+                <a:tint val="100000"/>
+                <a:shade val="100000"/>
+                <a:satMod val="130000"/>
+              </a:schemeClr>
+            </a:gs>
+            <a:gs pos="100000">
+              <a:schemeClr val="phClr">
+                <a:tint val="50000"/>
+                <a:shade val="100000"/>
+                <a:satMod val="350000"/>
+              </a:schemeClr>
+            </a:gs>
+          </a:gsLst>
+          <a:lin ang="16200000" scaled="0"/>
+        </a:gradFill>
+      </a:fillStyleLst>
+      <a:lnStyleLst>
+        <a:ln w="9525" cap="flat" cmpd="sng" algn="ctr">
+          <a:solidFill>
+            <a:schemeClr val="phClr">
+              <a:shade val="95000"/>
+              <a:satMod val="105000"/>
+            </a:schemeClr>
+          </a:solidFill>
+          <a:prstDash val="solid"/>
+        </a:ln>
+        <a:ln w="25400" cap="flat" cmpd="sng" algn="ctr">
+          <a:solidFill>
+            <a:schemeClr val="phClr"/>
+          </a:solidFill>
+          <a:prstDash val="solid"/>
+        </a:ln>
+        <a:ln w="38100" cap="flat" cmpd="sng" algn="ctr">
+          <a:solidFill>
+            <a:schemeClr val="phClr"/>
+          </a:solidFill>
+          <a:prstDash val="solid"/>
+        </a:ln>
+      </a:lnStyleLst>
+      <a:effectStyleLst>
+        <a:effectStyle>
+          <a:effectLst>
+            <a:outerShdw blurRad="40000" dist="20000" dir="5400000" rotWithShape="0">
+              <a:srgbClr val="000000">
+                <a:alpha val="38000"/>
+              </a:srgbClr>
+            </a:outerShdw>
+          </a:effectLst>
+        </a:effectStyle>
+        <a:effectStyle>
+          <a:effectLst>
+            <a:outerShdw blurRad="40000" dist="23000" dir="5400000" rotWithShape="0">
+              <a:srgbClr val="000000">
+                <a:alpha val="35000"/>
+              </a:srgbClr>
+            </a:outerShdw>
+          </a:effectLst>
+        </a:effectStyle>
+        <a:effectStyle>
+          <a:effectLst>
+            <a:outerShdw blurRad="40000" dist="23000" dir="5400000" rotWithShape="0">
+              <a:srgbClr val="000000">
+                <a:alpha val="35000"/>
+              </a:srgbClr>
+            </a:outerShdw>
+          </a:effectLst>
+          <a:scene3d>
+            <a:camera prst="orthographicFront">
+              <a:rot lat="0" lon="0" rev="0"/>
+            </a:camera>
+            <a:lightRig rig="threePt" dir="t">
+              <a:rot lat="0" lon="0" rev="1200000"/>
+            </a:lightRig>
+          </a:scene3d>
+          <a:sp3d>
+            <a:bevelT w="63500" h="25400"/>
+          </a:sp3d>
+        </a:effectStyle>
+      </a:effectStyleLst>
+      <a:bgFillStyleLst>
+        <a:solidFill>
+          <a:schemeClr val="phClr"/>
+        </a:solidFill>
+        <a:gradFill rotWithShape="1">
+          <a:gsLst>
+            <a:gs pos="0">
+              <a:schemeClr val="phClr">
+                <a:tint val="40000"/>
+                <a:satMod val="350000"/>
+              </a:schemeClr>
+            </a:gs>
+            <a:gs pos="40000">
+              <a:schemeClr val="phClr">
+                <a:tint val="45000"/>
+                <a:shade val="99000"/>
+                <a:satMod val="350000"/>
+              </a:schemeClr>
+            </a:gs>
+            <a:gs pos="100000">
+              <a:schemeClr val="phClr">
+                <a:shade val="20000"/>
+                <a:satMod val="255000"/>
+              </a:schemeClr>
+            </a:gs>
+          </a:gsLst>
+          <a:path path="circle">
+            <a:fillToRect l="50000" t="-80000" r="50000" b="180000"/>
+          </a:path>
+        </a:gradFill>
+        <a:gradFill rotWithShape="1">
+          <a:gsLst>
+            <a:gs pos="0">
+              <a:schemeClr val="phClr">
+                <a:tint val="80000"/>
+                <a:satMod val="300000"/>
+              </a:schemeClr>
+            </a:gs>
+            <a:gs pos="100000">
+              <a:schemeClr val="phClr">
+                <a:shade val="30000"/>
+                <a:satMod val="200000"/>
+              </a:schemeClr>
+            </a:gs>
+          </a:gsLst>
+          <a:path path="circle">
+            <a:fillToRect l="50000" t="50000" r="50000" b="50000"/>
+          </a:path>
+        </a:gradFill>
+      </a:bgFillStyleLst>
+    </a:fmtScheme>
+  </a:themeElements>
+</a:theme>
 </file>
 
-<file path=ppt/slides/slide7.xml><?xml version="1.0" encoding="utf-8"?>
-<p:sld xmlns:a="http://schemas.openxmlformats.org/drawingml/2006/main" xmlns:r="http://schemas.openxmlformats.org/officeDocument/2006/relationships" xmlns:p="http://schemas.openxmlformats.org/presentationml/2006/main">
-  <p:cSld>
-    <p:spTree>
-      <p:nvGrpSpPr>
-        <p:cNvPr id="1" name="Shape 102"/>
-        <p:cNvGrpSpPr/>
-        <p:nvPr/>
-      </p:nvGrpSpPr>
-      <p:grpSpPr>
-        <a:xfrm>
-          <a:off x="0" y="0"/>
-          <a:ext cx="0" cy="0"/>
-          <a:chOff x="0" y="0"/>
-          <a:chExt cx="0" cy="0"/>
-        </a:xfrm>
-      </p:grpSpPr>
-      <p:sp>
-        <p:nvSpPr>
-          <p:cNvPr id="103" name="Google Shape;103;p16"/>
-          <p:cNvSpPr txBox="1">
-            <a:spLocks noGrp="1"/>
-          </p:cNvSpPr>
-          <p:nvPr>
-            <p:ph type="ctrTitle"/>
-          </p:nvPr>
-        </p:nvSpPr>
-        <p:spPr>
-          <a:xfrm>
-            <a:off x="838200" y="365125"/>
-            <a:ext cx="10515600" cy="1325700"/>
-          </a:xfrm>
-          <a:prstGeom prst="rect">
-            <a:avLst/>
-          </a:prstGeom>
-          <a:noFill/>
-          <a:ln>
-            <a:noFill/>
-          </a:ln>
-        </p:spPr>
-        <p:txBody>
-          <a:bodyPr spcFirstLastPara="1" wrap="square" lIns="91425" tIns="45700" rIns="91425" bIns="45700" anchor="ctr" anchorCtr="0">
-            <a:noAutofit/>
-          </a:bodyPr>
-          <a:lstStyle/>
-          <a:p>
-            <a:pPr lvl="0" algn="ctr">
-              <a:lnSpc>
-                <a:spcPct val="90000"/>
-              </a:lnSpc>
-              <a:buClr>
-                <a:schemeClr val="dk1"/>
-              </a:buClr>
-              <a:buSzPts val="4400"/>
-            </a:pPr>
-            <a:r>
-              <a:rPr lang="en-US" dirty="0" smtClean="0"/>
-              <a:t>Hours</a:t>
-            </a:r>
-            <a:endParaRPr dirty="0"/>
-          </a:p>
-        </p:txBody>
-      </p:sp>
-      <p:sp>
-        <p:nvSpPr>
-          <p:cNvPr id="104" name="Google Shape;104;p16"/>
-          <p:cNvSpPr txBox="1">
-            <a:spLocks noGrp="1"/>
-          </p:cNvSpPr>
-          <p:nvPr>
-            <p:ph type="subTitle" idx="1"/>
-          </p:nvPr>
-        </p:nvSpPr>
-        <p:spPr>
-          <a:xfrm>
-            <a:off x="838200" y="1825625"/>
-            <a:ext cx="10515600" cy="4351200"/>
-          </a:xfrm>
-          <a:prstGeom prst="rect">
-            <a:avLst/>
-          </a:prstGeom>
-          <a:noFill/>
-          <a:ln>
-            <a:noFill/>
-          </a:ln>
-        </p:spPr>
-        <p:txBody>
-          <a:bodyPr spcFirstLastPara="1" wrap="square" lIns="91425" tIns="45700" rIns="91425" bIns="45700" anchor="t" anchorCtr="0">
-            <a:noAutofit/>
-          </a:bodyPr>
-          <a:lstStyle/>
-          <a:p>
-            <a:pPr lvl="0" indent="-457200" algn="l" rtl="0">
-              <a:lnSpc>
-                <a:spcPct val="90000"/>
-              </a:lnSpc>
-              <a:spcBef>
-                <a:spcPts val="1000"/>
-              </a:spcBef>
-              <a:spcAft>
-                <a:spcPts val="0"/>
-              </a:spcAft>
-              <a:buFont typeface="Arial" panose="020B0604020202020204" pitchFamily="34" charset="0"/>
-              <a:buChar char="•"/>
-            </a:pPr>
-            <a:endParaRPr lang="en-US" dirty="0" smtClean="0"/>
-          </a:p>
-          <a:p>
-            <a:pPr marL="0" lvl="0" indent="0" algn="l" rtl="0">
-              <a:lnSpc>
-                <a:spcPct val="90000"/>
-              </a:lnSpc>
-              <a:spcBef>
-                <a:spcPts val="1000"/>
-              </a:spcBef>
-              <a:spcAft>
-                <a:spcPts val="0"/>
-              </a:spcAft>
-              <a:buNone/>
-            </a:pPr>
-            <a:endParaRPr dirty="0"/>
-          </a:p>
-          <a:p>
-            <a:pPr marL="228600" lvl="0" indent="-50800" algn="l" rtl="0">
-              <a:lnSpc>
-                <a:spcPct val="90000"/>
-              </a:lnSpc>
-              <a:spcBef>
-                <a:spcPts val="1000"/>
-              </a:spcBef>
-              <a:spcAft>
-                <a:spcPts val="0"/>
-              </a:spcAft>
-              <a:buClr>
-                <a:schemeClr val="dk1"/>
-              </a:buClr>
-              <a:buSzPts val="2800"/>
-              <a:buNone/>
-            </a:pPr>
-            <a:endParaRPr dirty="0"/>
-          </a:p>
-          <a:p>
-            <a:pPr marL="228600" lvl="0" indent="-50800" algn="l" rtl="0">
-              <a:lnSpc>
-                <a:spcPct val="90000"/>
-              </a:lnSpc>
-              <a:spcBef>
-                <a:spcPts val="1000"/>
-              </a:spcBef>
-              <a:spcAft>
-                <a:spcPts val="0"/>
-              </a:spcAft>
-              <a:buClr>
-                <a:schemeClr val="dk1"/>
-              </a:buClr>
-              <a:buSzPts val="2800"/>
-              <a:buNone/>
-            </a:pPr>
-            <a:endParaRPr dirty="0"/>
-          </a:p>
-          <a:p>
-            <a:pPr marL="177800" lvl="0" indent="0" algn="l" rtl="0">
-              <a:lnSpc>
-                <a:spcPct val="90000"/>
-              </a:lnSpc>
-              <a:spcBef>
-                <a:spcPts val="1000"/>
-              </a:spcBef>
-              <a:spcAft>
-                <a:spcPts val="0"/>
-              </a:spcAft>
-              <a:buClr>
-                <a:schemeClr val="dk1"/>
-              </a:buClr>
-              <a:buSzPts val="2800"/>
-              <a:buNone/>
-            </a:pPr>
-            <a:endParaRPr dirty="0"/>
-          </a:p>
-        </p:txBody>
-      </p:sp>
-    </p:spTree>
-    <p:extLst>
-      <p:ext uri="{BB962C8B-B14F-4D97-AF65-F5344CB8AC3E}">
-        <p14:creationId xmlns:p14="http://schemas.microsoft.com/office/powerpoint/2010/main" val="2454635263"/>
-      </p:ext>
-    </p:extLst>
-  </p:cSld>
-  <p:clrMapOvr>
-    <a:masterClrMapping/>
-  </p:clrMapOvr>
-</p:sld>
-</file>
-
-<file path=ppt/slides/slide8.xml><?xml version="1.0" encoding="utf-8"?>
-<p:sld xmlns:a="http://schemas.openxmlformats.org/drawingml/2006/main" xmlns:r="http://schemas.openxmlformats.org/officeDocument/2006/relationships" xmlns:p="http://schemas.openxmlformats.org/presentationml/2006/main">
-  <p:cSld>
-    <p:spTree>
-      <p:nvGrpSpPr>
-        <p:cNvPr id="1" name="Shape 102"/>
-        <p:cNvGrpSpPr/>
-        <p:nvPr/>
-      </p:nvGrpSpPr>
-      <p:grpSpPr>
-        <a:xfrm>
-          <a:off x="0" y="0"/>
-          <a:ext cx="0" cy="0"/>
-          <a:chOff x="0" y="0"/>
-          <a:chExt cx="0" cy="0"/>
-        </a:xfrm>
-      </p:grpSpPr>
-      <p:sp>
-        <p:nvSpPr>
-          <p:cNvPr id="103" name="Google Shape;103;p16"/>
-          <p:cNvSpPr txBox="1">
-            <a:spLocks noGrp="1"/>
-          </p:cNvSpPr>
-          <p:nvPr>
-            <p:ph type="ctrTitle"/>
-          </p:nvPr>
-        </p:nvSpPr>
-        <p:spPr>
-          <a:xfrm>
-            <a:off x="838200" y="365125"/>
-            <a:ext cx="10515600" cy="1325700"/>
-          </a:xfrm>
-          <a:prstGeom prst="rect">
-            <a:avLst/>
-          </a:prstGeom>
-          <a:noFill/>
-          <a:ln>
-            <a:noFill/>
-          </a:ln>
-        </p:spPr>
-        <p:txBody>
-          <a:bodyPr spcFirstLastPara="1" wrap="square" lIns="91425" tIns="45700" rIns="91425" bIns="45700" anchor="ctr" anchorCtr="0">
-            <a:noAutofit/>
-          </a:bodyPr>
-          <a:lstStyle/>
-          <a:p>
-            <a:pPr lvl="0" algn="ctr">
-              <a:lnSpc>
-                <a:spcPct val="90000"/>
-              </a:lnSpc>
-              <a:buClr>
-                <a:schemeClr val="dk1"/>
-              </a:buClr>
-              <a:buSzPts val="4400"/>
-            </a:pPr>
-            <a:r>
-              <a:rPr lang="en-US" dirty="0" smtClean="0"/>
-              <a:t>Summary</a:t>
-            </a:r>
-            <a:endParaRPr dirty="0"/>
-          </a:p>
-        </p:txBody>
-      </p:sp>
-      <p:sp>
-        <p:nvSpPr>
-          <p:cNvPr id="104" name="Google Shape;104;p16"/>
-          <p:cNvSpPr txBox="1">
-            <a:spLocks noGrp="1"/>
-          </p:cNvSpPr>
-          <p:nvPr>
-            <p:ph type="subTitle" idx="1"/>
-          </p:nvPr>
-        </p:nvSpPr>
-        <p:spPr>
-          <a:xfrm>
-            <a:off x="838200" y="1825625"/>
-            <a:ext cx="10515600" cy="4351200"/>
-          </a:xfrm>
-          <a:prstGeom prst="rect">
-            <a:avLst/>
-          </a:prstGeom>
-          <a:noFill/>
-          <a:ln>
-            <a:noFill/>
-          </a:ln>
-        </p:spPr>
-        <p:txBody>
-          <a:bodyPr spcFirstLastPara="1" wrap="square" lIns="91425" tIns="45700" rIns="91425" bIns="45700" anchor="t" anchorCtr="0">
-            <a:noAutofit/>
-          </a:bodyPr>
-          <a:lstStyle/>
-          <a:p>
-            <a:pPr lvl="0" indent="-457200" algn="l" rtl="0">
-              <a:lnSpc>
-                <a:spcPct val="90000"/>
-              </a:lnSpc>
-              <a:spcBef>
-                <a:spcPts val="1000"/>
-              </a:spcBef>
-              <a:spcAft>
-                <a:spcPts val="0"/>
-              </a:spcAft>
-              <a:buFont typeface="Arial" panose="020B0604020202020204" pitchFamily="34" charset="0"/>
-              <a:buChar char="•"/>
-            </a:pPr>
-            <a:r>
-              <a:rPr lang="en-US" dirty="0" smtClean="0"/>
-              <a:t>The app will use the students id to mark themselves present. They might have enter another input. </a:t>
-            </a:r>
-            <a:endParaRPr lang="en-US" dirty="0"/>
-          </a:p>
-          <a:p>
-            <a:pPr lvl="0" indent="-457200" algn="l" rtl="0">
-              <a:lnSpc>
-                <a:spcPct val="90000"/>
-              </a:lnSpc>
-              <a:spcBef>
-                <a:spcPts val="1000"/>
-              </a:spcBef>
-              <a:spcAft>
-                <a:spcPts val="0"/>
-              </a:spcAft>
-              <a:buFont typeface="Arial" panose="020B0604020202020204" pitchFamily="34" charset="0"/>
-              <a:buChar char="•"/>
-            </a:pPr>
-            <a:r>
-              <a:rPr lang="en-US" dirty="0" smtClean="0"/>
-              <a:t>The instructor can query a student/ list of students attendance status, which is color coded, between the start and end date of the course. They can also alter the students attendance status and determine valid class sessions.</a:t>
-            </a:r>
-          </a:p>
-          <a:p>
-            <a:pPr marL="0" lvl="0" indent="0" algn="l" rtl="0">
-              <a:lnSpc>
-                <a:spcPct val="90000"/>
-              </a:lnSpc>
-              <a:spcBef>
-                <a:spcPts val="1000"/>
-              </a:spcBef>
-              <a:spcAft>
-                <a:spcPts val="0"/>
-              </a:spcAft>
-              <a:buNone/>
-            </a:pPr>
-            <a:endParaRPr dirty="0"/>
-          </a:p>
-          <a:p>
-            <a:pPr marL="228600" lvl="0" indent="-50800" algn="l" rtl="0">
-              <a:lnSpc>
-                <a:spcPct val="90000"/>
-              </a:lnSpc>
-              <a:spcBef>
-                <a:spcPts val="1000"/>
-              </a:spcBef>
-              <a:spcAft>
-                <a:spcPts val="0"/>
-              </a:spcAft>
-              <a:buClr>
-                <a:schemeClr val="dk1"/>
-              </a:buClr>
-              <a:buSzPts val="2800"/>
-              <a:buNone/>
-            </a:pPr>
-            <a:endParaRPr dirty="0"/>
-          </a:p>
-          <a:p>
-            <a:pPr marL="228600" lvl="0" indent="-50800" algn="l" rtl="0">
-              <a:lnSpc>
-                <a:spcPct val="90000"/>
-              </a:lnSpc>
-              <a:spcBef>
-                <a:spcPts val="1000"/>
-              </a:spcBef>
-              <a:spcAft>
-                <a:spcPts val="0"/>
-              </a:spcAft>
-              <a:buClr>
-                <a:schemeClr val="dk1"/>
-              </a:buClr>
-              <a:buSzPts val="2800"/>
-              <a:buNone/>
-            </a:pPr>
-            <a:endParaRPr dirty="0"/>
-          </a:p>
-          <a:p>
-            <a:pPr marL="177800" lvl="0" indent="0" algn="l" rtl="0">
-              <a:lnSpc>
-                <a:spcPct val="90000"/>
-              </a:lnSpc>
-              <a:spcBef>
-                <a:spcPts val="1000"/>
-              </a:spcBef>
-              <a:spcAft>
-                <a:spcPts val="0"/>
-              </a:spcAft>
-              <a:buClr>
-                <a:schemeClr val="dk1"/>
-              </a:buClr>
-              <a:buSzPts val="2800"/>
-              <a:buNone/>
-            </a:pPr>
-            <a:endParaRPr dirty="0"/>
-          </a:p>
-        </p:txBody>
-      </p:sp>
-    </p:spTree>
-    <p:extLst>
-      <p:ext uri="{BB962C8B-B14F-4D97-AF65-F5344CB8AC3E}">
-        <p14:creationId xmlns:p14="http://schemas.microsoft.com/office/powerpoint/2010/main" val="551958229"/>
-      </p:ext>
-    </p:extLst>
-  </p:cSld>
-  <p:clrMapOvr>
-    <a:masterClrMapping/>
-  </p:clrMapOvr>
-</p:sld>
-</file>
-
-<file path=ppt/theme/theme1.xml><?xml version="1.0" encoding="utf-8"?>
-<a:theme xmlns:a="http://schemas.openxmlformats.org/drawingml/2006/main" name="Geometric">
+<file path=ppt/theme/theme2.xml><?xml version="1.0" encoding="utf-8"?>
+<a:theme xmlns:a="http://schemas.openxmlformats.org/drawingml/2006/main" xmlns:r="http://schemas.openxmlformats.org/officeDocument/2006/relationships" name="Geometric">
   <a:themeElements>
     <a:clrScheme name="Geometric">
       <a:dk1>
@@ -9708,288 +10093,5 @@
       </a:bgFillStyleLst>
     </a:fmtScheme>
   </a:themeElements>
-  <a:objectDefaults/>
-  <a:extraClrSchemeLst/>
-</a:theme>
-</file>
-
-<file path=ppt/theme/theme2.xml><?xml version="1.0" encoding="utf-8"?>
-<a:theme xmlns:a="http://schemas.openxmlformats.org/drawingml/2006/main">
-  <a:themeElements>
-    <a:clrScheme name="Default">
-      <a:dk1>
-        <a:srgbClr val="000000"/>
-      </a:dk1>
-      <a:lt1>
-        <a:srgbClr val="FFFFFF"/>
-      </a:lt1>
-      <a:dk2>
-        <a:srgbClr val="158158"/>
-      </a:dk2>
-      <a:lt2>
-        <a:srgbClr val="F3F3F3"/>
-      </a:lt2>
-      <a:accent1>
-        <a:srgbClr val="058DC7"/>
-      </a:accent1>
-      <a:accent2>
-        <a:srgbClr val="50B432"/>
-      </a:accent2>
-      <a:accent3>
-        <a:srgbClr val="ED561B"/>
-      </a:accent3>
-      <a:accent4>
-        <a:srgbClr val="EDEF00"/>
-      </a:accent4>
-      <a:accent5>
-        <a:srgbClr val="24CBE5"/>
-      </a:accent5>
-      <a:accent6>
-        <a:srgbClr val="64E572"/>
-      </a:accent6>
-      <a:hlink>
-        <a:srgbClr val="2200CC"/>
-      </a:hlink>
-      <a:folHlink>
-        <a:srgbClr val="551A8B"/>
-      </a:folHlink>
-    </a:clrScheme>
-    <a:fontScheme name="Office">
-      <a:majorFont>
-        <a:latin typeface="Arial"/>
-        <a:ea typeface=""/>
-        <a:cs typeface=""/>
-        <a:font script="Jpan" typeface="ＭＳ Ｐゴシック"/>
-        <a:font script="Hang" typeface="맑은 고딕"/>
-        <a:font script="Hans" typeface="宋体"/>
-        <a:font script="Hant" typeface="新細明體"/>
-        <a:font script="Arab" typeface="Times New Roman"/>
-        <a:font script="Hebr" typeface="Times New Roman"/>
-        <a:font script="Thai" typeface="Angsana New"/>
-        <a:font script="Ethi" typeface="Nyala"/>
-        <a:font script="Beng" typeface="Vrinda"/>
-        <a:font script="Gujr" typeface="Shruti"/>
-        <a:font script="Khmr" typeface="MoolBoran"/>
-        <a:font script="Knda" typeface="Tunga"/>
-        <a:font script="Guru" typeface="Raavi"/>
-        <a:font script="Cans" typeface="Euphemia"/>
-        <a:font script="Cher" typeface="Plantagenet Cherokee"/>
-        <a:font script="Yiii" typeface="Microsoft Yi Baiti"/>
-        <a:font script="Tibt" typeface="Microsoft Himalaya"/>
-        <a:font script="Thaa" typeface="MV Boli"/>
-        <a:font script="Deva" typeface="Mangal"/>
-        <a:font script="Telu" typeface="Gautami"/>
-        <a:font script="Taml" typeface="Latha"/>
-        <a:font script="Syrc" typeface="Estrangelo Edessa"/>
-        <a:font script="Orya" typeface="Kalinga"/>
-        <a:font script="Mlym" typeface="Kartika"/>
-        <a:font script="Laoo" typeface="DokChampa"/>
-        <a:font script="Sinh" typeface="Iskoola Pota"/>
-        <a:font script="Mong" typeface="Mongolian Baiti"/>
-        <a:font script="Viet" typeface="Times New Roman"/>
-        <a:font script="Uigh" typeface="Microsoft Uighur"/>
-        <a:font script="Geor" typeface="Sylfaen"/>
-      </a:majorFont>
-      <a:minorFont>
-        <a:latin typeface="Arial"/>
-        <a:ea typeface=""/>
-        <a:cs typeface=""/>
-        <a:font script="Jpan" typeface="ＭＳ Ｐゴシック"/>
-        <a:font script="Hang" typeface="맑은 고딕"/>
-        <a:font script="Hans" typeface="宋体"/>
-        <a:font script="Hant" typeface="新細明體"/>
-        <a:font script="Arab" typeface="Arial"/>
-        <a:font script="Hebr" typeface="Arial"/>
-        <a:font script="Thai" typeface="Cordia New"/>
-        <a:font script="Ethi" typeface="Nyala"/>
-        <a:font script="Beng" typeface="Vrinda"/>
-        <a:font script="Gujr" typeface="Shruti"/>
-        <a:font script="Khmr" typeface="DaunPenh"/>
-        <a:font script="Knda" typeface="Tunga"/>
-        <a:font script="Guru" typeface="Raavi"/>
-        <a:font script="Cans" typeface="Euphemia"/>
-        <a:font script="Cher" typeface="Plantagenet Cherokee"/>
-        <a:font script="Yiii" typeface="Microsoft Yi Baiti"/>
-        <a:font script="Tibt" typeface="Microsoft Himalaya"/>
-        <a:font script="Thaa" typeface="MV Boli"/>
-        <a:font script="Deva" typeface="Mangal"/>
-        <a:font script="Telu" typeface="Gautami"/>
-        <a:font script="Taml" typeface="Latha"/>
-        <a:font script="Syrc" typeface="Estrangelo Edessa"/>
-        <a:font script="Orya" typeface="Kalinga"/>
-        <a:font script="Mlym" typeface="Kartika"/>
-        <a:font script="Laoo" typeface="DokChampa"/>
-        <a:font script="Sinh" typeface="Iskoola Pota"/>
-        <a:font script="Mong" typeface="Mongolian Baiti"/>
-        <a:font script="Viet" typeface="Arial"/>
-        <a:font script="Uigh" typeface="Microsoft Uighur"/>
-        <a:font script="Geor" typeface="Sylfaen"/>
-      </a:minorFont>
-    </a:fontScheme>
-    <a:fmtScheme name="Office">
-      <a:fillStyleLst>
-        <a:solidFill>
-          <a:schemeClr val="phClr"/>
-        </a:solidFill>
-        <a:gradFill rotWithShape="1">
-          <a:gsLst>
-            <a:gs pos="0">
-              <a:schemeClr val="phClr">
-                <a:tint val="50000"/>
-                <a:satMod val="300000"/>
-              </a:schemeClr>
-            </a:gs>
-            <a:gs pos="35000">
-              <a:schemeClr val="phClr">
-                <a:tint val="37000"/>
-                <a:satMod val="300000"/>
-              </a:schemeClr>
-            </a:gs>
-            <a:gs pos="100000">
-              <a:schemeClr val="phClr">
-                <a:tint val="15000"/>
-                <a:satMod val="350000"/>
-              </a:schemeClr>
-            </a:gs>
-          </a:gsLst>
-          <a:lin ang="16200000" scaled="1"/>
-        </a:gradFill>
-        <a:gradFill rotWithShape="1">
-          <a:gsLst>
-            <a:gs pos="0">
-              <a:schemeClr val="phClr">
-                <a:tint val="100000"/>
-                <a:shade val="100000"/>
-                <a:satMod val="130000"/>
-              </a:schemeClr>
-            </a:gs>
-            <a:gs pos="100000">
-              <a:schemeClr val="phClr">
-                <a:tint val="50000"/>
-                <a:shade val="100000"/>
-                <a:satMod val="350000"/>
-              </a:schemeClr>
-            </a:gs>
-          </a:gsLst>
-          <a:lin ang="16200000" scaled="0"/>
-        </a:gradFill>
-      </a:fillStyleLst>
-      <a:lnStyleLst>
-        <a:ln w="9525" cap="flat" cmpd="sng" algn="ctr">
-          <a:solidFill>
-            <a:schemeClr val="phClr">
-              <a:shade val="95000"/>
-              <a:satMod val="105000"/>
-            </a:schemeClr>
-          </a:solidFill>
-          <a:prstDash val="solid"/>
-        </a:ln>
-        <a:ln w="25400" cap="flat" cmpd="sng" algn="ctr">
-          <a:solidFill>
-            <a:schemeClr val="phClr"/>
-          </a:solidFill>
-          <a:prstDash val="solid"/>
-        </a:ln>
-        <a:ln w="38100" cap="flat" cmpd="sng" algn="ctr">
-          <a:solidFill>
-            <a:schemeClr val="phClr"/>
-          </a:solidFill>
-          <a:prstDash val="solid"/>
-        </a:ln>
-      </a:lnStyleLst>
-      <a:effectStyleLst>
-        <a:effectStyle>
-          <a:effectLst>
-            <a:outerShdw blurRad="40000" dist="20000" dir="5400000" rotWithShape="0">
-              <a:srgbClr val="000000">
-                <a:alpha val="38000"/>
-              </a:srgbClr>
-            </a:outerShdw>
-          </a:effectLst>
-        </a:effectStyle>
-        <a:effectStyle>
-          <a:effectLst>
-            <a:outerShdw blurRad="40000" dist="23000" dir="5400000" rotWithShape="0">
-              <a:srgbClr val="000000">
-                <a:alpha val="35000"/>
-              </a:srgbClr>
-            </a:outerShdw>
-          </a:effectLst>
-        </a:effectStyle>
-        <a:effectStyle>
-          <a:effectLst>
-            <a:outerShdw blurRad="40000" dist="23000" dir="5400000" rotWithShape="0">
-              <a:srgbClr val="000000">
-                <a:alpha val="35000"/>
-              </a:srgbClr>
-            </a:outerShdw>
-          </a:effectLst>
-          <a:scene3d>
-            <a:camera prst="orthographicFront">
-              <a:rot lat="0" lon="0" rev="0"/>
-            </a:camera>
-            <a:lightRig rig="threePt" dir="t">
-              <a:rot lat="0" lon="0" rev="1200000"/>
-            </a:lightRig>
-          </a:scene3d>
-          <a:sp3d>
-            <a:bevelT w="63500" h="25400"/>
-          </a:sp3d>
-        </a:effectStyle>
-      </a:effectStyleLst>
-      <a:bgFillStyleLst>
-        <a:solidFill>
-          <a:schemeClr val="phClr"/>
-        </a:solidFill>
-        <a:gradFill rotWithShape="1">
-          <a:gsLst>
-            <a:gs pos="0">
-              <a:schemeClr val="phClr">
-                <a:tint val="40000"/>
-                <a:satMod val="350000"/>
-              </a:schemeClr>
-            </a:gs>
-            <a:gs pos="40000">
-              <a:schemeClr val="phClr">
-                <a:tint val="45000"/>
-                <a:shade val="99000"/>
-                <a:satMod val="350000"/>
-              </a:schemeClr>
-            </a:gs>
-            <a:gs pos="100000">
-              <a:schemeClr val="phClr">
-                <a:shade val="20000"/>
-                <a:satMod val="255000"/>
-              </a:schemeClr>
-            </a:gs>
-          </a:gsLst>
-          <a:path path="circle">
-            <a:fillToRect l="50000" t="-80000" r="50000" b="180000"/>
-          </a:path>
-        </a:gradFill>
-        <a:gradFill rotWithShape="1">
-          <a:gsLst>
-            <a:gs pos="0">
-              <a:schemeClr val="phClr">
-                <a:tint val="80000"/>
-                <a:satMod val="300000"/>
-              </a:schemeClr>
-            </a:gs>
-            <a:gs pos="100000">
-              <a:schemeClr val="phClr">
-                <a:shade val="30000"/>
-                <a:satMod val="200000"/>
-              </a:schemeClr>
-            </a:gs>
-          </a:gsLst>
-          <a:path path="circle">
-            <a:fillToRect l="50000" t="50000" r="50000" b="50000"/>
-          </a:path>
-        </a:gradFill>
-      </a:bgFillStyleLst>
-    </a:fmtScheme>
-  </a:themeElements>
-  <a:objectDefaults/>
-  <a:extraClrSchemeLst/>
 </a:theme>
 </file>